--- a/RWorkshopBonus-MapsAndSpatialAnalysis.pptx
+++ b/RWorkshopBonus-MapsAndSpatialAnalysis.pptx
@@ -195,6 +195,20 @@
         </p14:section>
       </p14:sectionLst>
     </p:ext>
+    <p:ext uri="{EFAFB233-063F-42B5-8137-9DF3F51BA10A}">
+      <p15:sldGuideLst xmlns:p15="http://schemas.microsoft.com/office/powerpoint/2012/main">
+        <p15:guide id="1" orient="horz" pos="2160">
+          <p15:clr>
+            <a:srgbClr val="A4A3A4"/>
+          </p15:clr>
+        </p15:guide>
+        <p15:guide id="2" pos="2880">
+          <p15:clr>
+            <a:srgbClr val="A4A3A4"/>
+          </p15:clr>
+        </p15:guide>
+      </p15:sldGuideLst>
+    </p:ext>
   </p:extLst>
 </p:presentation>
 </file>
@@ -281,7 +295,7 @@
           <a:p>
             <a:fld id="{5952F3A4-5068-400C-A685-C15B203D2248}" type="datetimeFigureOut">
               <a:rPr lang="en-US" smtClean="0"/>
-              <a:t>6/13/19</a:t>
+              <a:t>1/7/21</a:t>
             </a:fld>
             <a:endParaRPr lang="en-US"/>
           </a:p>
@@ -345,38 +359,37 @@
           <a:p>
             <a:pPr lvl="0"/>
             <a:r>
-              <a:rPr lang="en-US" smtClean="0"/>
+              <a:rPr lang="en-US"/>
               <a:t>Click to edit Master text styles</a:t>
             </a:r>
           </a:p>
           <a:p>
             <a:pPr lvl="1"/>
             <a:r>
-              <a:rPr lang="en-US" smtClean="0"/>
+              <a:rPr lang="en-US"/>
               <a:t>Second level</a:t>
             </a:r>
           </a:p>
           <a:p>
             <a:pPr lvl="2"/>
             <a:r>
-              <a:rPr lang="en-US" smtClean="0"/>
+              <a:rPr lang="en-US"/>
               <a:t>Third level</a:t>
             </a:r>
           </a:p>
           <a:p>
             <a:pPr lvl="3"/>
             <a:r>
-              <a:rPr lang="en-US" smtClean="0"/>
+              <a:rPr lang="en-US"/>
               <a:t>Fourth level</a:t>
             </a:r>
           </a:p>
           <a:p>
             <a:pPr lvl="4"/>
             <a:r>
-              <a:rPr lang="en-US" smtClean="0"/>
+              <a:rPr lang="en-US"/>
               <a:t>Fifth level</a:t>
             </a:r>
-            <a:endParaRPr lang="en-US"/>
           </a:p>
         </p:txBody>
       </p:sp>
@@ -594,11 +607,11 @@
           <a:lstStyle/>
           <a:p>
             <a:r>
-              <a:rPr lang="en-US" dirty="0" smtClean="0"/>
+              <a:rPr lang="en-US" dirty="0"/>
               <a:t>River age estimation is</a:t>
             </a:r>
             <a:r>
-              <a:rPr lang="en-US" baseline="0" dirty="0" smtClean="0"/>
+              <a:rPr lang="en-US" baseline="0" dirty="0"/>
               <a:t> totally fascinating.  The Amazon is postulated to have flowed the other direction as an extension of the Congo before South America and Africa separated?  Holy crap!</a:t>
             </a:r>
             <a:endParaRPr lang="en-US" dirty="0"/>
@@ -679,10 +692,9 @@
           <a:lstStyle/>
           <a:p>
             <a:r>
-              <a:rPr lang="en-US" smtClean="0"/>
+              <a:rPr lang="en-US"/>
               <a:t>Click to edit Master title style</a:t>
             </a:r>
-            <a:endParaRPr lang="en-US"/>
           </a:p>
         </p:txBody>
       </p:sp>
@@ -798,32 +810,30 @@
           </a:lstStyle>
           <a:p>
             <a:r>
+              <a:rPr lang="en-US"/>
+              <a:t>Click to edit Master subtitle style</a:t>
+            </a:r>
+          </a:p>
+        </p:txBody>
+      </p:sp>
+      <p:sp>
+        <p:nvSpPr>
+          <p:cNvPr id="4" name="Date Placeholder 3"/>
+          <p:cNvSpPr>
+            <a:spLocks noGrp="1"/>
+          </p:cNvSpPr>
+          <p:nvPr>
+            <p:ph type="dt" sz="half" idx="10"/>
+          </p:nvPr>
+        </p:nvSpPr>
+        <p:spPr/>
+        <p:txBody>
+          <a:bodyPr/>
+          <a:lstStyle/>
+          <a:p>
+            <a:fld id="{00BF8C21-56F9-7F45-9BE6-170CE0BB39D5}" type="datetime1">
               <a:rPr lang="en-US" smtClean="0"/>
-              <a:t>Click to edit Master subtitle style</a:t>
-            </a:r>
-            <a:endParaRPr lang="en-US"/>
-          </a:p>
-        </p:txBody>
-      </p:sp>
-      <p:sp>
-        <p:nvSpPr>
-          <p:cNvPr id="4" name="Date Placeholder 3"/>
-          <p:cNvSpPr>
-            <a:spLocks noGrp="1"/>
-          </p:cNvSpPr>
-          <p:nvPr>
-            <p:ph type="dt" sz="half" idx="10"/>
-          </p:nvPr>
-        </p:nvSpPr>
-        <p:spPr/>
-        <p:txBody>
-          <a:bodyPr/>
-          <a:lstStyle/>
-          <a:p>
-            <a:fld id="{4CB8DA3B-3FA7-45B2-858A-A1FA8621FB20}" type="datetimeFigureOut">
-              <a:rPr lang="en-US" smtClean="0"/>
-              <a:pPr/>
-              <a:t>6/13/19</a:t>
+              <a:t>1/7/21</a:t>
             </a:fld>
             <a:endParaRPr lang="en-US"/>
           </a:p>
@@ -918,84 +928,81 @@
           <a:lstStyle/>
           <a:p>
             <a:r>
+              <a:rPr lang="en-US"/>
+              <a:t>Click to edit Master title style</a:t>
+            </a:r>
+          </a:p>
+        </p:txBody>
+      </p:sp>
+      <p:sp>
+        <p:nvSpPr>
+          <p:cNvPr id="3" name="Vertical Text Placeholder 2"/>
+          <p:cNvSpPr>
+            <a:spLocks noGrp="1"/>
+          </p:cNvSpPr>
+          <p:nvPr>
+            <p:ph type="body" orient="vert" idx="1"/>
+          </p:nvPr>
+        </p:nvSpPr>
+        <p:spPr/>
+        <p:txBody>
+          <a:bodyPr vert="eaVert"/>
+          <a:lstStyle/>
+          <a:p>
+            <a:pPr lvl="0"/>
+            <a:r>
+              <a:rPr lang="en-US"/>
+              <a:t>Click to edit Master text styles</a:t>
+            </a:r>
+          </a:p>
+          <a:p>
+            <a:pPr lvl="1"/>
+            <a:r>
+              <a:rPr lang="en-US"/>
+              <a:t>Second level</a:t>
+            </a:r>
+          </a:p>
+          <a:p>
+            <a:pPr lvl="2"/>
+            <a:r>
+              <a:rPr lang="en-US"/>
+              <a:t>Third level</a:t>
+            </a:r>
+          </a:p>
+          <a:p>
+            <a:pPr lvl="3"/>
+            <a:r>
+              <a:rPr lang="en-US"/>
+              <a:t>Fourth level</a:t>
+            </a:r>
+          </a:p>
+          <a:p>
+            <a:pPr lvl="4"/>
+            <a:r>
+              <a:rPr lang="en-US"/>
+              <a:t>Fifth level</a:t>
+            </a:r>
+          </a:p>
+        </p:txBody>
+      </p:sp>
+      <p:sp>
+        <p:nvSpPr>
+          <p:cNvPr id="4" name="Date Placeholder 3"/>
+          <p:cNvSpPr>
+            <a:spLocks noGrp="1"/>
+          </p:cNvSpPr>
+          <p:nvPr>
+            <p:ph type="dt" sz="half" idx="10"/>
+          </p:nvPr>
+        </p:nvSpPr>
+        <p:spPr/>
+        <p:txBody>
+          <a:bodyPr/>
+          <a:lstStyle/>
+          <a:p>
+            <a:fld id="{A737B604-0C62-C04F-B145-E6A0DEC50ECB}" type="datetime1">
               <a:rPr lang="en-US" smtClean="0"/>
-              <a:t>Click to edit Master title style</a:t>
-            </a:r>
-            <a:endParaRPr lang="en-US"/>
-          </a:p>
-        </p:txBody>
-      </p:sp>
-      <p:sp>
-        <p:nvSpPr>
-          <p:cNvPr id="3" name="Vertical Text Placeholder 2"/>
-          <p:cNvSpPr>
-            <a:spLocks noGrp="1"/>
-          </p:cNvSpPr>
-          <p:nvPr>
-            <p:ph type="body" orient="vert" idx="1"/>
-          </p:nvPr>
-        </p:nvSpPr>
-        <p:spPr/>
-        <p:txBody>
-          <a:bodyPr vert="eaVert"/>
-          <a:lstStyle/>
-          <a:p>
-            <a:pPr lvl="0"/>
-            <a:r>
-              <a:rPr lang="en-US" smtClean="0"/>
-              <a:t>Click to edit Master text styles</a:t>
-            </a:r>
-          </a:p>
-          <a:p>
-            <a:pPr lvl="1"/>
-            <a:r>
-              <a:rPr lang="en-US" smtClean="0"/>
-              <a:t>Second level</a:t>
-            </a:r>
-          </a:p>
-          <a:p>
-            <a:pPr lvl="2"/>
-            <a:r>
-              <a:rPr lang="en-US" smtClean="0"/>
-              <a:t>Third level</a:t>
-            </a:r>
-          </a:p>
-          <a:p>
-            <a:pPr lvl="3"/>
-            <a:r>
-              <a:rPr lang="en-US" smtClean="0"/>
-              <a:t>Fourth level</a:t>
-            </a:r>
-          </a:p>
-          <a:p>
-            <a:pPr lvl="4"/>
-            <a:r>
-              <a:rPr lang="en-US" smtClean="0"/>
-              <a:t>Fifth level</a:t>
-            </a:r>
-            <a:endParaRPr lang="en-US"/>
-          </a:p>
-        </p:txBody>
-      </p:sp>
-      <p:sp>
-        <p:nvSpPr>
-          <p:cNvPr id="4" name="Date Placeholder 3"/>
-          <p:cNvSpPr>
-            <a:spLocks noGrp="1"/>
-          </p:cNvSpPr>
-          <p:nvPr>
-            <p:ph type="dt" sz="half" idx="10"/>
-          </p:nvPr>
-        </p:nvSpPr>
-        <p:spPr/>
-        <p:txBody>
-          <a:bodyPr/>
-          <a:lstStyle/>
-          <a:p>
-            <a:fld id="{4CB8DA3B-3FA7-45B2-858A-A1FA8621FB20}" type="datetimeFigureOut">
-              <a:rPr lang="en-US" smtClean="0"/>
-              <a:pPr/>
-              <a:t>6/13/19</a:t>
+              <a:t>1/7/21</a:t>
             </a:fld>
             <a:endParaRPr lang="en-US"/>
           </a:p>
@@ -1095,10 +1102,9 @@
           <a:lstStyle/>
           <a:p>
             <a:r>
-              <a:rPr lang="en-US" smtClean="0"/>
+              <a:rPr lang="en-US"/>
               <a:t>Click to edit Master title style</a:t>
             </a:r>
-            <a:endParaRPr lang="en-US"/>
           </a:p>
         </p:txBody>
       </p:sp>
@@ -1124,60 +1130,58 @@
           <a:p>
             <a:pPr lvl="0"/>
             <a:r>
+              <a:rPr lang="en-US"/>
+              <a:t>Click to edit Master text styles</a:t>
+            </a:r>
+          </a:p>
+          <a:p>
+            <a:pPr lvl="1"/>
+            <a:r>
+              <a:rPr lang="en-US"/>
+              <a:t>Second level</a:t>
+            </a:r>
+          </a:p>
+          <a:p>
+            <a:pPr lvl="2"/>
+            <a:r>
+              <a:rPr lang="en-US"/>
+              <a:t>Third level</a:t>
+            </a:r>
+          </a:p>
+          <a:p>
+            <a:pPr lvl="3"/>
+            <a:r>
+              <a:rPr lang="en-US"/>
+              <a:t>Fourth level</a:t>
+            </a:r>
+          </a:p>
+          <a:p>
+            <a:pPr lvl="4"/>
+            <a:r>
+              <a:rPr lang="en-US"/>
+              <a:t>Fifth level</a:t>
+            </a:r>
+          </a:p>
+        </p:txBody>
+      </p:sp>
+      <p:sp>
+        <p:nvSpPr>
+          <p:cNvPr id="4" name="Date Placeholder 3"/>
+          <p:cNvSpPr>
+            <a:spLocks noGrp="1"/>
+          </p:cNvSpPr>
+          <p:nvPr>
+            <p:ph type="dt" sz="half" idx="10"/>
+          </p:nvPr>
+        </p:nvSpPr>
+        <p:spPr/>
+        <p:txBody>
+          <a:bodyPr/>
+          <a:lstStyle/>
+          <a:p>
+            <a:fld id="{117EA27E-C90F-E447-B643-42AE66CD7C39}" type="datetime1">
               <a:rPr lang="en-US" smtClean="0"/>
-              <a:t>Click to edit Master text styles</a:t>
-            </a:r>
-          </a:p>
-          <a:p>
-            <a:pPr lvl="1"/>
-            <a:r>
-              <a:rPr lang="en-US" smtClean="0"/>
-              <a:t>Second level</a:t>
-            </a:r>
-          </a:p>
-          <a:p>
-            <a:pPr lvl="2"/>
-            <a:r>
-              <a:rPr lang="en-US" smtClean="0"/>
-              <a:t>Third level</a:t>
-            </a:r>
-          </a:p>
-          <a:p>
-            <a:pPr lvl="3"/>
-            <a:r>
-              <a:rPr lang="en-US" smtClean="0"/>
-              <a:t>Fourth level</a:t>
-            </a:r>
-          </a:p>
-          <a:p>
-            <a:pPr lvl="4"/>
-            <a:r>
-              <a:rPr lang="en-US" smtClean="0"/>
-              <a:t>Fifth level</a:t>
-            </a:r>
-            <a:endParaRPr lang="en-US"/>
-          </a:p>
-        </p:txBody>
-      </p:sp>
-      <p:sp>
-        <p:nvSpPr>
-          <p:cNvPr id="4" name="Date Placeholder 3"/>
-          <p:cNvSpPr>
-            <a:spLocks noGrp="1"/>
-          </p:cNvSpPr>
-          <p:nvPr>
-            <p:ph type="dt" sz="half" idx="10"/>
-          </p:nvPr>
-        </p:nvSpPr>
-        <p:spPr/>
-        <p:txBody>
-          <a:bodyPr/>
-          <a:lstStyle/>
-          <a:p>
-            <a:fld id="{4CB8DA3B-3FA7-45B2-858A-A1FA8621FB20}" type="datetimeFigureOut">
-              <a:rPr lang="en-US" smtClean="0"/>
-              <a:pPr/>
-              <a:t>6/13/19</a:t>
+              <a:t>1/7/21</a:t>
             </a:fld>
             <a:endParaRPr lang="en-US"/>
           </a:p>
@@ -1272,84 +1276,81 @@
           <a:lstStyle/>
           <a:p>
             <a:r>
+              <a:rPr lang="en-US"/>
+              <a:t>Click to edit Master title style</a:t>
+            </a:r>
+          </a:p>
+        </p:txBody>
+      </p:sp>
+      <p:sp>
+        <p:nvSpPr>
+          <p:cNvPr id="3" name="Content Placeholder 2"/>
+          <p:cNvSpPr>
+            <a:spLocks noGrp="1"/>
+          </p:cNvSpPr>
+          <p:nvPr>
+            <p:ph idx="1"/>
+          </p:nvPr>
+        </p:nvSpPr>
+        <p:spPr/>
+        <p:txBody>
+          <a:bodyPr/>
+          <a:lstStyle/>
+          <a:p>
+            <a:pPr lvl="0"/>
+            <a:r>
+              <a:rPr lang="en-US"/>
+              <a:t>Click to edit Master text styles</a:t>
+            </a:r>
+          </a:p>
+          <a:p>
+            <a:pPr lvl="1"/>
+            <a:r>
+              <a:rPr lang="en-US"/>
+              <a:t>Second level</a:t>
+            </a:r>
+          </a:p>
+          <a:p>
+            <a:pPr lvl="2"/>
+            <a:r>
+              <a:rPr lang="en-US"/>
+              <a:t>Third level</a:t>
+            </a:r>
+          </a:p>
+          <a:p>
+            <a:pPr lvl="3"/>
+            <a:r>
+              <a:rPr lang="en-US"/>
+              <a:t>Fourth level</a:t>
+            </a:r>
+          </a:p>
+          <a:p>
+            <a:pPr lvl="4"/>
+            <a:r>
+              <a:rPr lang="en-US"/>
+              <a:t>Fifth level</a:t>
+            </a:r>
+          </a:p>
+        </p:txBody>
+      </p:sp>
+      <p:sp>
+        <p:nvSpPr>
+          <p:cNvPr id="4" name="Date Placeholder 3"/>
+          <p:cNvSpPr>
+            <a:spLocks noGrp="1"/>
+          </p:cNvSpPr>
+          <p:nvPr>
+            <p:ph type="dt" sz="half" idx="10"/>
+          </p:nvPr>
+        </p:nvSpPr>
+        <p:spPr/>
+        <p:txBody>
+          <a:bodyPr/>
+          <a:lstStyle/>
+          <a:p>
+            <a:fld id="{80E56CA1-8BAF-324E-9746-ABECD9EE90D2}" type="datetime1">
               <a:rPr lang="en-US" smtClean="0"/>
-              <a:t>Click to edit Master title style</a:t>
-            </a:r>
-            <a:endParaRPr lang="en-US"/>
-          </a:p>
-        </p:txBody>
-      </p:sp>
-      <p:sp>
-        <p:nvSpPr>
-          <p:cNvPr id="3" name="Content Placeholder 2"/>
-          <p:cNvSpPr>
-            <a:spLocks noGrp="1"/>
-          </p:cNvSpPr>
-          <p:nvPr>
-            <p:ph idx="1"/>
-          </p:nvPr>
-        </p:nvSpPr>
-        <p:spPr/>
-        <p:txBody>
-          <a:bodyPr/>
-          <a:lstStyle/>
-          <a:p>
-            <a:pPr lvl="0"/>
-            <a:r>
-              <a:rPr lang="en-US" smtClean="0"/>
-              <a:t>Click to edit Master text styles</a:t>
-            </a:r>
-          </a:p>
-          <a:p>
-            <a:pPr lvl="1"/>
-            <a:r>
-              <a:rPr lang="en-US" smtClean="0"/>
-              <a:t>Second level</a:t>
-            </a:r>
-          </a:p>
-          <a:p>
-            <a:pPr lvl="2"/>
-            <a:r>
-              <a:rPr lang="en-US" smtClean="0"/>
-              <a:t>Third level</a:t>
-            </a:r>
-          </a:p>
-          <a:p>
-            <a:pPr lvl="3"/>
-            <a:r>
-              <a:rPr lang="en-US" smtClean="0"/>
-              <a:t>Fourth level</a:t>
-            </a:r>
-          </a:p>
-          <a:p>
-            <a:pPr lvl="4"/>
-            <a:r>
-              <a:rPr lang="en-US" smtClean="0"/>
-              <a:t>Fifth level</a:t>
-            </a:r>
-            <a:endParaRPr lang="en-US"/>
-          </a:p>
-        </p:txBody>
-      </p:sp>
-      <p:sp>
-        <p:nvSpPr>
-          <p:cNvPr id="4" name="Date Placeholder 3"/>
-          <p:cNvSpPr>
-            <a:spLocks noGrp="1"/>
-          </p:cNvSpPr>
-          <p:nvPr>
-            <p:ph type="dt" sz="half" idx="10"/>
-          </p:nvPr>
-        </p:nvSpPr>
-        <p:spPr/>
-        <p:txBody>
-          <a:bodyPr/>
-          <a:lstStyle/>
-          <a:p>
-            <a:fld id="{4CB8DA3B-3FA7-45B2-858A-A1FA8621FB20}" type="datetimeFigureOut">
-              <a:rPr lang="en-US" smtClean="0"/>
-              <a:pPr/>
-              <a:t>6/13/19</a:t>
+              <a:t>1/7/21</a:t>
             </a:fld>
             <a:endParaRPr lang="en-US"/>
           </a:p>
@@ -1453,10 +1454,9 @@
           </a:lstStyle>
           <a:p>
             <a:r>
-              <a:rPr lang="en-US" smtClean="0"/>
+              <a:rPr lang="en-US"/>
               <a:t>Click to edit Master title style</a:t>
             </a:r>
-            <a:endParaRPr lang="en-US"/>
           </a:p>
         </p:txBody>
       </p:sp>
@@ -1573,31 +1573,30 @@
           <a:p>
             <a:pPr lvl="0"/>
             <a:r>
+              <a:rPr lang="en-US"/>
+              <a:t>Click to edit Master text styles</a:t>
+            </a:r>
+          </a:p>
+        </p:txBody>
+      </p:sp>
+      <p:sp>
+        <p:nvSpPr>
+          <p:cNvPr id="4" name="Date Placeholder 3"/>
+          <p:cNvSpPr>
+            <a:spLocks noGrp="1"/>
+          </p:cNvSpPr>
+          <p:nvPr>
+            <p:ph type="dt" sz="half" idx="10"/>
+          </p:nvPr>
+        </p:nvSpPr>
+        <p:spPr/>
+        <p:txBody>
+          <a:bodyPr/>
+          <a:lstStyle/>
+          <a:p>
+            <a:fld id="{79BE2B23-0537-4949-8D22-45E45AB20268}" type="datetime1">
               <a:rPr lang="en-US" smtClean="0"/>
-              <a:t>Click to edit Master text styles</a:t>
-            </a:r>
-          </a:p>
-        </p:txBody>
-      </p:sp>
-      <p:sp>
-        <p:nvSpPr>
-          <p:cNvPr id="4" name="Date Placeholder 3"/>
-          <p:cNvSpPr>
-            <a:spLocks noGrp="1"/>
-          </p:cNvSpPr>
-          <p:nvPr>
-            <p:ph type="dt" sz="half" idx="10"/>
-          </p:nvPr>
-        </p:nvSpPr>
-        <p:spPr/>
-        <p:txBody>
-          <a:bodyPr/>
-          <a:lstStyle/>
-          <a:p>
-            <a:fld id="{4CB8DA3B-3FA7-45B2-858A-A1FA8621FB20}" type="datetimeFigureOut">
-              <a:rPr lang="en-US" smtClean="0"/>
-              <a:pPr/>
-              <a:t>6/13/19</a:t>
+              <a:t>1/7/21</a:t>
             </a:fld>
             <a:endParaRPr lang="en-US"/>
           </a:p>
@@ -1692,10 +1691,9 @@
           <a:lstStyle/>
           <a:p>
             <a:r>
-              <a:rPr lang="en-US" smtClean="0"/>
+              <a:rPr lang="en-US"/>
               <a:t>Click to edit Master title style</a:t>
             </a:r>
-            <a:endParaRPr lang="en-US"/>
           </a:p>
         </p:txBody>
       </p:sp>
@@ -1749,38 +1747,37 @@
           <a:p>
             <a:pPr lvl="0"/>
             <a:r>
-              <a:rPr lang="en-US" smtClean="0"/>
+              <a:rPr lang="en-US"/>
               <a:t>Click to edit Master text styles</a:t>
             </a:r>
           </a:p>
           <a:p>
             <a:pPr lvl="1"/>
             <a:r>
-              <a:rPr lang="en-US" smtClean="0"/>
+              <a:rPr lang="en-US"/>
               <a:t>Second level</a:t>
             </a:r>
           </a:p>
           <a:p>
             <a:pPr lvl="2"/>
             <a:r>
-              <a:rPr lang="en-US" smtClean="0"/>
+              <a:rPr lang="en-US"/>
               <a:t>Third level</a:t>
             </a:r>
           </a:p>
           <a:p>
             <a:pPr lvl="3"/>
             <a:r>
-              <a:rPr lang="en-US" smtClean="0"/>
+              <a:rPr lang="en-US"/>
               <a:t>Fourth level</a:t>
             </a:r>
           </a:p>
           <a:p>
             <a:pPr lvl="4"/>
             <a:r>
-              <a:rPr lang="en-US" smtClean="0"/>
+              <a:rPr lang="en-US"/>
               <a:t>Fifth level</a:t>
             </a:r>
-            <a:endParaRPr lang="en-US"/>
           </a:p>
         </p:txBody>
       </p:sp>
@@ -1834,60 +1831,58 @@
           <a:p>
             <a:pPr lvl="0"/>
             <a:r>
+              <a:rPr lang="en-US"/>
+              <a:t>Click to edit Master text styles</a:t>
+            </a:r>
+          </a:p>
+          <a:p>
+            <a:pPr lvl="1"/>
+            <a:r>
+              <a:rPr lang="en-US"/>
+              <a:t>Second level</a:t>
+            </a:r>
+          </a:p>
+          <a:p>
+            <a:pPr lvl="2"/>
+            <a:r>
+              <a:rPr lang="en-US"/>
+              <a:t>Third level</a:t>
+            </a:r>
+          </a:p>
+          <a:p>
+            <a:pPr lvl="3"/>
+            <a:r>
+              <a:rPr lang="en-US"/>
+              <a:t>Fourth level</a:t>
+            </a:r>
+          </a:p>
+          <a:p>
+            <a:pPr lvl="4"/>
+            <a:r>
+              <a:rPr lang="en-US"/>
+              <a:t>Fifth level</a:t>
+            </a:r>
+          </a:p>
+        </p:txBody>
+      </p:sp>
+      <p:sp>
+        <p:nvSpPr>
+          <p:cNvPr id="5" name="Date Placeholder 4"/>
+          <p:cNvSpPr>
+            <a:spLocks noGrp="1"/>
+          </p:cNvSpPr>
+          <p:nvPr>
+            <p:ph type="dt" sz="half" idx="10"/>
+          </p:nvPr>
+        </p:nvSpPr>
+        <p:spPr/>
+        <p:txBody>
+          <a:bodyPr/>
+          <a:lstStyle/>
+          <a:p>
+            <a:fld id="{7397BC46-30BB-FC46-A676-76F958633A30}" type="datetime1">
               <a:rPr lang="en-US" smtClean="0"/>
-              <a:t>Click to edit Master text styles</a:t>
-            </a:r>
-          </a:p>
-          <a:p>
-            <a:pPr lvl="1"/>
-            <a:r>
-              <a:rPr lang="en-US" smtClean="0"/>
-              <a:t>Second level</a:t>
-            </a:r>
-          </a:p>
-          <a:p>
-            <a:pPr lvl="2"/>
-            <a:r>
-              <a:rPr lang="en-US" smtClean="0"/>
-              <a:t>Third level</a:t>
-            </a:r>
-          </a:p>
-          <a:p>
-            <a:pPr lvl="3"/>
-            <a:r>
-              <a:rPr lang="en-US" smtClean="0"/>
-              <a:t>Fourth level</a:t>
-            </a:r>
-          </a:p>
-          <a:p>
-            <a:pPr lvl="4"/>
-            <a:r>
-              <a:rPr lang="en-US" smtClean="0"/>
-              <a:t>Fifth level</a:t>
-            </a:r>
-            <a:endParaRPr lang="en-US"/>
-          </a:p>
-        </p:txBody>
-      </p:sp>
-      <p:sp>
-        <p:nvSpPr>
-          <p:cNvPr id="5" name="Date Placeholder 4"/>
-          <p:cNvSpPr>
-            <a:spLocks noGrp="1"/>
-          </p:cNvSpPr>
-          <p:nvPr>
-            <p:ph type="dt" sz="half" idx="10"/>
-          </p:nvPr>
-        </p:nvSpPr>
-        <p:spPr/>
-        <p:txBody>
-          <a:bodyPr/>
-          <a:lstStyle/>
-          <a:p>
-            <a:fld id="{4CB8DA3B-3FA7-45B2-858A-A1FA8621FB20}" type="datetimeFigureOut">
-              <a:rPr lang="en-US" smtClean="0"/>
-              <a:pPr/>
-              <a:t>6/13/19</a:t>
+              <a:t>1/7/21</a:t>
             </a:fld>
             <a:endParaRPr lang="en-US"/>
           </a:p>
@@ -1986,10 +1981,9 @@
           </a:lstStyle>
           <a:p>
             <a:r>
-              <a:rPr lang="en-US" smtClean="0"/>
+              <a:rPr lang="en-US"/>
               <a:t>Click to edit Master title style</a:t>
             </a:r>
-            <a:endParaRPr lang="en-US"/>
           </a:p>
         </p:txBody>
       </p:sp>
@@ -2052,7 +2046,7 @@
           <a:p>
             <a:pPr lvl="0"/>
             <a:r>
-              <a:rPr lang="en-US" smtClean="0"/>
+              <a:rPr lang="en-US"/>
               <a:t>Click to edit Master text styles</a:t>
             </a:r>
           </a:p>
@@ -2108,38 +2102,37 @@
           <a:p>
             <a:pPr lvl="0"/>
             <a:r>
-              <a:rPr lang="en-US" smtClean="0"/>
+              <a:rPr lang="en-US"/>
               <a:t>Click to edit Master text styles</a:t>
             </a:r>
           </a:p>
           <a:p>
             <a:pPr lvl="1"/>
             <a:r>
-              <a:rPr lang="en-US" smtClean="0"/>
+              <a:rPr lang="en-US"/>
               <a:t>Second level</a:t>
             </a:r>
           </a:p>
           <a:p>
             <a:pPr lvl="2"/>
             <a:r>
-              <a:rPr lang="en-US" smtClean="0"/>
+              <a:rPr lang="en-US"/>
               <a:t>Third level</a:t>
             </a:r>
           </a:p>
           <a:p>
             <a:pPr lvl="3"/>
             <a:r>
-              <a:rPr lang="en-US" smtClean="0"/>
+              <a:rPr lang="en-US"/>
               <a:t>Fourth level</a:t>
             </a:r>
           </a:p>
           <a:p>
             <a:pPr lvl="4"/>
             <a:r>
-              <a:rPr lang="en-US" smtClean="0"/>
+              <a:rPr lang="en-US"/>
               <a:t>Fifth level</a:t>
             </a:r>
-            <a:endParaRPr lang="en-US"/>
           </a:p>
         </p:txBody>
       </p:sp>
@@ -2202,7 +2195,7 @@
           <a:p>
             <a:pPr lvl="0"/>
             <a:r>
-              <a:rPr lang="en-US" smtClean="0"/>
+              <a:rPr lang="en-US"/>
               <a:t>Click to edit Master text styles</a:t>
             </a:r>
           </a:p>
@@ -2258,60 +2251,58 @@
           <a:p>
             <a:pPr lvl="0"/>
             <a:r>
+              <a:rPr lang="en-US"/>
+              <a:t>Click to edit Master text styles</a:t>
+            </a:r>
+          </a:p>
+          <a:p>
+            <a:pPr lvl="1"/>
+            <a:r>
+              <a:rPr lang="en-US"/>
+              <a:t>Second level</a:t>
+            </a:r>
+          </a:p>
+          <a:p>
+            <a:pPr lvl="2"/>
+            <a:r>
+              <a:rPr lang="en-US"/>
+              <a:t>Third level</a:t>
+            </a:r>
+          </a:p>
+          <a:p>
+            <a:pPr lvl="3"/>
+            <a:r>
+              <a:rPr lang="en-US"/>
+              <a:t>Fourth level</a:t>
+            </a:r>
+          </a:p>
+          <a:p>
+            <a:pPr lvl="4"/>
+            <a:r>
+              <a:rPr lang="en-US"/>
+              <a:t>Fifth level</a:t>
+            </a:r>
+          </a:p>
+        </p:txBody>
+      </p:sp>
+      <p:sp>
+        <p:nvSpPr>
+          <p:cNvPr id="7" name="Date Placeholder 6"/>
+          <p:cNvSpPr>
+            <a:spLocks noGrp="1"/>
+          </p:cNvSpPr>
+          <p:nvPr>
+            <p:ph type="dt" sz="half" idx="10"/>
+          </p:nvPr>
+        </p:nvSpPr>
+        <p:spPr/>
+        <p:txBody>
+          <a:bodyPr/>
+          <a:lstStyle/>
+          <a:p>
+            <a:fld id="{93BB4F89-B331-CB42-8AFF-F12B7C0ECB68}" type="datetime1">
               <a:rPr lang="en-US" smtClean="0"/>
-              <a:t>Click to edit Master text styles</a:t>
-            </a:r>
-          </a:p>
-          <a:p>
-            <a:pPr lvl="1"/>
-            <a:r>
-              <a:rPr lang="en-US" smtClean="0"/>
-              <a:t>Second level</a:t>
-            </a:r>
-          </a:p>
-          <a:p>
-            <a:pPr lvl="2"/>
-            <a:r>
-              <a:rPr lang="en-US" smtClean="0"/>
-              <a:t>Third level</a:t>
-            </a:r>
-          </a:p>
-          <a:p>
-            <a:pPr lvl="3"/>
-            <a:r>
-              <a:rPr lang="en-US" smtClean="0"/>
-              <a:t>Fourth level</a:t>
-            </a:r>
-          </a:p>
-          <a:p>
-            <a:pPr lvl="4"/>
-            <a:r>
-              <a:rPr lang="en-US" smtClean="0"/>
-              <a:t>Fifth level</a:t>
-            </a:r>
-            <a:endParaRPr lang="en-US"/>
-          </a:p>
-        </p:txBody>
-      </p:sp>
-      <p:sp>
-        <p:nvSpPr>
-          <p:cNvPr id="7" name="Date Placeholder 6"/>
-          <p:cNvSpPr>
-            <a:spLocks noGrp="1"/>
-          </p:cNvSpPr>
-          <p:nvPr>
-            <p:ph type="dt" sz="half" idx="10"/>
-          </p:nvPr>
-        </p:nvSpPr>
-        <p:spPr/>
-        <p:txBody>
-          <a:bodyPr/>
-          <a:lstStyle/>
-          <a:p>
-            <a:fld id="{4CB8DA3B-3FA7-45B2-858A-A1FA8621FB20}" type="datetimeFigureOut">
-              <a:rPr lang="en-US" smtClean="0"/>
-              <a:pPr/>
-              <a:t>6/13/19</a:t>
+              <a:t>1/7/21</a:t>
             </a:fld>
             <a:endParaRPr lang="en-US"/>
           </a:p>
@@ -2406,32 +2397,30 @@
           <a:lstStyle/>
           <a:p>
             <a:r>
+              <a:rPr lang="en-US"/>
+              <a:t>Click to edit Master title style</a:t>
+            </a:r>
+          </a:p>
+        </p:txBody>
+      </p:sp>
+      <p:sp>
+        <p:nvSpPr>
+          <p:cNvPr id="3" name="Date Placeholder 2"/>
+          <p:cNvSpPr>
+            <a:spLocks noGrp="1"/>
+          </p:cNvSpPr>
+          <p:nvPr>
+            <p:ph type="dt" sz="half" idx="10"/>
+          </p:nvPr>
+        </p:nvSpPr>
+        <p:spPr/>
+        <p:txBody>
+          <a:bodyPr/>
+          <a:lstStyle/>
+          <a:p>
+            <a:fld id="{142DB92E-63A0-3344-AC6B-57E749CCF3DC}" type="datetime1">
               <a:rPr lang="en-US" smtClean="0"/>
-              <a:t>Click to edit Master title style</a:t>
-            </a:r>
-            <a:endParaRPr lang="en-US"/>
-          </a:p>
-        </p:txBody>
-      </p:sp>
-      <p:sp>
-        <p:nvSpPr>
-          <p:cNvPr id="3" name="Date Placeholder 2"/>
-          <p:cNvSpPr>
-            <a:spLocks noGrp="1"/>
-          </p:cNvSpPr>
-          <p:nvPr>
-            <p:ph type="dt" sz="half" idx="10"/>
-          </p:nvPr>
-        </p:nvSpPr>
-        <p:spPr/>
-        <p:txBody>
-          <a:bodyPr/>
-          <a:lstStyle/>
-          <a:p>
-            <a:fld id="{4CB8DA3B-3FA7-45B2-858A-A1FA8621FB20}" type="datetimeFigureOut">
-              <a:rPr lang="en-US" smtClean="0"/>
-              <a:pPr/>
-              <a:t>6/13/19</a:t>
+              <a:t>1/7/21</a:t>
             </a:fld>
             <a:endParaRPr lang="en-US"/>
           </a:p>
@@ -2525,10 +2514,9 @@
           <a:bodyPr/>
           <a:lstStyle/>
           <a:p>
-            <a:fld id="{4CB8DA3B-3FA7-45B2-858A-A1FA8621FB20}" type="datetimeFigureOut">
+            <a:fld id="{8E082058-9D13-094F-9C7C-E0952F6446E9}" type="datetime1">
               <a:rPr lang="en-US" smtClean="0"/>
-              <a:pPr/>
-              <a:t>6/13/19</a:t>
+              <a:t>1/7/21</a:t>
             </a:fld>
             <a:endParaRPr lang="en-US"/>
           </a:p>
@@ -2632,10 +2620,9 @@
           </a:lstStyle>
           <a:p>
             <a:r>
-              <a:rPr lang="en-US" smtClean="0"/>
+              <a:rPr lang="en-US"/>
               <a:t>Click to edit Master title style</a:t>
             </a:r>
-            <a:endParaRPr lang="en-US"/>
           </a:p>
         </p:txBody>
       </p:sp>
@@ -2689,38 +2676,37 @@
           <a:p>
             <a:pPr lvl="0"/>
             <a:r>
-              <a:rPr lang="en-US" smtClean="0"/>
+              <a:rPr lang="en-US"/>
               <a:t>Click to edit Master text styles</a:t>
             </a:r>
           </a:p>
           <a:p>
             <a:pPr lvl="1"/>
             <a:r>
-              <a:rPr lang="en-US" smtClean="0"/>
+              <a:rPr lang="en-US"/>
               <a:t>Second level</a:t>
             </a:r>
           </a:p>
           <a:p>
             <a:pPr lvl="2"/>
             <a:r>
-              <a:rPr lang="en-US" smtClean="0"/>
+              <a:rPr lang="en-US"/>
               <a:t>Third level</a:t>
             </a:r>
           </a:p>
           <a:p>
             <a:pPr lvl="3"/>
             <a:r>
-              <a:rPr lang="en-US" smtClean="0"/>
+              <a:rPr lang="en-US"/>
               <a:t>Fourth level</a:t>
             </a:r>
           </a:p>
           <a:p>
             <a:pPr lvl="4"/>
             <a:r>
-              <a:rPr lang="en-US" smtClean="0"/>
+              <a:rPr lang="en-US"/>
               <a:t>Fifth level</a:t>
             </a:r>
-            <a:endParaRPr lang="en-US"/>
           </a:p>
         </p:txBody>
       </p:sp>
@@ -2783,31 +2769,30 @@
           <a:p>
             <a:pPr lvl="0"/>
             <a:r>
+              <a:rPr lang="en-US"/>
+              <a:t>Click to edit Master text styles</a:t>
+            </a:r>
+          </a:p>
+        </p:txBody>
+      </p:sp>
+      <p:sp>
+        <p:nvSpPr>
+          <p:cNvPr id="5" name="Date Placeholder 4"/>
+          <p:cNvSpPr>
+            <a:spLocks noGrp="1"/>
+          </p:cNvSpPr>
+          <p:nvPr>
+            <p:ph type="dt" sz="half" idx="10"/>
+          </p:nvPr>
+        </p:nvSpPr>
+        <p:spPr/>
+        <p:txBody>
+          <a:bodyPr/>
+          <a:lstStyle/>
+          <a:p>
+            <a:fld id="{0FAF713F-B68F-314D-B86D-0ADACDB226C4}" type="datetime1">
               <a:rPr lang="en-US" smtClean="0"/>
-              <a:t>Click to edit Master text styles</a:t>
-            </a:r>
-          </a:p>
-        </p:txBody>
-      </p:sp>
-      <p:sp>
-        <p:nvSpPr>
-          <p:cNvPr id="5" name="Date Placeholder 4"/>
-          <p:cNvSpPr>
-            <a:spLocks noGrp="1"/>
-          </p:cNvSpPr>
-          <p:nvPr>
-            <p:ph type="dt" sz="half" idx="10"/>
-          </p:nvPr>
-        </p:nvSpPr>
-        <p:spPr/>
-        <p:txBody>
-          <a:bodyPr/>
-          <a:lstStyle/>
-          <a:p>
-            <a:fld id="{4CB8DA3B-3FA7-45B2-858A-A1FA8621FB20}" type="datetimeFigureOut">
-              <a:rPr lang="en-US" smtClean="0"/>
-              <a:pPr/>
-              <a:t>6/13/19</a:t>
+              <a:t>1/7/21</a:t>
             </a:fld>
             <a:endParaRPr lang="en-US"/>
           </a:p>
@@ -2911,10 +2896,9 @@
           </a:lstStyle>
           <a:p>
             <a:r>
-              <a:rPr lang="en-US" smtClean="0"/>
+              <a:rPr lang="en-US"/>
               <a:t>Click to edit Master title style</a:t>
             </a:r>
-            <a:endParaRPr lang="en-US"/>
           </a:p>
         </p:txBody>
       </p:sp>
@@ -3038,31 +3022,30 @@
           <a:p>
             <a:pPr lvl="0"/>
             <a:r>
+              <a:rPr lang="en-US"/>
+              <a:t>Click to edit Master text styles</a:t>
+            </a:r>
+          </a:p>
+        </p:txBody>
+      </p:sp>
+      <p:sp>
+        <p:nvSpPr>
+          <p:cNvPr id="5" name="Date Placeholder 4"/>
+          <p:cNvSpPr>
+            <a:spLocks noGrp="1"/>
+          </p:cNvSpPr>
+          <p:nvPr>
+            <p:ph type="dt" sz="half" idx="10"/>
+          </p:nvPr>
+        </p:nvSpPr>
+        <p:spPr/>
+        <p:txBody>
+          <a:bodyPr/>
+          <a:lstStyle/>
+          <a:p>
+            <a:fld id="{D76FEDC9-1D3F-5641-A12D-1C54240AC06B}" type="datetime1">
               <a:rPr lang="en-US" smtClean="0"/>
-              <a:t>Click to edit Master text styles</a:t>
-            </a:r>
-          </a:p>
-        </p:txBody>
-      </p:sp>
-      <p:sp>
-        <p:nvSpPr>
-          <p:cNvPr id="5" name="Date Placeholder 4"/>
-          <p:cNvSpPr>
-            <a:spLocks noGrp="1"/>
-          </p:cNvSpPr>
-          <p:nvPr>
-            <p:ph type="dt" sz="half" idx="10"/>
-          </p:nvPr>
-        </p:nvSpPr>
-        <p:spPr/>
-        <p:txBody>
-          <a:bodyPr/>
-          <a:lstStyle/>
-          <a:p>
-            <a:fld id="{4CB8DA3B-3FA7-45B2-858A-A1FA8621FB20}" type="datetimeFigureOut">
-              <a:rPr lang="en-US" smtClean="0"/>
-              <a:pPr/>
-              <a:t>6/13/19</a:t>
+              <a:t>1/7/21</a:t>
             </a:fld>
             <a:endParaRPr lang="en-US"/>
           </a:p>
@@ -3172,10 +3155,9 @@
           <a:lstStyle/>
           <a:p>
             <a:r>
-              <a:rPr lang="en-US" dirty="0" smtClean="0"/>
+              <a:rPr lang="en-US" dirty="0"/>
               <a:t>Click to edit Master title style</a:t>
             </a:r>
-            <a:endParaRPr lang="en-US" dirty="0"/>
           </a:p>
         </p:txBody>
       </p:sp>
@@ -3206,38 +3188,37 @@
           <a:p>
             <a:pPr lvl="0"/>
             <a:r>
-              <a:rPr lang="en-US" dirty="0" smtClean="0"/>
+              <a:rPr lang="en-US" dirty="0"/>
               <a:t>Click to edit Master text styles</a:t>
             </a:r>
           </a:p>
           <a:p>
             <a:pPr lvl="1"/>
             <a:r>
-              <a:rPr lang="en-US" dirty="0" smtClean="0"/>
+              <a:rPr lang="en-US" dirty="0"/>
               <a:t>Second level</a:t>
             </a:r>
           </a:p>
           <a:p>
             <a:pPr lvl="2"/>
             <a:r>
-              <a:rPr lang="en-US" dirty="0" smtClean="0"/>
+              <a:rPr lang="en-US" dirty="0"/>
               <a:t>Third level</a:t>
             </a:r>
           </a:p>
           <a:p>
             <a:pPr lvl="3"/>
             <a:r>
-              <a:rPr lang="en-US" dirty="0" smtClean="0"/>
+              <a:rPr lang="en-US" dirty="0"/>
               <a:t>Fourth level</a:t>
             </a:r>
           </a:p>
           <a:p>
             <a:pPr lvl="4"/>
             <a:r>
-              <a:rPr lang="en-US" dirty="0" smtClean="0"/>
+              <a:rPr lang="en-US" dirty="0"/>
               <a:t>Fifth level</a:t>
             </a:r>
-            <a:endParaRPr lang="en-US" dirty="0"/>
           </a:p>
         </p:txBody>
       </p:sp>
@@ -3274,10 +3255,9 @@
             </a:lvl1pPr>
           </a:lstStyle>
           <a:p>
-            <a:fld id="{4CB8DA3B-3FA7-45B2-858A-A1FA8621FB20}" type="datetimeFigureOut">
+            <a:fld id="{7146D99A-7673-924F-BAAA-761381C54795}" type="datetime1">
               <a:rPr lang="en-US" smtClean="0"/>
-              <a:pPr/>
-              <a:t>6/13/19</a:t>
+              <a:t>1/7/21</a:t>
             </a:fld>
             <a:endParaRPr lang="en-US"/>
           </a:p>
@@ -3383,6 +3363,7 @@
     <p:sldLayoutId id="2147483658" r:id="rId10"/>
     <p:sldLayoutId id="2147483659" r:id="rId11"/>
   </p:sldLayoutIdLst>
+  <p:hf hdr="0" ftr="0" dt="0"/>
   <p:txStyles>
     <p:titleStyle>
       <a:lvl1pPr algn="ctr" defTabSz="914400" rtl="0" eaLnBrk="1" latinLnBrk="0" hangingPunct="1">
@@ -3669,29 +3650,25 @@
           <a:lstStyle/>
           <a:p>
             <a:r>
-              <a:rPr lang="en-US" dirty="0" smtClean="0">
+              <a:rPr lang="en-US" dirty="0">
                 <a:latin typeface="Gill Sans MT"/>
                 <a:cs typeface="Gill Sans MT"/>
               </a:rPr>
               <a:t>Maps and </a:t>
             </a:r>
             <a:br>
-              <a:rPr lang="en-US" dirty="0" smtClean="0">
+              <a:rPr lang="en-US" dirty="0">
                 <a:latin typeface="Gill Sans MT"/>
                 <a:cs typeface="Gill Sans MT"/>
               </a:rPr>
             </a:br>
             <a:r>
-              <a:rPr lang="en-US" dirty="0" smtClean="0">
+              <a:rPr lang="en-US" dirty="0">
                 <a:latin typeface="Gill Sans MT"/>
                 <a:cs typeface="Gill Sans MT"/>
               </a:rPr>
               <a:t>Spatial Analysis in R</a:t>
             </a:r>
-            <a:endParaRPr lang="en-US" dirty="0">
-              <a:latin typeface="Gill Sans MT"/>
-              <a:cs typeface="Gill Sans MT"/>
-            </a:endParaRPr>
           </a:p>
         </p:txBody>
       </p:sp>
@@ -3725,10 +3702,9 @@
           </a:p>
           <a:p>
             <a:r>
-              <a:rPr lang="en-US"/>
-              <a:t>SER 2019</a:t>
-            </a:r>
-            <a:endParaRPr lang="en-US" dirty="0"/>
+              <a:rPr lang="en-US" dirty="0"/>
+              <a:t>SER 2020</a:t>
+            </a:r>
           </a:p>
         </p:txBody>
       </p:sp>
@@ -3756,10 +3732,9 @@
           <a:p>
             <a:pPr algn="ctr"/>
             <a:r>
-              <a:rPr lang="en-US" sz="1200" dirty="0" smtClean="0"/>
+              <a:rPr lang="en-US" sz="1200" dirty="0"/>
               <a:t>They don’t love you like I love you</a:t>
             </a:r>
-            <a:endParaRPr lang="en-US" sz="1200" dirty="0"/>
           </a:p>
         </p:txBody>
       </p:sp>
@@ -3798,14 +3773,14 @@
           </a:ln>
           <a:extLst>
             <a:ext uri="{909E8E84-426E-40dd-AFC4-6F175D3DCCD1}">
-              <a14:hiddenFill xmlns:a14="http://schemas.microsoft.com/office/drawing/2010/main">
+              <a14:hiddenFill xmlns:a14="http://schemas.microsoft.com/office/drawing/2010/main" xmlns="">
                 <a:solidFill>
                   <a:schemeClr val="accent1"/>
                 </a:solidFill>
               </a14:hiddenFill>
             </a:ext>
             <a:ext uri="{91240B29-F687-4f45-9708-019B960494DF}">
-              <a14:hiddenLine xmlns:a14="http://schemas.microsoft.com/office/drawing/2010/main" w="9525">
+              <a14:hiddenLine xmlns:a14="http://schemas.microsoft.com/office/drawing/2010/main" xmlns="" w="9525">
                 <a:solidFill>
                   <a:schemeClr val="tx1"/>
                 </a:solidFill>
@@ -3852,14 +3827,14 @@
           </a:ln>
           <a:extLst>
             <a:ext uri="{909E8E84-426E-40dd-AFC4-6F175D3DCCD1}">
-              <a14:hiddenFill xmlns:a14="http://schemas.microsoft.com/office/drawing/2010/main">
+              <a14:hiddenFill xmlns:a14="http://schemas.microsoft.com/office/drawing/2010/main" xmlns="">
                 <a:solidFill>
                   <a:schemeClr val="accent1"/>
                 </a:solidFill>
               </a14:hiddenFill>
             </a:ext>
             <a:ext uri="{91240B29-F687-4f45-9708-019B960494DF}">
-              <a14:hiddenLine xmlns:a14="http://schemas.microsoft.com/office/drawing/2010/main" w="9525">
+              <a14:hiddenLine xmlns:a14="http://schemas.microsoft.com/office/drawing/2010/main" xmlns="" w="9525">
                 <a:solidFill>
                   <a:schemeClr val="tx1"/>
                 </a:solidFill>
@@ -3906,14 +3881,14 @@
           </a:ln>
           <a:extLst>
             <a:ext uri="{909E8E84-426E-40dd-AFC4-6F175D3DCCD1}">
-              <a14:hiddenFill xmlns:a14="http://schemas.microsoft.com/office/drawing/2010/main">
+              <a14:hiddenFill xmlns:a14="http://schemas.microsoft.com/office/drawing/2010/main" xmlns="">
                 <a:solidFill>
                   <a:schemeClr val="accent1"/>
                 </a:solidFill>
               </a14:hiddenFill>
             </a:ext>
             <a:ext uri="{91240B29-F687-4f45-9708-019B960494DF}">
-              <a14:hiddenLine xmlns:a14="http://schemas.microsoft.com/office/drawing/2010/main" w="9525">
+              <a14:hiddenLine xmlns:a14="http://schemas.microsoft.com/office/drawing/2010/main" xmlns="" w="9525">
                 <a:solidFill>
                   <a:schemeClr val="tx1"/>
                 </a:solidFill>
@@ -3925,6 +3900,36 @@
           </a:extLst>
         </p:spPr>
       </p:pic>
+      <p:sp>
+        <p:nvSpPr>
+          <p:cNvPr id="4" name="Slide Number Placeholder 3">
+            <a:extLst>
+              <a:ext uri="{FF2B5EF4-FFF2-40B4-BE49-F238E27FC236}">
+                <a16:creationId xmlns:a16="http://schemas.microsoft.com/office/drawing/2014/main" id="{6A146AE1-3AFE-A343-A070-B558DD4E541F}"/>
+              </a:ext>
+            </a:extLst>
+          </p:cNvPr>
+          <p:cNvSpPr>
+            <a:spLocks noGrp="1"/>
+          </p:cNvSpPr>
+          <p:nvPr>
+            <p:ph type="sldNum" sz="quarter" idx="12"/>
+          </p:nvPr>
+        </p:nvSpPr>
+        <p:spPr/>
+        <p:txBody>
+          <a:bodyPr/>
+          <a:lstStyle/>
+          <a:p>
+            <a:fld id="{8551792C-F89B-4948-B0B1-C6E471CEB377}" type="slidenum">
+              <a:rPr lang="en-US" smtClean="0"/>
+              <a:pPr/>
+              <a:t>1</a:t>
+            </a:fld>
+            <a:endParaRPr lang="en-US"/>
+          </a:p>
+        </p:txBody>
+      </p:sp>
     </p:spTree>
     <p:extLst>
       <p:ext uri="{BB962C8B-B14F-4D97-AF65-F5344CB8AC3E}">
@@ -3935,13 +3940,6 @@
   <p:clrMapOvr>
     <a:masterClrMapping/>
   </p:clrMapOvr>
-  <p:timing>
-    <p:tnLst>
-      <p:par>
-        <p:cTn xmlns:p14="http://schemas.microsoft.com/office/powerpoint/2010/main" id="1" dur="indefinite" restart="never" nodeType="tmRoot"/>
-      </p:par>
-    </p:tnLst>
-  </p:timing>
 </p:sld>
 </file>
 
@@ -3978,10 +3976,9 @@
           <a:lstStyle/>
           <a:p>
             <a:r>
-              <a:rPr lang="en-US" dirty="0" smtClean="0"/>
+              <a:rPr lang="en-US" dirty="0"/>
               <a:t>Spatial Epidemiology</a:t>
             </a:r>
-            <a:endParaRPr lang="en-US" dirty="0"/>
           </a:p>
         </p:txBody>
       </p:sp>
@@ -4017,20 +4014,20 @@
             </a:r>
           </a:p>
           <a:p>
-            <a:endParaRPr lang="en-US" sz="2400" dirty="0" smtClean="0"/>
-          </a:p>
-          <a:p>
-            <a:r>
-              <a:rPr lang="en-US" sz="2400" dirty="0" smtClean="0"/>
+            <a:endParaRPr lang="en-US" sz="2400" dirty="0"/>
+          </a:p>
+          <a:p>
+            <a:r>
+              <a:rPr lang="en-US" sz="2400" dirty="0"/>
               <a:t>Spatial Epidemiology ought to be its own full semester course (or at least an EPIC course)</a:t>
             </a:r>
           </a:p>
           <a:p>
-            <a:endParaRPr lang="en-US" dirty="0" smtClean="0"/>
-          </a:p>
-          <a:p>
-            <a:r>
-              <a:rPr lang="en-US" sz="2400" dirty="0" smtClean="0"/>
+            <a:endParaRPr lang="en-US" dirty="0"/>
+          </a:p>
+          <a:p>
+            <a:r>
+              <a:rPr lang="en-US" sz="2400" dirty="0"/>
               <a:t>So: this lecture is designed to give you a feel for what you might do rather than introduce everything </a:t>
             </a:r>
           </a:p>
@@ -4062,18 +4059,41 @@
           </a:prstGeom>
         </p:spPr>
       </p:pic>
+      <p:sp>
+        <p:nvSpPr>
+          <p:cNvPr id="5" name="Slide Number Placeholder 4">
+            <a:extLst>
+              <a:ext uri="{FF2B5EF4-FFF2-40B4-BE49-F238E27FC236}">
+                <a16:creationId xmlns:a16="http://schemas.microsoft.com/office/drawing/2014/main" id="{D31FA3D3-C934-1848-8CE8-9D5C3F2ACBF6}"/>
+              </a:ext>
+            </a:extLst>
+          </p:cNvPr>
+          <p:cNvSpPr>
+            <a:spLocks noGrp="1"/>
+          </p:cNvSpPr>
+          <p:nvPr>
+            <p:ph type="sldNum" sz="quarter" idx="12"/>
+          </p:nvPr>
+        </p:nvSpPr>
+        <p:spPr/>
+        <p:txBody>
+          <a:bodyPr/>
+          <a:lstStyle/>
+          <a:p>
+            <a:fld id="{8551792C-F89B-4948-B0B1-C6E471CEB377}" type="slidenum">
+              <a:rPr lang="en-US" smtClean="0"/>
+              <a:pPr/>
+              <a:t>10</a:t>
+            </a:fld>
+            <a:endParaRPr lang="en-US"/>
+          </a:p>
+        </p:txBody>
+      </p:sp>
     </p:spTree>
   </p:cSld>
   <p:clrMapOvr>
     <a:masterClrMapping/>
   </p:clrMapOvr>
-  <p:timing>
-    <p:tnLst>
-      <p:par>
-        <p:cTn xmlns:p14="http://schemas.microsoft.com/office/powerpoint/2010/main" id="1" dur="indefinite" restart="never" nodeType="tmRoot"/>
-      </p:par>
-    </p:tnLst>
-  </p:timing>
 </p:sld>
 </file>
 
@@ -4110,47 +4130,46 @@
           <a:lstStyle/>
           <a:p>
             <a:r>
-              <a:rPr lang="en-US" dirty="0" smtClean="0"/>
+              <a:rPr lang="en-US" dirty="0"/>
               <a:t>So: let’s play around a little</a:t>
             </a:r>
+          </a:p>
+        </p:txBody>
+      </p:sp>
+      <p:sp>
+        <p:nvSpPr>
+          <p:cNvPr id="3" name="Content Placeholder 2"/>
+          <p:cNvSpPr>
+            <a:spLocks noGrp="1"/>
+          </p:cNvSpPr>
+          <p:nvPr>
+            <p:ph idx="1"/>
+          </p:nvPr>
+        </p:nvSpPr>
+        <p:spPr/>
+        <p:txBody>
+          <a:bodyPr/>
+          <a:lstStyle/>
+          <a:p>
+            <a:r>
+              <a:rPr lang="en-US" dirty="0"/>
+              <a:t>Install the sp and maps packages</a:t>
+            </a:r>
+          </a:p>
+          <a:p>
             <a:endParaRPr lang="en-US" dirty="0"/>
           </a:p>
-        </p:txBody>
-      </p:sp>
-      <p:sp>
-        <p:nvSpPr>
-          <p:cNvPr id="3" name="Content Placeholder 2"/>
-          <p:cNvSpPr>
-            <a:spLocks noGrp="1"/>
-          </p:cNvSpPr>
-          <p:nvPr>
-            <p:ph idx="1"/>
-          </p:nvPr>
-        </p:nvSpPr>
-        <p:spPr/>
-        <p:txBody>
-          <a:bodyPr/>
-          <a:lstStyle/>
-          <a:p>
-            <a:r>
-              <a:rPr lang="en-US" dirty="0" smtClean="0"/>
-              <a:t>Install the sp and maps packages</a:t>
-            </a:r>
-          </a:p>
-          <a:p>
-            <a:endParaRPr lang="en-US" dirty="0" smtClean="0"/>
-          </a:p>
-          <a:p>
-            <a:r>
-              <a:rPr lang="en-US" dirty="0" smtClean="0"/>
+          <a:p>
+            <a:r>
+              <a:rPr lang="en-US" dirty="0"/>
               <a:t>Load the </a:t>
             </a:r>
             <a:r>
-              <a:rPr lang="en-US" dirty="0" err="1" smtClean="0"/>
+              <a:rPr lang="en-US" dirty="0" err="1"/>
               <a:t>meuse</a:t>
             </a:r>
             <a:r>
-              <a:rPr lang="en-US" dirty="0" smtClean="0"/>
+              <a:rPr lang="en-US" dirty="0"/>
               <a:t> dataset</a:t>
             </a:r>
           </a:p>
@@ -4158,30 +4177,29 @@
             <a:pPr>
               <a:buNone/>
             </a:pPr>
-            <a:endParaRPr lang="en-US" dirty="0" smtClean="0"/>
+            <a:endParaRPr lang="en-US" dirty="0"/>
           </a:p>
           <a:p>
             <a:pPr lvl="1"/>
             <a:r>
-              <a:rPr lang="en-US" dirty="0" err="1" smtClean="0"/>
+              <a:rPr lang="en-US" dirty="0" err="1"/>
               <a:t>library(sp</a:t>
             </a:r>
             <a:r>
-              <a:rPr lang="en-US" dirty="0" smtClean="0"/>
+              <a:rPr lang="en-US" dirty="0"/>
               <a:t>)</a:t>
             </a:r>
           </a:p>
           <a:p>
             <a:pPr lvl="1"/>
             <a:r>
-              <a:rPr lang="en-US" dirty="0" err="1" smtClean="0"/>
+              <a:rPr lang="en-US" dirty="0" err="1"/>
               <a:t>data(meuse</a:t>
             </a:r>
             <a:r>
-              <a:rPr lang="en-US" dirty="0" smtClean="0"/>
+              <a:rPr lang="en-US" dirty="0"/>
               <a:t>)</a:t>
             </a:r>
-            <a:endParaRPr lang="en-US" dirty="0"/>
           </a:p>
         </p:txBody>
       </p:sp>
@@ -4220,14 +4238,14 @@
           </a:ln>
           <a:extLst>
             <a:ext uri="{909E8E84-426E-40dd-AFC4-6F175D3DCCD1}">
-              <a14:hiddenFill xmlns:a14="http://schemas.microsoft.com/office/drawing/2010/main">
+              <a14:hiddenFill xmlns:a14="http://schemas.microsoft.com/office/drawing/2010/main" xmlns="">
                 <a:solidFill>
                   <a:schemeClr val="accent1"/>
                 </a:solidFill>
               </a14:hiddenFill>
             </a:ext>
             <a:ext uri="{91240B29-F687-4f45-9708-019B960494DF}">
-              <a14:hiddenLine xmlns:a14="http://schemas.microsoft.com/office/drawing/2010/main" w="9525">
+              <a14:hiddenLine xmlns:a14="http://schemas.microsoft.com/office/drawing/2010/main" xmlns="" w="9525">
                 <a:solidFill>
                   <a:schemeClr val="tx1"/>
                 </a:solidFill>
@@ -4262,10 +4280,9 @@
           <a:lstStyle/>
           <a:p>
             <a:r>
-              <a:rPr lang="en-US" dirty="0" smtClean="0"/>
+              <a:rPr lang="en-US" dirty="0"/>
               <a:t>Meuse river</a:t>
             </a:r>
-            <a:endParaRPr lang="en-US" dirty="0"/>
           </a:p>
         </p:txBody>
       </p:sp>
@@ -4292,10 +4309,39 @@
           <a:lstStyle/>
           <a:p>
             <a:r>
-              <a:rPr lang="en-US" dirty="0" smtClean="0"/>
+              <a:rPr lang="en-US" dirty="0"/>
               <a:t>(The world’s oldest river?)</a:t>
             </a:r>
-            <a:endParaRPr lang="en-US" dirty="0"/>
+          </a:p>
+        </p:txBody>
+      </p:sp>
+      <p:sp>
+        <p:nvSpPr>
+          <p:cNvPr id="6" name="Slide Number Placeholder 5">
+            <a:extLst>
+              <a:ext uri="{FF2B5EF4-FFF2-40B4-BE49-F238E27FC236}">
+                <a16:creationId xmlns:a16="http://schemas.microsoft.com/office/drawing/2014/main" id="{0955C81E-2E7D-5B40-9927-8F2B4BA0811D}"/>
+              </a:ext>
+            </a:extLst>
+          </p:cNvPr>
+          <p:cNvSpPr>
+            <a:spLocks noGrp="1"/>
+          </p:cNvSpPr>
+          <p:nvPr>
+            <p:ph type="sldNum" sz="quarter" idx="12"/>
+          </p:nvPr>
+        </p:nvSpPr>
+        <p:spPr/>
+        <p:txBody>
+          <a:bodyPr/>
+          <a:lstStyle/>
+          <a:p>
+            <a:fld id="{8551792C-F89B-4948-B0B1-C6E471CEB377}" type="slidenum">
+              <a:rPr lang="en-US" smtClean="0"/>
+              <a:pPr/>
+              <a:t>11</a:t>
+            </a:fld>
+            <a:endParaRPr lang="en-US"/>
           </a:p>
         </p:txBody>
       </p:sp>
@@ -4312,7 +4358,7 @@
   <p:timing>
     <p:tnLst>
       <p:par>
-        <p:cTn xmlns:p14="http://schemas.microsoft.com/office/powerpoint/2010/main" id="1" dur="indefinite" restart="never" nodeType="tmRoot">
+        <p:cTn id="1" dur="indefinite" restart="never" nodeType="tmRoot">
           <p:childTnLst>
             <p:seq concurrent="1" nextAc="seek">
               <p:cTn id="2" dur="indefinite" nodeType="mainSeq">
@@ -4455,71 +4501,69 @@
           <a:lstStyle/>
           <a:p>
             <a:r>
-              <a:rPr lang="en-US" dirty="0" smtClean="0"/>
+              <a:rPr lang="en-US" dirty="0"/>
               <a:t>Getting started</a:t>
             </a:r>
+          </a:p>
+        </p:txBody>
+      </p:sp>
+      <p:sp>
+        <p:nvSpPr>
+          <p:cNvPr id="3" name="Content Placeholder 2"/>
+          <p:cNvSpPr>
+            <a:spLocks noGrp="1"/>
+          </p:cNvSpPr>
+          <p:nvPr>
+            <p:ph idx="1"/>
+          </p:nvPr>
+        </p:nvSpPr>
+        <p:spPr/>
+        <p:txBody>
+          <a:bodyPr/>
+          <a:lstStyle/>
+          <a:p>
+            <a:r>
+              <a:rPr lang="en-US" dirty="0"/>
+              <a:t>Use </a:t>
+            </a:r>
+            <a:r>
+              <a:rPr lang="en-US" dirty="0" err="1"/>
+              <a:t>str</a:t>
+            </a:r>
+            <a:r>
+              <a:rPr lang="en-US" dirty="0"/>
+              <a:t> to look at the </a:t>
+            </a:r>
+            <a:r>
+              <a:rPr lang="en-US" dirty="0" err="1"/>
+              <a:t>meuse</a:t>
+            </a:r>
+            <a:r>
+              <a:rPr lang="en-US" dirty="0"/>
+              <a:t> dataset.</a:t>
+            </a:r>
+          </a:p>
+          <a:p>
+            <a:r>
+              <a:rPr lang="en-US" dirty="0"/>
+              <a:t>Where are we going to get spatial data out of this data frame?</a:t>
+            </a:r>
+          </a:p>
+          <a:p>
             <a:endParaRPr lang="en-US" dirty="0"/>
           </a:p>
-        </p:txBody>
-      </p:sp>
-      <p:sp>
-        <p:nvSpPr>
-          <p:cNvPr id="3" name="Content Placeholder 2"/>
-          <p:cNvSpPr>
-            <a:spLocks noGrp="1"/>
-          </p:cNvSpPr>
-          <p:nvPr>
-            <p:ph idx="1"/>
-          </p:nvPr>
-        </p:nvSpPr>
-        <p:spPr/>
-        <p:txBody>
-          <a:bodyPr/>
-          <a:lstStyle/>
-          <a:p>
-            <a:r>
-              <a:rPr lang="en-US" dirty="0" smtClean="0"/>
-              <a:t>Use </a:t>
-            </a:r>
-            <a:r>
-              <a:rPr lang="en-US" dirty="0" err="1" smtClean="0"/>
-              <a:t>str</a:t>
-            </a:r>
-            <a:r>
-              <a:rPr lang="en-US" dirty="0" smtClean="0"/>
-              <a:t> to look at the </a:t>
-            </a:r>
-            <a:r>
-              <a:rPr lang="en-US" dirty="0" err="1" smtClean="0"/>
-              <a:t>meuse</a:t>
-            </a:r>
-            <a:r>
-              <a:rPr lang="en-US" dirty="0" smtClean="0"/>
-              <a:t> dataset.</a:t>
-            </a:r>
-          </a:p>
-          <a:p>
-            <a:r>
-              <a:rPr lang="en-US" dirty="0" smtClean="0"/>
-              <a:t>Where are we going to get spatial data out of this data frame?</a:t>
+          <a:p>
+            <a:pPr lvl="1"/>
+            <a:r>
+              <a:rPr lang="en-US" dirty="0"/>
+              <a:t> x and y </a:t>
             </a:r>
           </a:p>
           <a:p>
             <a:endParaRPr lang="en-US" dirty="0"/>
           </a:p>
           <a:p>
-            <a:pPr lvl="1"/>
-            <a:r>
-              <a:rPr lang="en-US" dirty="0" smtClean="0"/>
-              <a:t> x and y </a:t>
-            </a:r>
             <a:endParaRPr lang="en-US" dirty="0"/>
-          </a:p>
-          <a:p>
-            <a:endParaRPr lang="en-US" dirty="0" smtClean="0"/>
-          </a:p>
-          <a:p>
-            <a:endParaRPr lang="en-US" dirty="0" smtClean="0"/>
           </a:p>
           <a:p>
             <a:pPr lvl="1"/>
@@ -4528,6 +4572,36 @@
           <a:p>
             <a:pPr lvl="1"/>
             <a:endParaRPr lang="en-US" dirty="0"/>
+          </a:p>
+        </p:txBody>
+      </p:sp>
+      <p:sp>
+        <p:nvSpPr>
+          <p:cNvPr id="4" name="Slide Number Placeholder 3">
+            <a:extLst>
+              <a:ext uri="{FF2B5EF4-FFF2-40B4-BE49-F238E27FC236}">
+                <a16:creationId xmlns:a16="http://schemas.microsoft.com/office/drawing/2014/main" id="{00E24F30-C564-5945-A5E3-6D1995B068B7}"/>
+              </a:ext>
+            </a:extLst>
+          </p:cNvPr>
+          <p:cNvSpPr>
+            <a:spLocks noGrp="1"/>
+          </p:cNvSpPr>
+          <p:nvPr>
+            <p:ph type="sldNum" sz="quarter" idx="12"/>
+          </p:nvPr>
+        </p:nvSpPr>
+        <p:spPr/>
+        <p:txBody>
+          <a:bodyPr/>
+          <a:lstStyle/>
+          <a:p>
+            <a:fld id="{8551792C-F89B-4948-B0B1-C6E471CEB377}" type="slidenum">
+              <a:rPr lang="en-US" smtClean="0"/>
+              <a:pPr/>
+              <a:t>12</a:t>
+            </a:fld>
+            <a:endParaRPr lang="en-US"/>
           </a:p>
         </p:txBody>
       </p:sp>
@@ -4544,7 +4618,7 @@
   <p:timing>
     <p:tnLst>
       <p:par>
-        <p:cTn xmlns:p14="http://schemas.microsoft.com/office/powerpoint/2010/main" id="1" dur="indefinite" restart="never" nodeType="tmRoot">
+        <p:cTn id="1" dur="indefinite" restart="never" nodeType="tmRoot">
           <p:childTnLst>
             <p:seq concurrent="1" nextAc="seek">
               <p:cTn id="2" dur="indefinite" nodeType="mainSeq">
@@ -4659,68 +4733,66 @@
           <a:lstStyle/>
           <a:p>
             <a:r>
-              <a:rPr lang="en-US" dirty="0" smtClean="0"/>
+              <a:rPr lang="en-US" dirty="0"/>
               <a:t>Plotting spatial data</a:t>
             </a:r>
+          </a:p>
+        </p:txBody>
+      </p:sp>
+      <p:sp>
+        <p:nvSpPr>
+          <p:cNvPr id="3" name="Content Placeholder 2"/>
+          <p:cNvSpPr>
+            <a:spLocks noGrp="1"/>
+          </p:cNvSpPr>
+          <p:nvPr>
+            <p:ph idx="1"/>
+          </p:nvPr>
+        </p:nvSpPr>
+        <p:spPr/>
+        <p:txBody>
+          <a:bodyPr/>
+          <a:lstStyle/>
+          <a:p>
+            <a:r>
+              <a:rPr lang="en-US" dirty="0"/>
+              <a:t>Make a scatterplot of the points.  Remember how?</a:t>
+            </a:r>
+          </a:p>
+          <a:p>
             <a:endParaRPr lang="en-US" dirty="0"/>
           </a:p>
-        </p:txBody>
-      </p:sp>
-      <p:sp>
-        <p:nvSpPr>
-          <p:cNvPr id="3" name="Content Placeholder 2"/>
-          <p:cNvSpPr>
-            <a:spLocks noGrp="1"/>
-          </p:cNvSpPr>
-          <p:nvPr>
-            <p:ph idx="1"/>
-          </p:nvPr>
-        </p:nvSpPr>
-        <p:spPr/>
-        <p:txBody>
-          <a:bodyPr/>
-          <a:lstStyle/>
-          <a:p>
-            <a:r>
-              <a:rPr lang="en-US" dirty="0" smtClean="0"/>
-              <a:t>Make a scatterplot of the points.  Remember how?</a:t>
-            </a:r>
-          </a:p>
-          <a:p>
-            <a:endParaRPr lang="en-US" dirty="0" smtClean="0"/>
-          </a:p>
           <a:p>
             <a:endParaRPr lang="en-US" dirty="0"/>
           </a:p>
           <a:p>
-            <a:endParaRPr lang="en-US" dirty="0" smtClean="0"/>
-          </a:p>
-          <a:p>
             <a:endParaRPr lang="en-US" dirty="0"/>
           </a:p>
           <a:p>
+            <a:endParaRPr lang="en-US" dirty="0"/>
+          </a:p>
+          <a:p>
             <a:pPr lvl="1"/>
             <a:r>
-              <a:rPr lang="en-US" dirty="0" smtClean="0"/>
+              <a:rPr lang="en-US" dirty="0"/>
               <a:t>plot(</a:t>
             </a:r>
             <a:r>
-              <a:rPr lang="en-US" dirty="0" err="1" smtClean="0"/>
+              <a:rPr lang="en-US" dirty="0" err="1"/>
               <a:t>meuse$x</a:t>
             </a:r>
             <a:r>
-              <a:rPr lang="en-US" dirty="0" smtClean="0"/>
+              <a:rPr lang="en-US" dirty="0"/>
               <a:t>, </a:t>
             </a:r>
             <a:r>
-              <a:rPr lang="en-US" dirty="0" err="1" smtClean="0"/>
+              <a:rPr lang="en-US" dirty="0" err="1"/>
               <a:t>meuse$y</a:t>
             </a:r>
             <a:r>
-              <a:rPr lang="en-US" dirty="0" smtClean="0"/>
+              <a:rPr lang="en-US" dirty="0"/>
               <a:t>)</a:t>
             </a:r>
-            <a:endParaRPr lang="en-US" dirty="0"/>
           </a:p>
         </p:txBody>
       </p:sp>
@@ -4759,14 +4831,14 @@
           </a:ln>
           <a:extLst>
             <a:ext uri="{909E8E84-426E-40dd-AFC4-6F175D3DCCD1}">
-              <a14:hiddenFill xmlns:a14="http://schemas.microsoft.com/office/drawing/2010/main">
+              <a14:hiddenFill xmlns:a14="http://schemas.microsoft.com/office/drawing/2010/main" xmlns="">
                 <a:solidFill>
                   <a:schemeClr val="accent1"/>
                 </a:solidFill>
               </a14:hiddenFill>
             </a:ext>
             <a:ext uri="{91240B29-F687-4f45-9708-019B960494DF}">
-              <a14:hiddenLine xmlns:a14="http://schemas.microsoft.com/office/drawing/2010/main" w="9525">
+              <a14:hiddenLine xmlns:a14="http://schemas.microsoft.com/office/drawing/2010/main" xmlns="" w="9525">
                 <a:solidFill>
                   <a:schemeClr val="tx1"/>
                 </a:solidFill>
@@ -4778,6 +4850,36 @@
           </a:extLst>
         </p:spPr>
       </p:pic>
+      <p:sp>
+        <p:nvSpPr>
+          <p:cNvPr id="4" name="Slide Number Placeholder 3">
+            <a:extLst>
+              <a:ext uri="{FF2B5EF4-FFF2-40B4-BE49-F238E27FC236}">
+                <a16:creationId xmlns:a16="http://schemas.microsoft.com/office/drawing/2014/main" id="{852E3A02-1658-CA40-9EE9-E8C195824EE7}"/>
+              </a:ext>
+            </a:extLst>
+          </p:cNvPr>
+          <p:cNvSpPr>
+            <a:spLocks noGrp="1"/>
+          </p:cNvSpPr>
+          <p:nvPr>
+            <p:ph type="sldNum" sz="quarter" idx="12"/>
+          </p:nvPr>
+        </p:nvSpPr>
+        <p:spPr/>
+        <p:txBody>
+          <a:bodyPr/>
+          <a:lstStyle/>
+          <a:p>
+            <a:fld id="{8551792C-F89B-4948-B0B1-C6E471CEB377}" type="slidenum">
+              <a:rPr lang="en-US" smtClean="0"/>
+              <a:pPr/>
+              <a:t>13</a:t>
+            </a:fld>
+            <a:endParaRPr lang="en-US"/>
+          </a:p>
+        </p:txBody>
+      </p:sp>
     </p:spTree>
     <p:extLst>
       <p:ext uri="{BB962C8B-B14F-4D97-AF65-F5344CB8AC3E}">
@@ -4791,7 +4893,7 @@
   <p:timing>
     <p:tnLst>
       <p:par>
-        <p:cTn xmlns:p14="http://schemas.microsoft.com/office/powerpoint/2010/main" id="1" dur="indefinite" restart="never" nodeType="tmRoot">
+        <p:cTn id="1" dur="indefinite" restart="never" nodeType="tmRoot">
           <p:childTnLst>
             <p:seq concurrent="1" nextAc="seek">
               <p:cTn id="2" dur="indefinite" nodeType="mainSeq">
@@ -4903,10 +5005,9 @@
           <a:lstStyle/>
           <a:p>
             <a:r>
-              <a:rPr lang="en-US" dirty="0" smtClean="0"/>
+              <a:rPr lang="en-US" dirty="0"/>
               <a:t>Compare with Google Maps</a:t>
             </a:r>
-            <a:endParaRPr lang="en-US" dirty="0"/>
           </a:p>
         </p:txBody>
       </p:sp>
@@ -4926,10 +5027,9 @@
           <a:lstStyle/>
           <a:p>
             <a:r>
-              <a:rPr lang="en-US" dirty="0" smtClean="0"/>
+              <a:rPr lang="en-US" dirty="0"/>
               <a:t>These don’t really look the same.  Why not?</a:t>
             </a:r>
-            <a:endParaRPr lang="en-US" dirty="0"/>
           </a:p>
         </p:txBody>
       </p:sp>
@@ -4968,14 +5068,14 @@
           </a:ln>
           <a:extLst>
             <a:ext uri="{909E8E84-426E-40dd-AFC4-6F175D3DCCD1}">
-              <a14:hiddenFill xmlns:a14="http://schemas.microsoft.com/office/drawing/2010/main">
+              <a14:hiddenFill xmlns:a14="http://schemas.microsoft.com/office/drawing/2010/main" xmlns="">
                 <a:solidFill>
                   <a:schemeClr val="accent1"/>
                 </a:solidFill>
               </a14:hiddenFill>
             </a:ext>
             <a:ext uri="{91240B29-F687-4f45-9708-019B960494DF}">
-              <a14:hiddenLine xmlns:a14="http://schemas.microsoft.com/office/drawing/2010/main" w="9525">
+              <a14:hiddenLine xmlns:a14="http://schemas.microsoft.com/office/drawing/2010/main" xmlns="" w="9525">
                 <a:solidFill>
                   <a:schemeClr val="tx1"/>
                 </a:solidFill>
@@ -5022,14 +5122,14 @@
           </a:ln>
           <a:extLst>
             <a:ext uri="{909E8E84-426E-40dd-AFC4-6F175D3DCCD1}">
-              <a14:hiddenFill xmlns:a14="http://schemas.microsoft.com/office/drawing/2010/main">
+              <a14:hiddenFill xmlns:a14="http://schemas.microsoft.com/office/drawing/2010/main" xmlns="">
                 <a:solidFill>
                   <a:schemeClr val="accent1"/>
                 </a:solidFill>
               </a14:hiddenFill>
             </a:ext>
             <a:ext uri="{91240B29-F687-4f45-9708-019B960494DF}">
-              <a14:hiddenLine xmlns:a14="http://schemas.microsoft.com/office/drawing/2010/main" w="9525">
+              <a14:hiddenLine xmlns:a14="http://schemas.microsoft.com/office/drawing/2010/main" xmlns="" w="9525">
                 <a:solidFill>
                   <a:schemeClr val="tx1"/>
                 </a:solidFill>
@@ -5050,7 +5150,7 @@
         <p:spPr>
           <a:xfrm>
             <a:off x="685800" y="5638800"/>
-            <a:ext cx="8077200" cy="646331"/>
+            <a:ext cx="8153400" cy="646331"/>
           </a:xfrm>
           <a:prstGeom prst="rect">
             <a:avLst/>
@@ -5064,10 +5164,39 @@
           <a:lstStyle/>
           <a:p>
             <a:r>
-              <a:rPr lang="en-US" dirty="0" smtClean="0"/>
-              <a:t>The Google Maps image took me, like, forever to find, because it turns out there’s more than one town named Stein in the Netherlands.  Stein =&gt; Dutch for Springfield.</a:t>
-            </a:r>
-            <a:endParaRPr lang="en-US" dirty="0"/>
+              <a:rPr lang="en-US" dirty="0"/>
+              <a:t>The Google Maps image took me, like, forever to find, because it turns out there’s more than one town named Stein in the Netherlands.  Stein =&gt; Dutch for Springfield?</a:t>
+            </a:r>
+          </a:p>
+        </p:txBody>
+      </p:sp>
+      <p:sp>
+        <p:nvSpPr>
+          <p:cNvPr id="6" name="Slide Number Placeholder 5">
+            <a:extLst>
+              <a:ext uri="{FF2B5EF4-FFF2-40B4-BE49-F238E27FC236}">
+                <a16:creationId xmlns:a16="http://schemas.microsoft.com/office/drawing/2014/main" id="{5FE746E5-C4D1-6247-A3E0-8CC067921D20}"/>
+              </a:ext>
+            </a:extLst>
+          </p:cNvPr>
+          <p:cNvSpPr>
+            <a:spLocks noGrp="1"/>
+          </p:cNvSpPr>
+          <p:nvPr>
+            <p:ph type="sldNum" sz="quarter" idx="12"/>
+          </p:nvPr>
+        </p:nvSpPr>
+        <p:spPr/>
+        <p:txBody>
+          <a:bodyPr/>
+          <a:lstStyle/>
+          <a:p>
+            <a:fld id="{8551792C-F89B-4948-B0B1-C6E471CEB377}" type="slidenum">
+              <a:rPr lang="en-US" smtClean="0"/>
+              <a:pPr/>
+              <a:t>14</a:t>
+            </a:fld>
+            <a:endParaRPr lang="en-US"/>
           </a:p>
         </p:txBody>
       </p:sp>
@@ -5081,13 +5210,6 @@
   <p:clrMapOvr>
     <a:masterClrMapping/>
   </p:clrMapOvr>
-  <p:timing>
-    <p:tnLst>
-      <p:par>
-        <p:cTn xmlns:p14="http://schemas.microsoft.com/office/powerpoint/2010/main" id="1" dur="indefinite" restart="never" nodeType="tmRoot"/>
-      </p:par>
-    </p:tnLst>
-  </p:timing>
 </p:sld>
 </file>
 
@@ -5124,10 +5246,9 @@
           <a:lstStyle/>
           <a:p>
             <a:r>
-              <a:rPr lang="en-US" dirty="0" smtClean="0"/>
+              <a:rPr lang="en-US" dirty="0"/>
               <a:t>Coordinate systems</a:t>
             </a:r>
-            <a:endParaRPr lang="en-US" dirty="0"/>
           </a:p>
         </p:txBody>
       </p:sp>
@@ -5147,30 +5268,18 @@
           <a:lstStyle/>
           <a:p>
             <a:r>
-              <a:rPr lang="en-US" dirty="0" smtClean="0"/>
-              <a:t>All maps </a:t>
-            </a:r>
-            <a:r>
-              <a:rPr lang="en-US" dirty="0"/>
-              <a:t>n</a:t>
-            </a:r>
-            <a:r>
-              <a:rPr lang="en-US" dirty="0" smtClean="0"/>
-              <a:t>eed to match date from a ball to a map drawn as plane.</a:t>
-            </a:r>
-          </a:p>
-          <a:p>
-            <a:r>
-              <a:rPr lang="en-US" dirty="0" smtClean="0"/>
+              <a:rPr lang="en-US" dirty="0"/>
+              <a:t>All maps need to match date from a ball to a map drawn as plane.</a:t>
+            </a:r>
+          </a:p>
+          <a:p>
+            <a:r>
+              <a:rPr lang="en-US" dirty="0"/>
               <a:t>X and Y are defined </a:t>
             </a:r>
             <a:r>
-              <a:rPr lang="en-US" i="1" dirty="0" smtClean="0"/>
-              <a:t>within in a coordinate syste</a:t>
-            </a:r>
-            <a:r>
               <a:rPr lang="en-US" i="1" dirty="0"/>
-              <a:t>m</a:t>
+              <a:t>within in a coordinate system</a:t>
             </a:r>
           </a:p>
         </p:txBody>
@@ -5210,14 +5319,14 @@
           </a:ln>
           <a:extLst>
             <a:ext uri="{909E8E84-426E-40dd-AFC4-6F175D3DCCD1}">
-              <a14:hiddenFill xmlns:a14="http://schemas.microsoft.com/office/drawing/2010/main">
+              <a14:hiddenFill xmlns:a14="http://schemas.microsoft.com/office/drawing/2010/main" xmlns="">
                 <a:solidFill>
                   <a:schemeClr val="accent1"/>
                 </a:solidFill>
               </a14:hiddenFill>
             </a:ext>
             <a:ext uri="{91240B29-F687-4f45-9708-019B960494DF}">
-              <a14:hiddenLine xmlns:a14="http://schemas.microsoft.com/office/drawing/2010/main" w="9525">
+              <a14:hiddenLine xmlns:a14="http://schemas.microsoft.com/office/drawing/2010/main" xmlns="" w="9525">
                 <a:solidFill>
                   <a:schemeClr val="tx1"/>
                 </a:solidFill>
@@ -5229,6 +5338,36 @@
           </a:extLst>
         </p:spPr>
       </p:pic>
+      <p:sp>
+        <p:nvSpPr>
+          <p:cNvPr id="4" name="Slide Number Placeholder 3">
+            <a:extLst>
+              <a:ext uri="{FF2B5EF4-FFF2-40B4-BE49-F238E27FC236}">
+                <a16:creationId xmlns:a16="http://schemas.microsoft.com/office/drawing/2014/main" id="{F0053AF5-5356-7C41-AC55-4F4B94AF43AA}"/>
+              </a:ext>
+            </a:extLst>
+          </p:cNvPr>
+          <p:cNvSpPr>
+            <a:spLocks noGrp="1"/>
+          </p:cNvSpPr>
+          <p:nvPr>
+            <p:ph type="sldNum" sz="quarter" idx="12"/>
+          </p:nvPr>
+        </p:nvSpPr>
+        <p:spPr/>
+        <p:txBody>
+          <a:bodyPr/>
+          <a:lstStyle/>
+          <a:p>
+            <a:fld id="{8551792C-F89B-4948-B0B1-C6E471CEB377}" type="slidenum">
+              <a:rPr lang="en-US" smtClean="0"/>
+              <a:pPr/>
+              <a:t>15</a:t>
+            </a:fld>
+            <a:endParaRPr lang="en-US"/>
+          </a:p>
+        </p:txBody>
+      </p:sp>
     </p:spTree>
     <p:extLst>
       <p:ext uri="{BB962C8B-B14F-4D97-AF65-F5344CB8AC3E}">
@@ -5239,13 +5378,6 @@
   <p:clrMapOvr>
     <a:masterClrMapping/>
   </p:clrMapOvr>
-  <p:timing>
-    <p:tnLst>
-      <p:par>
-        <p:cTn xmlns:p14="http://schemas.microsoft.com/office/powerpoint/2010/main" id="1" dur="indefinite" restart="never" nodeType="tmRoot"/>
-      </p:par>
-    </p:tnLst>
-  </p:timing>
 </p:sld>
 </file>
 
@@ -5282,10 +5414,9 @@
           <a:lstStyle/>
           <a:p>
             <a:r>
-              <a:rPr lang="en-US" dirty="0" smtClean="0"/>
+              <a:rPr lang="en-US" dirty="0"/>
               <a:t>Coordinate systems (more)</a:t>
             </a:r>
-            <a:endParaRPr lang="en-US" dirty="0"/>
           </a:p>
         </p:txBody>
       </p:sp>
@@ -5312,28 +5443,28 @@
           <a:lstStyle/>
           <a:p>
             <a:r>
-              <a:rPr lang="en-US" dirty="0" smtClean="0"/>
+              <a:rPr lang="en-US" dirty="0"/>
               <a:t>Remember this map?  Its projection is inconsistent</a:t>
             </a:r>
           </a:p>
           <a:p>
             <a:pPr lvl="1"/>
             <a:r>
-              <a:rPr lang="en-US" dirty="0" smtClean="0"/>
+              <a:rPr lang="en-US" dirty="0"/>
               <a:t>The lines on the colored overlay don’t align with underlying features</a:t>
             </a:r>
           </a:p>
           <a:p>
             <a:pPr lvl="1"/>
-            <a:endParaRPr lang="en-US" dirty="0" smtClean="0"/>
-          </a:p>
-          <a:p>
-            <a:r>
-              <a:rPr lang="en-US" dirty="0" smtClean="0"/>
+            <a:endParaRPr lang="en-US" dirty="0"/>
+          </a:p>
+          <a:p>
+            <a:r>
+              <a:rPr lang="en-US" dirty="0"/>
               <a:t>USGS State Plane Coordinate Systems are usually the correct projections </a:t>
             </a:r>
             <a:r>
-              <a:rPr lang="en-US" smtClean="0"/>
+              <a:rPr lang="en-US"/>
               <a:t>for city-scale maps</a:t>
             </a:r>
             <a:endParaRPr lang="en-US" dirty="0"/>
@@ -5375,14 +5506,14 @@
           </a:ln>
           <a:extLst>
             <a:ext uri="{909E8E84-426E-40dd-AFC4-6F175D3DCCD1}">
-              <a14:hiddenFill xmlns:a14="http://schemas.microsoft.com/office/drawing/2010/main">
+              <a14:hiddenFill xmlns:a14="http://schemas.microsoft.com/office/drawing/2010/main" xmlns="">
                 <a:solidFill>
                   <a:schemeClr val="accent1"/>
                 </a:solidFill>
               </a14:hiddenFill>
             </a:ext>
             <a:ext uri="{91240B29-F687-4f45-9708-019B960494DF}">
-              <a14:hiddenLine xmlns:a14="http://schemas.microsoft.com/office/drawing/2010/main" w="9525">
+              <a14:hiddenLine xmlns:a14="http://schemas.microsoft.com/office/drawing/2010/main" xmlns="" w="9525">
                 <a:solidFill>
                   <a:schemeClr val="tx1"/>
                 </a:solidFill>
@@ -5394,6 +5525,36 @@
           </a:extLst>
         </p:spPr>
       </p:pic>
+      <p:sp>
+        <p:nvSpPr>
+          <p:cNvPr id="4" name="Slide Number Placeholder 3">
+            <a:extLst>
+              <a:ext uri="{FF2B5EF4-FFF2-40B4-BE49-F238E27FC236}">
+                <a16:creationId xmlns:a16="http://schemas.microsoft.com/office/drawing/2014/main" id="{50427113-1955-A847-8374-9610150CC027}"/>
+              </a:ext>
+            </a:extLst>
+          </p:cNvPr>
+          <p:cNvSpPr>
+            <a:spLocks noGrp="1"/>
+          </p:cNvSpPr>
+          <p:nvPr>
+            <p:ph type="sldNum" sz="quarter" idx="12"/>
+          </p:nvPr>
+        </p:nvSpPr>
+        <p:spPr/>
+        <p:txBody>
+          <a:bodyPr/>
+          <a:lstStyle/>
+          <a:p>
+            <a:fld id="{8551792C-F89B-4948-B0B1-C6E471CEB377}" type="slidenum">
+              <a:rPr lang="en-US" smtClean="0"/>
+              <a:pPr/>
+              <a:t>16</a:t>
+            </a:fld>
+            <a:endParaRPr lang="en-US"/>
+          </a:p>
+        </p:txBody>
+      </p:sp>
     </p:spTree>
     <p:extLst>
       <p:ext uri="{BB962C8B-B14F-4D97-AF65-F5344CB8AC3E}">
@@ -5404,13 +5565,6 @@
   <p:clrMapOvr>
     <a:masterClrMapping/>
   </p:clrMapOvr>
-  <p:timing>
-    <p:tnLst>
-      <p:par>
-        <p:cTn xmlns:p14="http://schemas.microsoft.com/office/powerpoint/2010/main" id="1" dur="indefinite" restart="never" nodeType="tmRoot"/>
-      </p:par>
-    </p:tnLst>
-  </p:timing>
 </p:sld>
 </file>
 
@@ -5447,62 +5601,61 @@
           <a:lstStyle/>
           <a:p>
             <a:r>
-              <a:rPr lang="en-US" dirty="0" smtClean="0"/>
+              <a:rPr lang="en-US" dirty="0"/>
               <a:t>So, back to the </a:t>
             </a:r>
             <a:r>
-              <a:rPr lang="en-US" dirty="0" err="1" smtClean="0"/>
+              <a:rPr lang="en-US" dirty="0" err="1"/>
               <a:t>meuse</a:t>
             </a:r>
             <a:r>
-              <a:rPr lang="en-US" dirty="0" smtClean="0"/>
+              <a:rPr lang="en-US" dirty="0"/>
               <a:t> dataset</a:t>
             </a:r>
+          </a:p>
+        </p:txBody>
+      </p:sp>
+      <p:sp>
+        <p:nvSpPr>
+          <p:cNvPr id="3" name="Content Placeholder 2"/>
+          <p:cNvSpPr>
+            <a:spLocks noGrp="1"/>
+          </p:cNvSpPr>
+          <p:nvPr>
+            <p:ph idx="1"/>
+          </p:nvPr>
+        </p:nvSpPr>
+        <p:spPr/>
+        <p:txBody>
+          <a:bodyPr/>
+          <a:lstStyle/>
+          <a:p>
+            <a:r>
+              <a:rPr lang="en-US" dirty="0"/>
+              <a:t>Look up documentation for </a:t>
+            </a:r>
+            <a:r>
+              <a:rPr lang="en-US" dirty="0" err="1"/>
+              <a:t>meuse</a:t>
+            </a:r>
             <a:endParaRPr lang="en-US" dirty="0"/>
           </a:p>
-        </p:txBody>
-      </p:sp>
-      <p:sp>
-        <p:nvSpPr>
-          <p:cNvPr id="3" name="Content Placeholder 2"/>
-          <p:cNvSpPr>
-            <a:spLocks noGrp="1"/>
-          </p:cNvSpPr>
-          <p:nvPr>
-            <p:ph idx="1"/>
-          </p:nvPr>
-        </p:nvSpPr>
-        <p:spPr/>
-        <p:txBody>
-          <a:bodyPr/>
-          <a:lstStyle/>
-          <a:p>
-            <a:r>
-              <a:rPr lang="en-US" dirty="0" smtClean="0"/>
-              <a:t>Look up documentation for </a:t>
-            </a:r>
-            <a:r>
-              <a:rPr lang="en-US" dirty="0" err="1" smtClean="0"/>
+          <a:p>
+            <a:r>
+              <a:rPr lang="en-US" dirty="0"/>
+              <a:t>?</a:t>
+            </a:r>
+            <a:r>
+              <a:rPr lang="en-US" dirty="0" err="1"/>
               <a:t>meuse</a:t>
             </a:r>
-            <a:endParaRPr lang="en-US" dirty="0" smtClean="0"/>
-          </a:p>
-          <a:p>
-            <a:r>
-              <a:rPr lang="en-US" dirty="0" smtClean="0"/>
-              <a:t>?</a:t>
-            </a:r>
-            <a:r>
-              <a:rPr lang="en-US" dirty="0" err="1" smtClean="0"/>
-              <a:t>meuse</a:t>
-            </a:r>
-            <a:endParaRPr lang="en-US" dirty="0" smtClean="0"/>
-          </a:p>
-          <a:p>
             <a:endParaRPr lang="en-US" dirty="0"/>
           </a:p>
           <a:p>
-            <a:endParaRPr lang="en-US" dirty="0" smtClean="0"/>
+            <a:endParaRPr lang="en-US" dirty="0"/>
+          </a:p>
+          <a:p>
+            <a:endParaRPr lang="en-US" dirty="0"/>
           </a:p>
           <a:p>
             <a:endParaRPr lang="en-US" dirty="0"/>
@@ -5544,14 +5697,14 @@
           </a:ln>
           <a:extLst>
             <a:ext uri="{909E8E84-426E-40dd-AFC4-6F175D3DCCD1}">
-              <a14:hiddenFill xmlns:a14="http://schemas.microsoft.com/office/drawing/2010/main">
+              <a14:hiddenFill xmlns:a14="http://schemas.microsoft.com/office/drawing/2010/main" xmlns="">
                 <a:solidFill>
                   <a:schemeClr val="accent1"/>
                 </a:solidFill>
               </a14:hiddenFill>
             </a:ext>
             <a:ext uri="{91240B29-F687-4f45-9708-019B960494DF}">
-              <a14:hiddenLine xmlns:a14="http://schemas.microsoft.com/office/drawing/2010/main" w="9525">
+              <a14:hiddenLine xmlns:a14="http://schemas.microsoft.com/office/drawing/2010/main" xmlns="" w="9525">
                 <a:solidFill>
                   <a:schemeClr val="tx1"/>
                 </a:solidFill>
@@ -5563,6 +5716,36 @@
           </a:extLst>
         </p:spPr>
       </p:pic>
+      <p:sp>
+        <p:nvSpPr>
+          <p:cNvPr id="4" name="Slide Number Placeholder 3">
+            <a:extLst>
+              <a:ext uri="{FF2B5EF4-FFF2-40B4-BE49-F238E27FC236}">
+                <a16:creationId xmlns:a16="http://schemas.microsoft.com/office/drawing/2014/main" id="{658F792F-3C8F-DF47-B6A1-F05A555A783E}"/>
+              </a:ext>
+            </a:extLst>
+          </p:cNvPr>
+          <p:cNvSpPr>
+            <a:spLocks noGrp="1"/>
+          </p:cNvSpPr>
+          <p:nvPr>
+            <p:ph type="sldNum" sz="quarter" idx="12"/>
+          </p:nvPr>
+        </p:nvSpPr>
+        <p:spPr/>
+        <p:txBody>
+          <a:bodyPr/>
+          <a:lstStyle/>
+          <a:p>
+            <a:fld id="{8551792C-F89B-4948-B0B1-C6E471CEB377}" type="slidenum">
+              <a:rPr lang="en-US" smtClean="0"/>
+              <a:pPr/>
+              <a:t>17</a:t>
+            </a:fld>
+            <a:endParaRPr lang="en-US"/>
+          </a:p>
+        </p:txBody>
+      </p:sp>
     </p:spTree>
     <p:extLst>
       <p:ext uri="{BB962C8B-B14F-4D97-AF65-F5344CB8AC3E}">
@@ -5573,13 +5756,6 @@
   <p:clrMapOvr>
     <a:masterClrMapping/>
   </p:clrMapOvr>
-  <p:timing>
-    <p:tnLst>
-      <p:par>
-        <p:cTn xmlns:p14="http://schemas.microsoft.com/office/powerpoint/2010/main" id="1" dur="indefinite" restart="never" nodeType="tmRoot"/>
-      </p:par>
-    </p:tnLst>
-  </p:timing>
 </p:sld>
 </file>
 
@@ -5617,72 +5793,67 @@
           <a:p>
             <a:r>
               <a:rPr lang="en-US" dirty="0"/>
-              <a:t>S</a:t>
-            </a:r>
-            <a:r>
-              <a:rPr lang="en-US" dirty="0" smtClean="0"/>
-              <a:t>patially aware R objects</a:t>
+              <a:t>Spatially aware R objects</a:t>
+            </a:r>
+          </a:p>
+        </p:txBody>
+      </p:sp>
+      <p:sp>
+        <p:nvSpPr>
+          <p:cNvPr id="3" name="Content Placeholder 2"/>
+          <p:cNvSpPr>
+            <a:spLocks noGrp="1"/>
+          </p:cNvSpPr>
+          <p:nvPr>
+            <p:ph idx="1"/>
+          </p:nvPr>
+        </p:nvSpPr>
+        <p:spPr/>
+        <p:txBody>
+          <a:bodyPr/>
+          <a:lstStyle/>
+          <a:p>
+            <a:r>
+              <a:rPr lang="en-US" dirty="0" err="1"/>
+              <a:t>meuse</a:t>
+            </a:r>
+            <a:r>
+              <a:rPr lang="en-US" dirty="0"/>
+              <a:t> is a data frame</a:t>
+            </a:r>
+          </a:p>
+          <a:p>
+            <a:r>
+              <a:rPr lang="en-US" dirty="0"/>
+              <a:t>Let’s give it coordinates, using a vector or a formula:</a:t>
+            </a:r>
+          </a:p>
+          <a:p>
+            <a:pPr lvl="1"/>
+            <a:r>
+              <a:rPr lang="en-US" dirty="0"/>
+              <a:t>coordinates(</a:t>
+            </a:r>
+            <a:r>
+              <a:rPr lang="en-US" dirty="0" err="1"/>
+              <a:t>meuse</a:t>
+            </a:r>
+            <a:r>
+              <a:rPr lang="en-US" dirty="0"/>
+              <a:t>) &lt;- ~</a:t>
+            </a:r>
+            <a:r>
+              <a:rPr lang="en-US" dirty="0" err="1"/>
+              <a:t>x+y</a:t>
             </a:r>
             <a:endParaRPr lang="en-US" dirty="0"/>
-          </a:p>
-        </p:txBody>
-      </p:sp>
-      <p:sp>
-        <p:nvSpPr>
-          <p:cNvPr id="3" name="Content Placeholder 2"/>
-          <p:cNvSpPr>
-            <a:spLocks noGrp="1"/>
-          </p:cNvSpPr>
-          <p:nvPr>
-            <p:ph idx="1"/>
-          </p:nvPr>
-        </p:nvSpPr>
-        <p:spPr/>
-        <p:txBody>
-          <a:bodyPr/>
-          <a:lstStyle/>
-          <a:p>
-            <a:r>
-              <a:rPr lang="en-US" dirty="0" err="1" smtClean="0"/>
-              <a:t>meuse</a:t>
-            </a:r>
-            <a:r>
-              <a:rPr lang="en-US" dirty="0" smtClean="0"/>
-              <a:t> is a data frame</a:t>
-            </a:r>
-          </a:p>
-          <a:p>
-            <a:r>
-              <a:rPr lang="en-US" dirty="0" smtClean="0"/>
-              <a:t>Let’s give it coordinates, using a vector or a formula:</a:t>
-            </a:r>
-          </a:p>
-          <a:p>
-            <a:pPr lvl="1"/>
-            <a:r>
-              <a:rPr lang="en-US" dirty="0" smtClean="0"/>
-              <a:t>coordinates(</a:t>
-            </a:r>
-            <a:r>
-              <a:rPr lang="en-US" dirty="0" err="1" smtClean="0"/>
-              <a:t>meuse</a:t>
-            </a:r>
-            <a:r>
-              <a:rPr lang="en-US" dirty="0" smtClean="0"/>
-              <a:t>) &lt;- ~</a:t>
-            </a:r>
-            <a:r>
-              <a:rPr lang="en-US" dirty="0" err="1" smtClean="0"/>
-              <a:t>x+y</a:t>
-            </a:r>
-            <a:endParaRPr lang="en-US" dirty="0" smtClean="0"/>
           </a:p>
           <a:p>
             <a:pPr marL="0" indent="0">
               <a:buNone/>
             </a:pPr>
             <a:r>
-              <a:rPr lang="en-US" dirty="0" smtClean="0"/>
+              <a:rPr lang="en-US" dirty="0"/>
               <a:t>			or</a:t>
             </a:r>
           </a:p>
@@ -5698,28 +5869,23 @@
             </a:r>
             <a:r>
               <a:rPr lang="en-US" dirty="0"/>
-              <a:t>) &lt;- </a:t>
-            </a:r>
-            <a:r>
-              <a:rPr lang="en-US" dirty="0" smtClean="0"/>
-              <a:t>c(“x”, “y”)</a:t>
-            </a:r>
-            <a:endParaRPr lang="en-US" dirty="0"/>
-          </a:p>
-          <a:p>
-            <a:r>
-              <a:rPr lang="en-US" dirty="0" smtClean="0"/>
+              <a:t>) &lt;- c(“x”, “y”)</a:t>
+            </a:r>
+          </a:p>
+          <a:p>
+            <a:r>
+              <a:rPr lang="en-US" dirty="0"/>
               <a:t>And a projection:</a:t>
             </a:r>
           </a:p>
           <a:p>
             <a:pPr lvl="1"/>
             <a:r>
-              <a:rPr lang="en-US" dirty="0" smtClean="0"/>
+              <a:rPr lang="en-US" dirty="0"/>
               <a:t>proj4string(</a:t>
             </a:r>
             <a:r>
-              <a:rPr lang="en-US" dirty="0" err="1" smtClean="0"/>
+              <a:rPr lang="en-US" dirty="0" err="1"/>
               <a:t>meuse</a:t>
             </a:r>
             <a:r>
@@ -5727,14 +5893,43 @@
               <a:t>) &lt;- CRS("+</a:t>
             </a:r>
             <a:r>
-              <a:rPr lang="en-US" dirty="0" err="1" smtClean="0"/>
+              <a:rPr lang="en-US" dirty="0" err="1"/>
               <a:t>init</a:t>
             </a:r>
             <a:r>
-              <a:rPr lang="en-US" dirty="0" smtClean="0"/>
+              <a:rPr lang="en-US" dirty="0"/>
               <a:t>=epsg:28992“)</a:t>
             </a:r>
-            <a:endParaRPr lang="en-US" dirty="0"/>
+          </a:p>
+        </p:txBody>
+      </p:sp>
+      <p:sp>
+        <p:nvSpPr>
+          <p:cNvPr id="4" name="Slide Number Placeholder 3">
+            <a:extLst>
+              <a:ext uri="{FF2B5EF4-FFF2-40B4-BE49-F238E27FC236}">
+                <a16:creationId xmlns:a16="http://schemas.microsoft.com/office/drawing/2014/main" id="{91AC569D-DD9C-0546-9234-38A7F22EE39B}"/>
+              </a:ext>
+            </a:extLst>
+          </p:cNvPr>
+          <p:cNvSpPr>
+            <a:spLocks noGrp="1"/>
+          </p:cNvSpPr>
+          <p:nvPr>
+            <p:ph type="sldNum" sz="quarter" idx="12"/>
+          </p:nvPr>
+        </p:nvSpPr>
+        <p:spPr/>
+        <p:txBody>
+          <a:bodyPr/>
+          <a:lstStyle/>
+          <a:p>
+            <a:fld id="{8551792C-F89B-4948-B0B1-C6E471CEB377}" type="slidenum">
+              <a:rPr lang="en-US" smtClean="0"/>
+              <a:pPr/>
+              <a:t>18</a:t>
+            </a:fld>
+            <a:endParaRPr lang="en-US"/>
           </a:p>
         </p:txBody>
       </p:sp>
@@ -5748,13 +5943,6 @@
   <p:clrMapOvr>
     <a:masterClrMapping/>
   </p:clrMapOvr>
-  <p:timing>
-    <p:tnLst>
-      <p:par>
-        <p:cTn xmlns:p14="http://schemas.microsoft.com/office/powerpoint/2010/main" id="1" dur="indefinite" restart="never" nodeType="tmRoot"/>
-      </p:par>
-    </p:tnLst>
-  </p:timing>
 </p:sld>
 </file>
 
@@ -5791,10 +5979,9 @@
           <a:lstStyle/>
           <a:p>
             <a:r>
-              <a:rPr lang="en-US" dirty="0" smtClean="0"/>
+              <a:rPr lang="en-US" dirty="0"/>
               <a:t>Plot with spatially aware object</a:t>
             </a:r>
-            <a:endParaRPr lang="en-US" dirty="0"/>
           </a:p>
         </p:txBody>
       </p:sp>
@@ -5814,10 +6001,9 @@
           <a:lstStyle/>
           <a:p>
             <a:r>
-              <a:rPr lang="en-US" dirty="0" smtClean="0"/>
+              <a:rPr lang="en-US" dirty="0"/>
               <a:t>Plot as before:</a:t>
             </a:r>
-            <a:endParaRPr lang="en-US" dirty="0"/>
           </a:p>
           <a:p>
             <a:pPr lvl="1"/>
@@ -5872,14 +6058,14 @@
           </a:ln>
           <a:extLst>
             <a:ext uri="{909E8E84-426E-40dd-AFC4-6F175D3DCCD1}">
-              <a14:hiddenFill xmlns:a14="http://schemas.microsoft.com/office/drawing/2010/main">
+              <a14:hiddenFill xmlns:a14="http://schemas.microsoft.com/office/drawing/2010/main" xmlns="">
                 <a:solidFill>
                   <a:schemeClr val="accent1"/>
                 </a:solidFill>
               </a14:hiddenFill>
             </a:ext>
             <a:ext uri="{91240B29-F687-4f45-9708-019B960494DF}">
-              <a14:hiddenLine xmlns:a14="http://schemas.microsoft.com/office/drawing/2010/main" w="9525">
+              <a14:hiddenLine xmlns:a14="http://schemas.microsoft.com/office/drawing/2010/main" xmlns="" w="9525">
                 <a:solidFill>
                   <a:schemeClr val="tx1"/>
                 </a:solidFill>
@@ -5927,14 +6113,14 @@
           <a:effectLst/>
           <a:extLst>
             <a:ext uri="{909E8E84-426E-40dd-AFC4-6F175D3DCCD1}">
-              <a14:hiddenFill xmlns:a14="http://schemas.microsoft.com/office/drawing/2010/main">
+              <a14:hiddenFill xmlns:a14="http://schemas.microsoft.com/office/drawing/2010/main" xmlns="">
                 <a:solidFill>
                   <a:schemeClr val="accent1"/>
                 </a:solidFill>
               </a14:hiddenFill>
             </a:ext>
             <a:ext uri="{91240B29-F687-4f45-9708-019B960494DF}">
-              <a14:hiddenLine xmlns:a14="http://schemas.microsoft.com/office/drawing/2010/main" w="9525">
+              <a14:hiddenLine xmlns:a14="http://schemas.microsoft.com/office/drawing/2010/main" xmlns="" w="9525">
                 <a:solidFill>
                   <a:schemeClr val="tx1"/>
                 </a:solidFill>
@@ -5944,7 +6130,7 @@
               </a14:hiddenLine>
             </a:ext>
             <a:ext uri="{AF507438-7753-43e0-B8FC-AC1667EBCBE1}">
-              <a14:hiddenEffects xmlns:a14="http://schemas.microsoft.com/office/drawing/2010/main">
+              <a14:hiddenEffects xmlns:a14="http://schemas.microsoft.com/office/drawing/2010/main" xmlns="">
                 <a:effectLst>
                   <a:outerShdw dist="35921" dir="2700000" algn="ctr" rotWithShape="0">
                     <a:schemeClr val="bg2"/>
@@ -5978,10 +6164,39 @@
           <a:lstStyle/>
           <a:p>
             <a:r>
-              <a:rPr lang="en-US" dirty="0" smtClean="0"/>
+              <a:rPr lang="en-US" dirty="0"/>
               <a:t>The shape looks closer now…</a:t>
             </a:r>
-            <a:endParaRPr lang="en-US" dirty="0"/>
+          </a:p>
+        </p:txBody>
+      </p:sp>
+      <p:sp>
+        <p:nvSpPr>
+          <p:cNvPr id="5" name="Slide Number Placeholder 4">
+            <a:extLst>
+              <a:ext uri="{FF2B5EF4-FFF2-40B4-BE49-F238E27FC236}">
+                <a16:creationId xmlns:a16="http://schemas.microsoft.com/office/drawing/2014/main" id="{3B5EF082-A345-8C41-A62C-682AB50DC412}"/>
+              </a:ext>
+            </a:extLst>
+          </p:cNvPr>
+          <p:cNvSpPr>
+            <a:spLocks noGrp="1"/>
+          </p:cNvSpPr>
+          <p:nvPr>
+            <p:ph type="sldNum" sz="quarter" idx="12"/>
+          </p:nvPr>
+        </p:nvSpPr>
+        <p:spPr/>
+        <p:txBody>
+          <a:bodyPr/>
+          <a:lstStyle/>
+          <a:p>
+            <a:fld id="{8551792C-F89B-4948-B0B1-C6E471CEB377}" type="slidenum">
+              <a:rPr lang="en-US" smtClean="0"/>
+              <a:pPr/>
+              <a:t>19</a:t>
+            </a:fld>
+            <a:endParaRPr lang="en-US"/>
           </a:p>
         </p:txBody>
       </p:sp>
@@ -5995,13 +6210,6 @@
   <p:clrMapOvr>
     <a:masterClrMapping/>
   </p:clrMapOvr>
-  <p:timing>
-    <p:tnLst>
-      <p:par>
-        <p:cTn xmlns:p14="http://schemas.microsoft.com/office/powerpoint/2010/main" id="1" dur="indefinite" restart="never" nodeType="tmRoot"/>
-      </p:par>
-    </p:tnLst>
-  </p:timing>
 </p:sld>
 </file>
 
@@ -6038,10 +6246,9 @@
           <a:lstStyle/>
           <a:p>
             <a:r>
-              <a:rPr lang="en-US" dirty="0" smtClean="0"/>
+              <a:rPr lang="en-US" dirty="0"/>
               <a:t>Agenda</a:t>
             </a:r>
-            <a:endParaRPr lang="en-US" dirty="0"/>
           </a:p>
         </p:txBody>
       </p:sp>
@@ -6061,20 +6268,19 @@
           <a:lstStyle/>
           <a:p>
             <a:r>
-              <a:rPr lang="en-US" dirty="0" smtClean="0"/>
+              <a:rPr lang="en-US" dirty="0"/>
               <a:t>Mapping and intro spatial data in R</a:t>
             </a:r>
           </a:p>
           <a:p>
             <a:r>
-              <a:rPr lang="en-US" dirty="0" smtClean="0"/>
+              <a:rPr lang="en-US" dirty="0"/>
               <a:t>Break</a:t>
             </a:r>
-            <a:endParaRPr lang="en-US" dirty="0"/>
-          </a:p>
-          <a:p>
-            <a:r>
-              <a:rPr lang="en-US" dirty="0" smtClean="0"/>
+          </a:p>
+          <a:p>
+            <a:r>
+              <a:rPr lang="en-US" dirty="0"/>
               <a:t>Work time</a:t>
             </a:r>
           </a:p>
@@ -6083,6 +6289,36 @@
               <a:rPr lang="en-US" dirty="0"/>
               <a:t>Concepts in spatial analysis</a:t>
             </a:r>
+          </a:p>
+        </p:txBody>
+      </p:sp>
+      <p:sp>
+        <p:nvSpPr>
+          <p:cNvPr id="4" name="Slide Number Placeholder 3">
+            <a:extLst>
+              <a:ext uri="{FF2B5EF4-FFF2-40B4-BE49-F238E27FC236}">
+                <a16:creationId xmlns:a16="http://schemas.microsoft.com/office/drawing/2014/main" id="{0FBF9CCA-75B2-E64F-A44E-DA4C473D3433}"/>
+              </a:ext>
+            </a:extLst>
+          </p:cNvPr>
+          <p:cNvSpPr>
+            <a:spLocks noGrp="1"/>
+          </p:cNvSpPr>
+          <p:nvPr>
+            <p:ph type="sldNum" sz="quarter" idx="12"/>
+          </p:nvPr>
+        </p:nvSpPr>
+        <p:spPr/>
+        <p:txBody>
+          <a:bodyPr/>
+          <a:lstStyle/>
+          <a:p>
+            <a:fld id="{8551792C-F89B-4948-B0B1-C6E471CEB377}" type="slidenum">
+              <a:rPr lang="en-US" smtClean="0"/>
+              <a:pPr/>
+              <a:t>2</a:t>
+            </a:fld>
+            <a:endParaRPr lang="en-US"/>
           </a:p>
         </p:txBody>
       </p:sp>
@@ -6096,13 +6332,6 @@
   <p:clrMapOvr>
     <a:masterClrMapping/>
   </p:clrMapOvr>
-  <p:timing>
-    <p:tnLst>
-      <p:par>
-        <p:cTn xmlns:p14="http://schemas.microsoft.com/office/powerpoint/2010/main" id="1" dur="indefinite" restart="never" nodeType="tmRoot"/>
-      </p:par>
-    </p:tnLst>
-  </p:timing>
 </p:sld>
 </file>
 
@@ -6161,33 +6390,33 @@
           <a:lstStyle/>
           <a:p>
             <a:r>
-              <a:rPr lang="en-US" dirty="0" smtClean="0"/>
+              <a:rPr lang="en-US" dirty="0"/>
               <a:t>Okay, now let’s look at the </a:t>
             </a:r>
             <a:r>
-              <a:rPr lang="en-US" dirty="0" err="1" smtClean="0"/>
+              <a:rPr lang="en-US" dirty="0" err="1"/>
               <a:t>meuse</a:t>
             </a:r>
             <a:r>
-              <a:rPr lang="en-US" dirty="0" smtClean="0"/>
+              <a:rPr lang="en-US" dirty="0"/>
               <a:t> object again:</a:t>
             </a:r>
           </a:p>
           <a:p>
             <a:r>
-              <a:rPr lang="en-US" dirty="0" err="1" smtClean="0"/>
+              <a:rPr lang="en-US" dirty="0" err="1"/>
               <a:t>str</a:t>
             </a:r>
             <a:r>
-              <a:rPr lang="en-US" dirty="0" smtClean="0"/>
+              <a:rPr lang="en-US" dirty="0"/>
               <a:t>(</a:t>
             </a:r>
             <a:r>
-              <a:rPr lang="en-US" dirty="0" err="1" smtClean="0"/>
+              <a:rPr lang="en-US" dirty="0" err="1"/>
               <a:t>meuse</a:t>
             </a:r>
             <a:r>
-              <a:rPr lang="en-US" dirty="0" smtClean="0"/>
+              <a:rPr lang="en-US" dirty="0"/>
               <a:t>)</a:t>
             </a:r>
           </a:p>
@@ -6195,20 +6424,49 @@
             <a:endParaRPr lang="en-US" dirty="0"/>
           </a:p>
           <a:p>
-            <a:endParaRPr lang="en-US" dirty="0" smtClean="0"/>
-          </a:p>
-          <a:p>
             <a:endParaRPr lang="en-US" dirty="0"/>
           </a:p>
           <a:p>
-            <a:endParaRPr lang="en-US" dirty="0" smtClean="0"/>
-          </a:p>
-          <a:p>
-            <a:r>
-              <a:rPr lang="en-US" dirty="0" smtClean="0"/>
+            <a:endParaRPr lang="en-US" dirty="0"/>
+          </a:p>
+          <a:p>
+            <a:endParaRPr lang="en-US" dirty="0"/>
+          </a:p>
+          <a:p>
+            <a:r>
+              <a:rPr lang="en-US" dirty="0"/>
               <a:t>WTF?!</a:t>
             </a:r>
-            <a:endParaRPr lang="en-US" dirty="0"/>
+          </a:p>
+        </p:txBody>
+      </p:sp>
+      <p:sp>
+        <p:nvSpPr>
+          <p:cNvPr id="4" name="Slide Number Placeholder 3">
+            <a:extLst>
+              <a:ext uri="{FF2B5EF4-FFF2-40B4-BE49-F238E27FC236}">
+                <a16:creationId xmlns:a16="http://schemas.microsoft.com/office/drawing/2014/main" id="{E0B76EC5-B7B1-7E4F-ACF9-66479C18605F}"/>
+              </a:ext>
+            </a:extLst>
+          </p:cNvPr>
+          <p:cNvSpPr>
+            <a:spLocks noGrp="1"/>
+          </p:cNvSpPr>
+          <p:nvPr>
+            <p:ph type="sldNum" sz="quarter" idx="12"/>
+          </p:nvPr>
+        </p:nvSpPr>
+        <p:spPr/>
+        <p:txBody>
+          <a:bodyPr/>
+          <a:lstStyle/>
+          <a:p>
+            <a:fld id="{8551792C-F89B-4948-B0B1-C6E471CEB377}" type="slidenum">
+              <a:rPr lang="en-US" smtClean="0"/>
+              <a:pPr/>
+              <a:t>20</a:t>
+            </a:fld>
+            <a:endParaRPr lang="en-US"/>
           </a:p>
         </p:txBody>
       </p:sp>
@@ -6225,7 +6483,7 @@
   <p:timing>
     <p:tnLst>
       <p:par>
-        <p:cTn xmlns:p14="http://schemas.microsoft.com/office/powerpoint/2010/main" id="1" dur="indefinite" restart="never" nodeType="tmRoot">
+        <p:cTn id="1" dur="indefinite" restart="never" nodeType="tmRoot">
           <p:childTnLst>
             <p:seq concurrent="1" nextAc="seek">
               <p:cTn id="2" dur="indefinite" nodeType="mainSeq">
@@ -6339,18 +6597,17 @@
           <a:lstStyle/>
           <a:p>
             <a:r>
-              <a:rPr lang="en-US" dirty="0" smtClean="0"/>
+              <a:rPr lang="en-US" dirty="0"/>
               <a:t>Aside: why the </a:t>
             </a:r>
             <a:r>
-              <a:rPr lang="en-US" dirty="0" err="1" smtClean="0"/>
+              <a:rPr lang="en-US" dirty="0" err="1"/>
               <a:t>sp</a:t>
             </a:r>
             <a:r>
-              <a:rPr lang="en-US" dirty="0" smtClean="0"/>
+              <a:rPr lang="en-US" dirty="0"/>
               <a:t> package, which is generally awesome, makes me angry</a:t>
             </a:r>
-            <a:endParaRPr lang="en-US" dirty="0"/>
           </a:p>
         </p:txBody>
       </p:sp>
@@ -6372,87 +6629,86 @@
           <a:lstStyle/>
           <a:p>
             <a:r>
-              <a:rPr lang="en-US" dirty="0" smtClean="0"/>
+              <a:rPr lang="en-US" dirty="0"/>
               <a:t>Caveat: the following is just my opinion</a:t>
             </a:r>
           </a:p>
           <a:p>
-            <a:endParaRPr lang="en-US" dirty="0" smtClean="0"/>
-          </a:p>
-          <a:p>
-            <a:r>
-              <a:rPr lang="en-US" dirty="0" smtClean="0"/>
+            <a:endParaRPr lang="en-US" dirty="0"/>
+          </a:p>
+          <a:p>
+            <a:r>
+              <a:rPr lang="en-US" dirty="0"/>
               <a:t>Quietly changing the underlying type of an object is </a:t>
             </a:r>
             <a:r>
-              <a:rPr lang="en-US" i="1" dirty="0" smtClean="0"/>
+              <a:rPr lang="en-US" i="1" dirty="0"/>
               <a:t>evil*</a:t>
             </a:r>
-            <a:endParaRPr lang="en-US" i="1" dirty="0"/>
-          </a:p>
-          <a:p>
-            <a:r>
-              <a:rPr lang="en-US" dirty="0" smtClean="0"/>
+          </a:p>
+          <a:p>
+            <a:r>
+              <a:rPr lang="en-US" dirty="0"/>
               <a:t>For example, try this:</a:t>
             </a:r>
           </a:p>
           <a:p>
             <a:pPr lvl="1"/>
             <a:r>
-              <a:rPr lang="en-US" dirty="0" smtClean="0"/>
+              <a:rPr lang="en-US" dirty="0"/>
               <a:t>data(</a:t>
             </a:r>
             <a:r>
-              <a:rPr lang="en-US" dirty="0" err="1" smtClean="0"/>
+              <a:rPr lang="en-US" dirty="0" err="1"/>
               <a:t>meuse</a:t>
             </a:r>
             <a:r>
-              <a:rPr lang="en-US" dirty="0" smtClean="0"/>
+              <a:rPr lang="en-US" dirty="0"/>
               <a:t>)</a:t>
             </a:r>
           </a:p>
           <a:p>
             <a:pPr lvl="1"/>
             <a:r>
-              <a:rPr lang="en-US" dirty="0" smtClean="0"/>
+              <a:rPr lang="en-US" dirty="0"/>
               <a:t>head(</a:t>
             </a:r>
             <a:r>
-              <a:rPr lang="en-US" dirty="0" err="1" smtClean="0"/>
+              <a:rPr lang="en-US" dirty="0" err="1"/>
               <a:t>meuse</a:t>
             </a:r>
             <a:r>
-              <a:rPr lang="en-US" dirty="0" smtClean="0"/>
+              <a:rPr lang="en-US" dirty="0"/>
               <a:t>[4])</a:t>
             </a:r>
           </a:p>
           <a:p>
             <a:pPr lvl="1"/>
             <a:r>
-              <a:rPr lang="en-US" dirty="0" smtClean="0"/>
+              <a:rPr lang="en-US" dirty="0"/>
               <a:t>coordinates(</a:t>
             </a:r>
             <a:r>
-              <a:rPr lang="en-US" dirty="0" err="1" smtClean="0"/>
+              <a:rPr lang="en-US" dirty="0" err="1"/>
               <a:t>meuse</a:t>
             </a:r>
             <a:r>
-              <a:rPr lang="en-US" dirty="0" smtClean="0"/>
+              <a:rPr lang="en-US" dirty="0"/>
               <a:t>) &lt;- c(“x”, “y”)</a:t>
             </a:r>
           </a:p>
           <a:p>
             <a:pPr lvl="1"/>
             <a:r>
-              <a:rPr lang="en-US" dirty="0" smtClean="0"/>
+              <a:rPr lang="en-US" dirty="0"/>
               <a:t>head(</a:t>
             </a:r>
             <a:r>
-              <a:rPr lang="en-US" dirty="0" err="1" smtClean="0"/>
+              <a:rPr lang="en-US" dirty="0" err="1"/>
               <a:t>meuse</a:t>
             </a:r>
             <a:r>
-              <a:rPr lang="en-US" dirty="0" smtClean="0"/>
+              <a:rPr lang="en-US" dirty="0"/>
               <a:t>[4])</a:t>
             </a:r>
           </a:p>
@@ -6462,16 +6718,46 @@
           </a:p>
           <a:p>
             <a:pPr lvl="1"/>
-            <a:endParaRPr lang="en-US" dirty="0" smtClean="0"/>
+            <a:endParaRPr lang="en-US" dirty="0"/>
           </a:p>
           <a:p>
             <a:pPr marL="0" indent="0">
               <a:buNone/>
             </a:pPr>
             <a:r>
-              <a:rPr lang="en-US" dirty="0" smtClean="0"/>
+              <a:rPr lang="en-US" dirty="0"/>
               <a:t>* wherein evil is defined as unnecessarily making it possible to make mistakes without knowing it</a:t>
             </a:r>
+          </a:p>
+        </p:txBody>
+      </p:sp>
+      <p:sp>
+        <p:nvSpPr>
+          <p:cNvPr id="4" name="Slide Number Placeholder 3">
+            <a:extLst>
+              <a:ext uri="{FF2B5EF4-FFF2-40B4-BE49-F238E27FC236}">
+                <a16:creationId xmlns:a16="http://schemas.microsoft.com/office/drawing/2014/main" id="{EA6BFA16-7749-DD42-B0AE-4F5F23B7DBEA}"/>
+              </a:ext>
+            </a:extLst>
+          </p:cNvPr>
+          <p:cNvSpPr>
+            <a:spLocks noGrp="1"/>
+          </p:cNvSpPr>
+          <p:nvPr>
+            <p:ph type="sldNum" sz="quarter" idx="12"/>
+          </p:nvPr>
+        </p:nvSpPr>
+        <p:spPr/>
+        <p:txBody>
+          <a:bodyPr/>
+          <a:lstStyle/>
+          <a:p>
+            <a:fld id="{8551792C-F89B-4948-B0B1-C6E471CEB377}" type="slidenum">
+              <a:rPr lang="en-US" smtClean="0"/>
+              <a:pPr/>
+              <a:t>21</a:t>
+            </a:fld>
+            <a:endParaRPr lang="en-US"/>
           </a:p>
         </p:txBody>
       </p:sp>
@@ -6485,13 +6771,6 @@
   <p:clrMapOvr>
     <a:masterClrMapping/>
   </p:clrMapOvr>
-  <p:timing>
-    <p:tnLst>
-      <p:par>
-        <p:cTn xmlns:p14="http://schemas.microsoft.com/office/powerpoint/2010/main" id="1" dur="indefinite" restart="never" nodeType="tmRoot"/>
-      </p:par>
-    </p:tnLst>
-  </p:timing>
 </p:sld>
 </file>
 
@@ -6530,7 +6809,7 @@
           <a:lstStyle/>
           <a:p>
             <a:r>
-              <a:rPr lang="en-US" dirty="0" err="1" smtClean="0"/>
+              <a:rPr lang="en-US" dirty="0" err="1"/>
               <a:t>SpatialPointsDataFrame</a:t>
             </a:r>
             <a:endParaRPr lang="en-US" dirty="0"/>
@@ -6555,136 +6834,165 @@
           <a:lstStyle/>
           <a:p>
             <a:r>
-              <a:rPr lang="en-US" dirty="0" smtClean="0"/>
+              <a:rPr lang="en-US" dirty="0"/>
               <a:t>S4 object</a:t>
             </a:r>
           </a:p>
           <a:p>
             <a:pPr lvl="1"/>
             <a:r>
-              <a:rPr lang="en-US" dirty="0" smtClean="0"/>
+              <a:rPr lang="en-US" dirty="0"/>
               <a:t>‘slots’</a:t>
             </a:r>
           </a:p>
           <a:p>
             <a:pPr lvl="1"/>
             <a:r>
-              <a:rPr lang="en-US" dirty="0" smtClean="0"/>
+              <a:rPr lang="en-US" dirty="0"/>
               <a:t>head(</a:t>
             </a:r>
             <a:r>
-              <a:rPr lang="en-US" dirty="0" err="1" smtClean="0"/>
+              <a:rPr lang="en-US" dirty="0" err="1"/>
               <a:t>meuse@data</a:t>
             </a:r>
             <a:r>
-              <a:rPr lang="en-US" dirty="0" smtClean="0"/>
+              <a:rPr lang="en-US" dirty="0"/>
               <a:t>)</a:t>
             </a:r>
           </a:p>
           <a:p>
             <a:pPr lvl="1"/>
-            <a:endParaRPr lang="en-US" dirty="0" smtClean="0"/>
-          </a:p>
-          <a:p>
-            <a:r>
-              <a:rPr lang="en-US" dirty="0" smtClean="0"/>
+            <a:endParaRPr lang="en-US" dirty="0"/>
+          </a:p>
+          <a:p>
+            <a:r>
+              <a:rPr lang="en-US" dirty="0"/>
               <a:t>Use @</a:t>
             </a:r>
             <a:r>
-              <a:rPr lang="en-US" dirty="0" err="1" smtClean="0"/>
+              <a:rPr lang="en-US" dirty="0" err="1"/>
               <a:t>coords</a:t>
             </a:r>
             <a:r>
-              <a:rPr lang="en-US" dirty="0" smtClean="0"/>
+              <a:rPr lang="en-US" dirty="0"/>
               <a:t> to get back to the x and y values:</a:t>
             </a:r>
           </a:p>
           <a:p>
             <a:pPr lvl="1"/>
             <a:r>
-              <a:rPr lang="en-US" dirty="0" smtClean="0"/>
+              <a:rPr lang="en-US" dirty="0"/>
               <a:t>plot(</a:t>
             </a:r>
             <a:r>
-              <a:rPr lang="en-US" dirty="0" err="1" smtClean="0"/>
+              <a:rPr lang="en-US" dirty="0" err="1"/>
               <a:t>meuse@coords</a:t>
             </a:r>
             <a:r>
-              <a:rPr lang="en-US" dirty="0" smtClean="0"/>
+              <a:rPr lang="en-US" dirty="0"/>
               <a:t>[,1], </a:t>
             </a:r>
             <a:r>
-              <a:rPr lang="en-US" dirty="0" err="1" smtClean="0"/>
+              <a:rPr lang="en-US" dirty="0" err="1"/>
               <a:t>meuse@coords</a:t>
             </a:r>
             <a:r>
-              <a:rPr lang="en-US" dirty="0" smtClean="0"/>
+              <a:rPr lang="en-US" dirty="0"/>
               <a:t>[,2])</a:t>
             </a:r>
           </a:p>
           <a:p>
             <a:pPr lvl="1"/>
-            <a:endParaRPr lang="en-US" dirty="0" smtClean="0"/>
-          </a:p>
-          <a:p>
-            <a:r>
-              <a:rPr lang="en-US" dirty="0" smtClean="0"/>
+            <a:endParaRPr lang="en-US" dirty="0"/>
+          </a:p>
+          <a:p>
+            <a:r>
+              <a:rPr lang="en-US" dirty="0"/>
               <a:t>Note for plotting: </a:t>
             </a:r>
             <a:r>
-              <a:rPr lang="en-US" dirty="0" err="1" smtClean="0"/>
+              <a:rPr lang="en-US" dirty="0" err="1"/>
               <a:t>spplot</a:t>
             </a:r>
             <a:r>
-              <a:rPr lang="en-US" dirty="0" smtClean="0"/>
+              <a:rPr lang="en-US" dirty="0"/>
               <a:t> also available:</a:t>
             </a:r>
           </a:p>
           <a:p>
             <a:pPr lvl="1"/>
             <a:r>
-              <a:rPr lang="en-US" dirty="0" err="1" smtClean="0"/>
+              <a:rPr lang="en-US" dirty="0" err="1"/>
               <a:t>spplot</a:t>
             </a:r>
             <a:r>
-              <a:rPr lang="en-US" dirty="0" smtClean="0"/>
+              <a:rPr lang="en-US" dirty="0"/>
               <a:t>(</a:t>
             </a:r>
             <a:r>
-              <a:rPr lang="en-US" dirty="0" err="1" smtClean="0"/>
+              <a:rPr lang="en-US" dirty="0" err="1"/>
               <a:t>meuse</a:t>
             </a:r>
             <a:r>
-              <a:rPr lang="en-US" dirty="0" smtClean="0"/>
+              <a:rPr lang="en-US" dirty="0"/>
               <a:t>)</a:t>
             </a:r>
           </a:p>
           <a:p>
             <a:pPr lvl="1"/>
             <a:r>
-              <a:rPr lang="en-US" dirty="0" err="1" smtClean="0"/>
+              <a:rPr lang="en-US" dirty="0" err="1"/>
               <a:t>spplot</a:t>
             </a:r>
             <a:r>
-              <a:rPr lang="en-US" dirty="0" smtClean="0"/>
+              <a:rPr lang="en-US" dirty="0"/>
               <a:t>(</a:t>
             </a:r>
             <a:r>
-              <a:rPr lang="en-US" dirty="0" err="1" smtClean="0"/>
+              <a:rPr lang="en-US" dirty="0" err="1"/>
               <a:t>meuse</a:t>
             </a:r>
             <a:r>
-              <a:rPr lang="en-US" dirty="0" smtClean="0"/>
+              <a:rPr lang="en-US" dirty="0"/>
               <a:t>, “copper”)</a:t>
             </a:r>
           </a:p>
           <a:p>
             <a:pPr lvl="1"/>
             <a:r>
-              <a:rPr lang="en-US" dirty="0" smtClean="0"/>
+              <a:rPr lang="en-US" dirty="0"/>
               <a:t>Does this look more like what we might want?  Maybe…</a:t>
             </a:r>
-            <a:endParaRPr lang="en-US" dirty="0"/>
+          </a:p>
+        </p:txBody>
+      </p:sp>
+      <p:sp>
+        <p:nvSpPr>
+          <p:cNvPr id="4" name="Slide Number Placeholder 3">
+            <a:extLst>
+              <a:ext uri="{FF2B5EF4-FFF2-40B4-BE49-F238E27FC236}">
+                <a16:creationId xmlns:a16="http://schemas.microsoft.com/office/drawing/2014/main" id="{79B6E761-B6E5-414B-A589-CAED6E30992F}"/>
+              </a:ext>
+            </a:extLst>
+          </p:cNvPr>
+          <p:cNvSpPr>
+            <a:spLocks noGrp="1"/>
+          </p:cNvSpPr>
+          <p:nvPr>
+            <p:ph type="sldNum" sz="quarter" idx="12"/>
+          </p:nvPr>
+        </p:nvSpPr>
+        <p:spPr/>
+        <p:txBody>
+          <a:bodyPr/>
+          <a:lstStyle/>
+          <a:p>
+            <a:fld id="{8551792C-F89B-4948-B0B1-C6E471CEB377}" type="slidenum">
+              <a:rPr lang="en-US" smtClean="0"/>
+              <a:pPr/>
+              <a:t>22</a:t>
+            </a:fld>
+            <a:endParaRPr lang="en-US"/>
           </a:p>
         </p:txBody>
       </p:sp>
@@ -6698,13 +7006,6 @@
   <p:clrMapOvr>
     <a:masterClrMapping/>
   </p:clrMapOvr>
-  <p:timing>
-    <p:tnLst>
-      <p:par>
-        <p:cTn xmlns:p14="http://schemas.microsoft.com/office/powerpoint/2010/main" id="1" dur="indefinite" restart="never" nodeType="tmRoot"/>
-      </p:par>
-    </p:tnLst>
-  </p:timing>
 </p:sld>
 </file>
 
@@ -6743,10 +7044,9 @@
           <a:lstStyle/>
           <a:p>
             <a:r>
-              <a:rPr lang="en-US" dirty="0" smtClean="0"/>
+              <a:rPr lang="en-US" dirty="0"/>
               <a:t>Spatial Interpolation</a:t>
             </a:r>
-            <a:endParaRPr lang="en-US" dirty="0"/>
           </a:p>
         </p:txBody>
       </p:sp>
@@ -6773,7 +7073,7 @@
           <a:lstStyle/>
           <a:p>
             <a:r>
-              <a:rPr lang="en-US" dirty="0" smtClean="0"/>
+              <a:rPr lang="en-US" dirty="0"/>
               <a:t>Interpolation is a huge topic, but here's a quick demo of ordinary kriging, a common technique for it:</a:t>
             </a:r>
           </a:p>
@@ -6781,19 +7081,15 @@
             <a:pPr marL="457200" lvl="1" indent="0">
               <a:buNone/>
             </a:pPr>
-            <a:endParaRPr lang="en-US" dirty="0" smtClean="0"/>
+            <a:endParaRPr lang="en-US" dirty="0"/>
           </a:p>
           <a:p>
             <a:pPr marL="457200" lvl="1" indent="0">
               <a:buNone/>
             </a:pPr>
             <a:r>
-              <a:rPr lang="en-US" dirty="0" smtClean="0"/>
-              <a:t>library(raster</a:t>
-            </a:r>
-            <a:r>
-              <a:rPr lang="en-US" dirty="0"/>
-              <a:t>)</a:t>
+              <a:rPr lang="en-US" dirty="0"/>
+              <a:t>library(raster)</a:t>
             </a:r>
           </a:p>
           <a:p>
@@ -7079,10 +7375,39 @@
               <a:rPr lang="en-US" dirty="0"/>
               <a:t>)</a:t>
             </a:r>
-            <a:endParaRPr lang="en-US" dirty="0" smtClean="0"/>
           </a:p>
           <a:p>
             <a:endParaRPr lang="en-US" dirty="0"/>
+          </a:p>
+        </p:txBody>
+      </p:sp>
+      <p:sp>
+        <p:nvSpPr>
+          <p:cNvPr id="4" name="Slide Number Placeholder 3">
+            <a:extLst>
+              <a:ext uri="{FF2B5EF4-FFF2-40B4-BE49-F238E27FC236}">
+                <a16:creationId xmlns:a16="http://schemas.microsoft.com/office/drawing/2014/main" id="{26D90813-5C75-114A-ACA2-50CF8E596FFB}"/>
+              </a:ext>
+            </a:extLst>
+          </p:cNvPr>
+          <p:cNvSpPr>
+            <a:spLocks noGrp="1"/>
+          </p:cNvSpPr>
+          <p:nvPr>
+            <p:ph type="sldNum" sz="quarter" idx="12"/>
+          </p:nvPr>
+        </p:nvSpPr>
+        <p:spPr/>
+        <p:txBody>
+          <a:bodyPr/>
+          <a:lstStyle/>
+          <a:p>
+            <a:fld id="{8551792C-F89B-4948-B0B1-C6E471CEB377}" type="slidenum">
+              <a:rPr lang="en-US" smtClean="0"/>
+              <a:pPr/>
+              <a:t>23</a:t>
+            </a:fld>
+            <a:endParaRPr lang="en-US"/>
           </a:p>
         </p:txBody>
       </p:sp>
@@ -7096,13 +7421,6 @@
   <p:clrMapOvr>
     <a:masterClrMapping/>
   </p:clrMapOvr>
-  <p:timing>
-    <p:tnLst>
-      <p:par>
-        <p:cTn xmlns:p14="http://schemas.microsoft.com/office/powerpoint/2010/main" id="1" dur="indefinite" restart="never" nodeType="tmRoot"/>
-      </p:par>
-    </p:tnLst>
-  </p:timing>
 </p:sld>
 </file>
 
@@ -7141,10 +7459,9 @@
           <a:lstStyle/>
           <a:p>
             <a:r>
-              <a:rPr lang="en-US" dirty="0" smtClean="0"/>
+              <a:rPr lang="en-US" dirty="0"/>
               <a:t>More about spatially aware objects</a:t>
             </a:r>
-            <a:endParaRPr lang="en-US" dirty="0"/>
           </a:p>
         </p:txBody>
       </p:sp>
@@ -7171,21 +7488,21 @@
           <a:lstStyle/>
           <a:p>
             <a:r>
-              <a:rPr lang="en-US" dirty="0" smtClean="0"/>
+              <a:rPr lang="en-US" dirty="0"/>
               <a:t>Consider computing distance between two points or area of a triangle.  If distances are long enough, the fact that they’re on a sphere might matter.</a:t>
             </a:r>
           </a:p>
           <a:p>
-            <a:endParaRPr lang="en-US" dirty="0" smtClean="0"/>
-          </a:p>
-          <a:p>
-            <a:r>
-              <a:rPr lang="en-US" dirty="0" smtClean="0"/>
+            <a:endParaRPr lang="en-US" dirty="0"/>
+          </a:p>
+          <a:p>
+            <a:r>
+              <a:rPr lang="en-US" dirty="0"/>
               <a:t>Geosphere package is helpful for computing distances</a:t>
             </a:r>
           </a:p>
           <a:p>
-            <a:endParaRPr lang="en-US" dirty="0" smtClean="0"/>
+            <a:endParaRPr lang="en-US" dirty="0"/>
           </a:p>
           <a:p>
             <a:endParaRPr lang="en-US" dirty="0"/>
@@ -7230,14 +7547,14 @@
           </a:ln>
           <a:extLst>
             <a:ext uri="{909E8E84-426E-40dd-AFC4-6F175D3DCCD1}">
-              <a14:hiddenFill xmlns:a14="http://schemas.microsoft.com/office/drawing/2010/main">
+              <a14:hiddenFill xmlns:a14="http://schemas.microsoft.com/office/drawing/2010/main" xmlns="">
                 <a:solidFill>
                   <a:schemeClr val="accent1"/>
                 </a:solidFill>
               </a14:hiddenFill>
             </a:ext>
             <a:ext uri="{91240B29-F687-4f45-9708-019B960494DF}">
-              <a14:hiddenLine xmlns:a14="http://schemas.microsoft.com/office/drawing/2010/main" w="9525">
+              <a14:hiddenLine xmlns:a14="http://schemas.microsoft.com/office/drawing/2010/main" xmlns="" w="9525">
                 <a:solidFill>
                   <a:schemeClr val="tx1"/>
                 </a:solidFill>
@@ -7272,10 +7589,39 @@
           <a:lstStyle/>
           <a:p>
             <a:r>
-              <a:rPr lang="en-US" dirty="0" smtClean="0"/>
+              <a:rPr lang="en-US" dirty="0"/>
               <a:t>Remember: you can get a PhD in geography.  Though we who have or are getting PhDs in epidemiology probably won’t.</a:t>
             </a:r>
-            <a:endParaRPr lang="en-US" dirty="0"/>
+          </a:p>
+        </p:txBody>
+      </p:sp>
+      <p:sp>
+        <p:nvSpPr>
+          <p:cNvPr id="4" name="Slide Number Placeholder 3">
+            <a:extLst>
+              <a:ext uri="{FF2B5EF4-FFF2-40B4-BE49-F238E27FC236}">
+                <a16:creationId xmlns:a16="http://schemas.microsoft.com/office/drawing/2014/main" id="{8D859BEF-901D-384D-8690-9A8B4E3926BB}"/>
+              </a:ext>
+            </a:extLst>
+          </p:cNvPr>
+          <p:cNvSpPr>
+            <a:spLocks noGrp="1"/>
+          </p:cNvSpPr>
+          <p:nvPr>
+            <p:ph type="sldNum" sz="quarter" idx="12"/>
+          </p:nvPr>
+        </p:nvSpPr>
+        <p:spPr/>
+        <p:txBody>
+          <a:bodyPr/>
+          <a:lstStyle/>
+          <a:p>
+            <a:fld id="{8551792C-F89B-4948-B0B1-C6E471CEB377}" type="slidenum">
+              <a:rPr lang="en-US" smtClean="0"/>
+              <a:pPr/>
+              <a:t>24</a:t>
+            </a:fld>
+            <a:endParaRPr lang="en-US"/>
           </a:p>
         </p:txBody>
       </p:sp>
@@ -7289,13 +7635,6 @@
   <p:clrMapOvr>
     <a:masterClrMapping/>
   </p:clrMapOvr>
-  <p:timing>
-    <p:tnLst>
-      <p:par>
-        <p:cTn xmlns:p14="http://schemas.microsoft.com/office/powerpoint/2010/main" id="1" dur="indefinite" restart="never" nodeType="tmRoot"/>
-      </p:par>
-    </p:tnLst>
-  </p:timing>
 </p:sld>
 </file>
 
@@ -7334,81 +7673,79 @@
           <a:lstStyle/>
           <a:p>
             <a:r>
-              <a:rPr lang="en-US" dirty="0" smtClean="0"/>
+              <a:rPr lang="en-US" dirty="0"/>
               <a:t>Things you can do with spatially aware objects</a:t>
             </a:r>
+          </a:p>
+        </p:txBody>
+      </p:sp>
+      <p:sp>
+        <p:nvSpPr>
+          <p:cNvPr id="3" name="Content Placeholder 2"/>
+          <p:cNvSpPr>
+            <a:spLocks noGrp="1"/>
+          </p:cNvSpPr>
+          <p:nvPr>
+            <p:ph idx="1"/>
+          </p:nvPr>
+        </p:nvSpPr>
+        <p:spPr/>
+        <p:txBody>
+          <a:bodyPr/>
+          <a:lstStyle/>
+          <a:p>
+            <a:r>
+              <a:rPr lang="en-US" dirty="0"/>
+              <a:t>Creating datasets</a:t>
+            </a:r>
+          </a:p>
+          <a:p>
+            <a:pPr lvl="1"/>
+            <a:r>
+              <a:rPr lang="en-US" dirty="0"/>
+              <a:t>E.g. via spatial merge </a:t>
+            </a:r>
+          </a:p>
+          <a:p>
+            <a:r>
+              <a:rPr lang="en-US" dirty="0"/>
+              <a:t>Spatial statistics</a:t>
+            </a:r>
+          </a:p>
+          <a:p>
+            <a:pPr lvl="1"/>
+            <a:r>
+              <a:rPr lang="en-US" dirty="0"/>
+              <a:t>E.g. cases/zip code</a:t>
+            </a:r>
+          </a:p>
+          <a:p>
+            <a:r>
+              <a:rPr lang="en-US" dirty="0"/>
+              <a:t>Spatial interpolation </a:t>
+            </a:r>
+          </a:p>
+          <a:p>
+            <a:pPr lvl="1"/>
+            <a:r>
+              <a:rPr lang="en-US" dirty="0"/>
+              <a:t>E.g. </a:t>
+            </a:r>
+            <a:r>
+              <a:rPr lang="en-US" dirty="0" err="1"/>
+              <a:t>kriging</a:t>
+            </a:r>
             <a:endParaRPr lang="en-US" dirty="0"/>
           </a:p>
-        </p:txBody>
-      </p:sp>
-      <p:sp>
-        <p:nvSpPr>
-          <p:cNvPr id="3" name="Content Placeholder 2"/>
-          <p:cNvSpPr>
-            <a:spLocks noGrp="1"/>
-          </p:cNvSpPr>
-          <p:nvPr>
-            <p:ph idx="1"/>
-          </p:nvPr>
-        </p:nvSpPr>
-        <p:spPr/>
-        <p:txBody>
-          <a:bodyPr/>
-          <a:lstStyle/>
-          <a:p>
-            <a:r>
-              <a:rPr lang="en-US" dirty="0" smtClean="0"/>
-              <a:t>Creating datasets</a:t>
-            </a:r>
-          </a:p>
-          <a:p>
-            <a:pPr lvl="1"/>
-            <a:r>
-              <a:rPr lang="en-US" dirty="0" smtClean="0"/>
-              <a:t>E.g. via spatial merge </a:t>
-            </a:r>
-          </a:p>
-          <a:p>
-            <a:r>
-              <a:rPr lang="en-US" dirty="0" smtClean="0"/>
-              <a:t>Spatial statistics</a:t>
-            </a:r>
-          </a:p>
-          <a:p>
-            <a:pPr lvl="1"/>
-            <a:r>
-              <a:rPr lang="en-US" dirty="0" smtClean="0"/>
-              <a:t>E.g. cases/zip code</a:t>
-            </a:r>
-          </a:p>
-          <a:p>
-            <a:r>
-              <a:rPr lang="en-US" dirty="0" smtClean="0"/>
-              <a:t>Spatial interpolation </a:t>
-            </a:r>
-          </a:p>
-          <a:p>
-            <a:pPr lvl="1"/>
-            <a:r>
-              <a:rPr lang="en-US" dirty="0" smtClean="0"/>
-              <a:t>E.g. </a:t>
-            </a:r>
-            <a:r>
-              <a:rPr lang="en-US" dirty="0" err="1" smtClean="0"/>
-              <a:t>kriging</a:t>
-            </a:r>
-            <a:endParaRPr lang="en-US" dirty="0" smtClean="0"/>
-          </a:p>
-          <a:p>
-            <a:r>
-              <a:rPr lang="en-US" dirty="0" smtClean="0"/>
+          <a:p>
+            <a:r>
+              <a:rPr lang="en-US" dirty="0"/>
               <a:t>Etc.</a:t>
             </a:r>
-            <a:endParaRPr lang="en-US" dirty="0"/>
-          </a:p>
-          <a:p>
-            <a:r>
-              <a:rPr lang="en-US" dirty="0" smtClean="0"/>
+          </a:p>
+          <a:p>
+            <a:r>
+              <a:rPr lang="en-US" dirty="0"/>
               <a:t>Again, Geography is its own discipline</a:t>
             </a:r>
           </a:p>
@@ -7417,6 +7754,36 @@
               <a:buNone/>
             </a:pPr>
             <a:endParaRPr lang="en-US" dirty="0"/>
+          </a:p>
+        </p:txBody>
+      </p:sp>
+      <p:sp>
+        <p:nvSpPr>
+          <p:cNvPr id="4" name="Slide Number Placeholder 3">
+            <a:extLst>
+              <a:ext uri="{FF2B5EF4-FFF2-40B4-BE49-F238E27FC236}">
+                <a16:creationId xmlns:a16="http://schemas.microsoft.com/office/drawing/2014/main" id="{C8EFC919-DEF8-134A-9E2E-C45F25E024E7}"/>
+              </a:ext>
+            </a:extLst>
+          </p:cNvPr>
+          <p:cNvSpPr>
+            <a:spLocks noGrp="1"/>
+          </p:cNvSpPr>
+          <p:nvPr>
+            <p:ph type="sldNum" sz="quarter" idx="12"/>
+          </p:nvPr>
+        </p:nvSpPr>
+        <p:spPr/>
+        <p:txBody>
+          <a:bodyPr/>
+          <a:lstStyle/>
+          <a:p>
+            <a:fld id="{8551792C-F89B-4948-B0B1-C6E471CEB377}" type="slidenum">
+              <a:rPr lang="en-US" smtClean="0"/>
+              <a:pPr/>
+              <a:t>25</a:t>
+            </a:fld>
+            <a:endParaRPr lang="en-US"/>
           </a:p>
         </p:txBody>
       </p:sp>
@@ -7430,13 +7797,6 @@
   <p:clrMapOvr>
     <a:masterClrMapping/>
   </p:clrMapOvr>
-  <p:timing>
-    <p:tnLst>
-      <p:par>
-        <p:cTn xmlns:p14="http://schemas.microsoft.com/office/powerpoint/2010/main" id="1" dur="indefinite" restart="never" nodeType="tmRoot"/>
-      </p:par>
-    </p:tnLst>
-  </p:timing>
 </p:sld>
 </file>
 
@@ -7474,13 +7834,8 @@
           <a:p>
             <a:r>
               <a:rPr lang="en-US" dirty="0"/>
-              <a:t>G</a:t>
-            </a:r>
-            <a:r>
-              <a:rPr lang="en-US" dirty="0" smtClean="0"/>
-              <a:t>eocoding</a:t>
-            </a:r>
-            <a:endParaRPr lang="en-US" dirty="0"/>
+              <a:t>Geocoding</a:t>
+            </a:r>
           </a:p>
         </p:txBody>
       </p:sp>
@@ -7500,53 +7855,83 @@
           <a:lstStyle/>
           <a:p>
             <a:r>
-              <a:rPr lang="en-US" dirty="0" smtClean="0"/>
+              <a:rPr lang="en-US" dirty="0"/>
               <a:t>In a lot of datasets, you have an address and want to do something spatial with it</a:t>
             </a:r>
           </a:p>
           <a:p>
             <a:pPr lvl="1"/>
             <a:r>
-              <a:rPr lang="en-US" dirty="0" smtClean="0"/>
+              <a:rPr lang="en-US" dirty="0"/>
               <a:t>E.g. you want census data for residential neighborhood</a:t>
             </a:r>
           </a:p>
           <a:p>
             <a:pPr lvl="1"/>
             <a:r>
-              <a:rPr lang="en-US" dirty="0" smtClean="0"/>
+              <a:rPr lang="en-US" dirty="0"/>
               <a:t>Solution: get (</a:t>
             </a:r>
             <a:r>
-              <a:rPr lang="en-US" dirty="0" err="1" smtClean="0"/>
+              <a:rPr lang="en-US" dirty="0" err="1"/>
               <a:t>lat</a:t>
             </a:r>
             <a:r>
-              <a:rPr lang="en-US" dirty="0" smtClean="0"/>
+              <a:rPr lang="en-US" dirty="0"/>
               <a:t>, long), from the address then do spatial merge with Census data</a:t>
             </a:r>
           </a:p>
           <a:p>
             <a:pPr lvl="1"/>
             <a:r>
-              <a:rPr lang="en-US" dirty="0" smtClean="0"/>
+              <a:rPr lang="en-US" dirty="0"/>
               <a:t>Getting (</a:t>
             </a:r>
             <a:r>
-              <a:rPr lang="en-US" dirty="0" err="1" smtClean="0"/>
+              <a:rPr lang="en-US" dirty="0" err="1"/>
               <a:t>lat,long</a:t>
             </a:r>
             <a:r>
-              <a:rPr lang="en-US" dirty="0" smtClean="0"/>
+              <a:rPr lang="en-US" dirty="0"/>
               <a:t>) from an address is called geocoding</a:t>
             </a:r>
           </a:p>
           <a:p>
             <a:pPr lvl="1"/>
             <a:r>
-              <a:rPr lang="en-US" dirty="0" smtClean="0"/>
+              <a:rPr lang="en-US" dirty="0"/>
               <a:t>Any guesses as to what reverse geocoding is?</a:t>
             </a:r>
+          </a:p>
+        </p:txBody>
+      </p:sp>
+      <p:sp>
+        <p:nvSpPr>
+          <p:cNvPr id="4" name="Slide Number Placeholder 3">
+            <a:extLst>
+              <a:ext uri="{FF2B5EF4-FFF2-40B4-BE49-F238E27FC236}">
+                <a16:creationId xmlns:a16="http://schemas.microsoft.com/office/drawing/2014/main" id="{258EB9B8-943D-A44D-BC92-498429E047D9}"/>
+              </a:ext>
+            </a:extLst>
+          </p:cNvPr>
+          <p:cNvSpPr>
+            <a:spLocks noGrp="1"/>
+          </p:cNvSpPr>
+          <p:nvPr>
+            <p:ph type="sldNum" sz="quarter" idx="12"/>
+          </p:nvPr>
+        </p:nvSpPr>
+        <p:spPr/>
+        <p:txBody>
+          <a:bodyPr/>
+          <a:lstStyle/>
+          <a:p>
+            <a:fld id="{8551792C-F89B-4948-B0B1-C6E471CEB377}" type="slidenum">
+              <a:rPr lang="en-US" smtClean="0"/>
+              <a:pPr/>
+              <a:t>26</a:t>
+            </a:fld>
+            <a:endParaRPr lang="en-US"/>
           </a:p>
         </p:txBody>
       </p:sp>
@@ -7560,13 +7945,6 @@
   <p:clrMapOvr>
     <a:masterClrMapping/>
   </p:clrMapOvr>
-  <p:timing>
-    <p:tnLst>
-      <p:par>
-        <p:cTn xmlns:p14="http://schemas.microsoft.com/office/powerpoint/2010/main" id="1" dur="indefinite" restart="never" nodeType="tmRoot"/>
-      </p:par>
-    </p:tnLst>
-  </p:timing>
 </p:sld>
 </file>
 
@@ -7603,11 +7981,11 @@
           <a:lstStyle/>
           <a:p>
             <a:r>
-              <a:rPr lang="en-US" dirty="0" smtClean="0"/>
+              <a:rPr lang="en-US" dirty="0"/>
               <a:t>Geocoding with R using </a:t>
             </a:r>
             <a:r>
-              <a:rPr lang="en-US" dirty="0" err="1" smtClean="0"/>
+              <a:rPr lang="en-US" dirty="0" err="1"/>
               <a:t>ggmap</a:t>
             </a:r>
             <a:endParaRPr lang="en-US" dirty="0"/>
@@ -7632,12 +8010,8 @@
           <a:lstStyle/>
           <a:p>
             <a:r>
-              <a:rPr lang="en-US" dirty="0" smtClean="0"/>
-              <a:t>The easiest way to geocode in R is using the geocode() </a:t>
-            </a:r>
-            <a:r>
-              <a:rPr lang="en-US" dirty="0"/>
-              <a:t>function in </a:t>
+              <a:rPr lang="en-US" dirty="0"/>
+              <a:t>The easiest way to geocode in R is using the geocode() function in </a:t>
             </a:r>
             <a:r>
               <a:rPr lang="en-US" dirty="0" err="1"/>
@@ -7646,39 +8020,35 @@
             <a:endParaRPr lang="en-US" sz="2000" dirty="0"/>
           </a:p>
           <a:p>
-            <a:endParaRPr lang="en-US" dirty="0" smtClean="0"/>
-          </a:p>
-          <a:p>
-            <a:r>
-              <a:rPr lang="en-US" dirty="0" smtClean="0"/>
+            <a:endParaRPr lang="en-US" dirty="0"/>
+          </a:p>
+          <a:p>
+            <a:r>
+              <a:rPr lang="en-US" dirty="0"/>
               <a:t>Challenge #1: use </a:t>
             </a:r>
             <a:r>
-              <a:rPr lang="en-US" dirty="0" err="1" smtClean="0"/>
+              <a:rPr lang="en-US" dirty="0" err="1"/>
               <a:t>ggmap</a:t>
             </a:r>
             <a:r>
               <a:rPr lang="en-US" dirty="0"/>
-              <a:t> </a:t>
-            </a:r>
-            <a:r>
-              <a:rPr lang="en-US" dirty="0" smtClean="0"/>
-              <a:t>to get the (</a:t>
-            </a:r>
-            <a:r>
-              <a:rPr lang="en-US" dirty="0" err="1" smtClean="0"/>
+              <a:t> to get the (</a:t>
+            </a:r>
+            <a:r>
+              <a:rPr lang="en-US" dirty="0" err="1"/>
               <a:t>lat</a:t>
             </a:r>
             <a:r>
-              <a:rPr lang="en-US" dirty="0" smtClean="0"/>
+              <a:rPr lang="en-US" dirty="0"/>
               <a:t>, long) of 722 W 168</a:t>
             </a:r>
             <a:r>
-              <a:rPr lang="en-US" baseline="30000" dirty="0" smtClean="0"/>
+              <a:rPr lang="en-US" baseline="30000" dirty="0"/>
               <a:t>th</a:t>
             </a:r>
             <a:r>
-              <a:rPr lang="en-US" dirty="0" smtClean="0"/>
+              <a:rPr lang="en-US" dirty="0"/>
               <a:t> St in New York.</a:t>
             </a:r>
           </a:p>
@@ -7686,20 +8056,20 @@
             <a:endParaRPr lang="en-US" dirty="0"/>
           </a:p>
           <a:p>
-            <a:endParaRPr lang="en-US" dirty="0" smtClean="0"/>
+            <a:endParaRPr lang="en-US" dirty="0"/>
           </a:p>
           <a:p>
             <a:pPr lvl="1"/>
             <a:r>
-              <a:rPr lang="en-US" dirty="0" smtClean="0"/>
+              <a:rPr lang="en-US" dirty="0"/>
               <a:t>library(</a:t>
             </a:r>
             <a:r>
-              <a:rPr lang="en-US" dirty="0" err="1" smtClean="0"/>
+              <a:rPr lang="en-US" dirty="0" err="1"/>
               <a:t>ggmap</a:t>
             </a:r>
             <a:r>
-              <a:rPr lang="en-US" dirty="0" smtClean="0"/>
+              <a:rPr lang="en-US" dirty="0"/>
               <a:t>)</a:t>
             </a:r>
           </a:p>
@@ -7709,6 +8079,36 @@
               <a:rPr lang="en-US" dirty="0"/>
               <a:t>geocode('722 W 168th St, New York, NY')</a:t>
             </a:r>
+          </a:p>
+        </p:txBody>
+      </p:sp>
+      <p:sp>
+        <p:nvSpPr>
+          <p:cNvPr id="4" name="Slide Number Placeholder 3">
+            <a:extLst>
+              <a:ext uri="{FF2B5EF4-FFF2-40B4-BE49-F238E27FC236}">
+                <a16:creationId xmlns:a16="http://schemas.microsoft.com/office/drawing/2014/main" id="{CCCB15A2-CC35-AA45-A93B-DDCCFB875C05}"/>
+              </a:ext>
+            </a:extLst>
+          </p:cNvPr>
+          <p:cNvSpPr>
+            <a:spLocks noGrp="1"/>
+          </p:cNvSpPr>
+          <p:nvPr>
+            <p:ph type="sldNum" sz="quarter" idx="12"/>
+          </p:nvPr>
+        </p:nvSpPr>
+        <p:spPr/>
+        <p:txBody>
+          <a:bodyPr/>
+          <a:lstStyle/>
+          <a:p>
+            <a:fld id="{8551792C-F89B-4948-B0B1-C6E471CEB377}" type="slidenum">
+              <a:rPr lang="en-US" smtClean="0"/>
+              <a:pPr/>
+              <a:t>27</a:t>
+            </a:fld>
+            <a:endParaRPr lang="en-US"/>
           </a:p>
         </p:txBody>
       </p:sp>
@@ -7725,7 +8125,7 @@
   <p:timing>
     <p:tnLst>
       <p:par>
-        <p:cTn xmlns:p14="http://schemas.microsoft.com/office/powerpoint/2010/main" id="1" dur="indefinite" restart="never" nodeType="tmRoot">
+        <p:cTn id="1" dur="indefinite" restart="never" nodeType="tmRoot">
           <p:childTnLst>
             <p:seq concurrent="1" nextAc="seek">
               <p:cTn id="2" dur="indefinite" nodeType="mainSeq">
@@ -7870,153 +8270,120 @@
           <a:lstStyle/>
           <a:p>
             <a:r>
-              <a:rPr lang="en-US" dirty="0" smtClean="0"/>
+              <a:rPr lang="en-US" dirty="0"/>
               <a:t>Challenge #2: compute distance</a:t>
             </a:r>
+          </a:p>
+        </p:txBody>
+      </p:sp>
+      <p:sp>
+        <p:nvSpPr>
+          <p:cNvPr id="3" name="Content Placeholder 2"/>
+          <p:cNvSpPr>
+            <a:spLocks noGrp="1"/>
+          </p:cNvSpPr>
+          <p:nvPr>
+            <p:ph idx="1"/>
+          </p:nvPr>
+        </p:nvSpPr>
+        <p:spPr/>
+        <p:txBody>
+          <a:bodyPr>
+            <a:normAutofit/>
+          </a:bodyPr>
+          <a:lstStyle/>
+          <a:p>
+            <a:r>
+              <a:rPr lang="en-US" dirty="0"/>
+              <a:t>Compute the distance in meters from Boston </a:t>
+            </a:r>
+            <a:r>
+              <a:rPr lang="es-ES" dirty="0"/>
+              <a:t>(SER 2020</a:t>
+            </a:r>
+            <a:r>
+              <a:rPr lang="en-US" dirty="0"/>
+              <a:t>) to San Diego (SER 2021)</a:t>
+            </a:r>
+          </a:p>
+          <a:p>
+            <a:r>
+              <a:rPr lang="en-US" dirty="0"/>
+              <a:t>Hint: use geosphere library</a:t>
+            </a:r>
+          </a:p>
+          <a:p>
             <a:endParaRPr lang="en-US" dirty="0"/>
           </a:p>
-        </p:txBody>
-      </p:sp>
-      <p:sp>
-        <p:nvSpPr>
-          <p:cNvPr id="3" name="Content Placeholder 2"/>
-          <p:cNvSpPr>
-            <a:spLocks noGrp="1"/>
-          </p:cNvSpPr>
-          <p:nvPr>
-            <p:ph idx="1"/>
-          </p:nvPr>
-        </p:nvSpPr>
-        <p:spPr/>
-        <p:txBody>
-          <a:bodyPr>
-            <a:normAutofit lnSpcReduction="10000"/>
-          </a:bodyPr>
-          <a:lstStyle/>
-          <a:p>
-            <a:r>
-              <a:rPr lang="en-US" dirty="0"/>
-              <a:t>Compute the </a:t>
-            </a:r>
-            <a:r>
-              <a:rPr lang="en-US" dirty="0" smtClean="0"/>
-              <a:t>distance in meters </a:t>
-            </a:r>
-            <a:r>
-              <a:rPr lang="en-US" dirty="0"/>
-              <a:t>from </a:t>
-            </a:r>
-            <a:r>
-              <a:rPr lang="es-ES" dirty="0" smtClean="0"/>
-              <a:t>Hyatt </a:t>
-            </a:r>
-            <a:r>
-              <a:rPr lang="es-ES" dirty="0" err="1"/>
-              <a:t>Regency</a:t>
+          <a:p>
+            <a:pPr lvl="1"/>
+            <a:r>
+              <a:rPr lang="en-US" dirty="0"/>
+              <a:t>library(geosphere)</a:t>
+            </a:r>
+          </a:p>
+          <a:p>
+            <a:pPr lvl="1"/>
+            <a:r>
+              <a:rPr lang="en-US" dirty="0"/>
+              <a:t>ser2020 &lt;- geocode(‘</a:t>
             </a:r>
             <a:r>
               <a:rPr lang="es-ES" dirty="0"/>
-              <a:t> </a:t>
-            </a:r>
-            <a:r>
-              <a:rPr lang="es-ES" dirty="0" smtClean="0"/>
-              <a:t>Miami (Epi </a:t>
-            </a:r>
-            <a:r>
-              <a:rPr lang="es-ES" dirty="0" err="1" smtClean="0"/>
-              <a:t>Congress</a:t>
-            </a:r>
-            <a:r>
-              <a:rPr lang="es-ES" dirty="0" smtClean="0"/>
-              <a:t> 2016</a:t>
-            </a:r>
-            <a:r>
-              <a:rPr lang="en-US" dirty="0" smtClean="0"/>
-              <a:t>) to the Westin in Seattle (SER 2017)</a:t>
-            </a:r>
-          </a:p>
-          <a:p>
-            <a:r>
-              <a:rPr lang="en-US" dirty="0" smtClean="0"/>
-              <a:t>Hint: use geosphere library</a:t>
-            </a:r>
-          </a:p>
-          <a:p>
-            <a:endParaRPr lang="en-US" dirty="0"/>
+              <a:t>Boston, MA</a:t>
+            </a:r>
+            <a:r>
+              <a:rPr lang="en-US" dirty="0"/>
+              <a:t>')</a:t>
+            </a:r>
           </a:p>
           <a:p>
             <a:pPr lvl="1"/>
             <a:r>
               <a:rPr lang="en-US" dirty="0"/>
-              <a:t>library(geosphere)</a:t>
+              <a:t>ser2021 &lt;- geocode(‘San Diego, CA')</a:t>
             </a:r>
           </a:p>
           <a:p>
             <a:pPr lvl="1"/>
             <a:r>
-              <a:rPr lang="en-US" dirty="0" smtClean="0"/>
-              <a:t>congress </a:t>
-            </a:r>
-            <a:r>
-              <a:rPr lang="en-US" dirty="0"/>
-              <a:t>&lt;- geocode</a:t>
-            </a:r>
-            <a:r>
-              <a:rPr lang="en-US" dirty="0" smtClean="0"/>
-              <a:t>('</a:t>
-            </a:r>
-            <a:r>
-              <a:rPr lang="es-ES" dirty="0"/>
-              <a:t> Hyatt </a:t>
-            </a:r>
-            <a:r>
-              <a:rPr lang="es-ES" dirty="0" err="1" smtClean="0"/>
-              <a:t>Regency</a:t>
-            </a:r>
-            <a:r>
-              <a:rPr lang="es-ES" dirty="0" smtClean="0"/>
-              <a:t>, </a:t>
-            </a:r>
-            <a:r>
-              <a:rPr lang="es-ES" dirty="0"/>
-              <a:t>Miami, </a:t>
-            </a:r>
-            <a:r>
-              <a:rPr lang="es-ES" dirty="0" smtClean="0"/>
-              <a:t>FL</a:t>
-            </a:r>
-            <a:r>
-              <a:rPr lang="en-US" dirty="0" smtClean="0"/>
-              <a:t>')</a:t>
-            </a:r>
-            <a:endParaRPr lang="en-US" dirty="0"/>
-          </a:p>
-          <a:p>
-            <a:pPr lvl="1"/>
-            <a:r>
-              <a:rPr lang="en-US" dirty="0"/>
-              <a:t>ser &lt;- </a:t>
-            </a:r>
-            <a:r>
-              <a:rPr lang="en-US" dirty="0" smtClean="0"/>
-              <a:t>geocode('Westin Hotel, Seattle, WA')</a:t>
-            </a:r>
-            <a:endParaRPr lang="en-US" dirty="0"/>
-          </a:p>
-          <a:p>
-            <a:pPr lvl="1"/>
-            <a:r>
-              <a:rPr lang="en-US" dirty="0" err="1" smtClean="0"/>
+              <a:rPr lang="en-US" dirty="0" err="1"/>
               <a:t>distm</a:t>
             </a:r>
             <a:r>
-              <a:rPr lang="en-US" dirty="0" smtClean="0"/>
-              <a:t>(congress, </a:t>
-            </a:r>
-            <a:r>
-              <a:rPr lang="en-US" dirty="0"/>
-              <a:t>ser)</a:t>
-            </a:r>
+              <a:rPr lang="en-US" dirty="0"/>
+              <a:t>(ser2021, ser2020)</a:t>
+            </a:r>
+          </a:p>
+        </p:txBody>
+      </p:sp>
+      <p:sp>
+        <p:nvSpPr>
+          <p:cNvPr id="4" name="Slide Number Placeholder 3">
+            <a:extLst>
+              <a:ext uri="{FF2B5EF4-FFF2-40B4-BE49-F238E27FC236}">
+                <a16:creationId xmlns:a16="http://schemas.microsoft.com/office/drawing/2014/main" id="{18A1285F-617B-3C47-A281-7F425296B686}"/>
+              </a:ext>
+            </a:extLst>
+          </p:cNvPr>
+          <p:cNvSpPr>
+            <a:spLocks noGrp="1"/>
+          </p:cNvSpPr>
+          <p:nvPr>
+            <p:ph type="sldNum" sz="quarter" idx="12"/>
+          </p:nvPr>
+        </p:nvSpPr>
+        <p:spPr/>
+        <p:txBody>
+          <a:bodyPr/>
+          <a:lstStyle/>
+          <a:p>
+            <a:fld id="{8551792C-F89B-4948-B0B1-C6E471CEB377}" type="slidenum">
+              <a:rPr lang="en-US" smtClean="0"/>
+              <a:pPr/>
+              <a:t>28</a:t>
+            </a:fld>
+            <a:endParaRPr lang="en-US"/>
           </a:p>
         </p:txBody>
       </p:sp>
@@ -8033,7 +8400,7 @@
   <p:timing>
     <p:tnLst>
       <p:par>
-        <p:cTn xmlns:p14="http://schemas.microsoft.com/office/powerpoint/2010/main" id="1" dur="indefinite" restart="never" nodeType="tmRoot">
+        <p:cTn id="1" dur="indefinite" restart="never" nodeType="tmRoot">
           <p:childTnLst>
             <p:seq concurrent="1" nextAc="seek">
               <p:cTn id="2" dur="indefinite" nodeType="mainSeq">
@@ -8240,31 +8607,48 @@
           <a:lstStyle/>
           <a:p>
             <a:r>
-              <a:rPr lang="en-US" dirty="0" smtClean="0"/>
+              <a:rPr lang="en-US" dirty="0"/>
               <a:t>Geocoding: a caveat</a:t>
             </a:r>
+          </a:p>
+        </p:txBody>
+      </p:sp>
+      <p:sp>
+        <p:nvSpPr>
+          <p:cNvPr id="3" name="Content Placeholder 2"/>
+          <p:cNvSpPr>
+            <a:spLocks noGrp="1"/>
+          </p:cNvSpPr>
+          <p:nvPr>
+            <p:ph idx="1"/>
+          </p:nvPr>
+        </p:nvSpPr>
+        <p:spPr/>
+        <p:txBody>
+          <a:bodyPr/>
+          <a:lstStyle/>
+          <a:p>
+            <a:r>
+              <a:rPr lang="en-US" dirty="0"/>
+              <a:t>2 Quick challenges</a:t>
+            </a:r>
+          </a:p>
+          <a:p>
             <a:endParaRPr lang="en-US" dirty="0"/>
           </a:p>
-        </p:txBody>
-      </p:sp>
-      <p:sp>
-        <p:nvSpPr>
-          <p:cNvPr id="3" name="Content Placeholder 2"/>
-          <p:cNvSpPr>
-            <a:spLocks noGrp="1"/>
-          </p:cNvSpPr>
-          <p:nvPr>
-            <p:ph idx="1"/>
-          </p:nvPr>
-        </p:nvSpPr>
-        <p:spPr/>
-        <p:txBody>
-          <a:bodyPr/>
-          <a:lstStyle/>
-          <a:p>
-            <a:r>
-              <a:rPr lang="en-US" dirty="0" smtClean="0"/>
-              <a:t>2 Quick challenges</a:t>
+          <a:p>
+            <a:pPr lvl="1"/>
+            <a:r>
+              <a:rPr lang="en-US" dirty="0"/>
+              <a:t>Use </a:t>
+            </a:r>
+            <a:r>
+              <a:rPr lang="en-US" dirty="0" err="1"/>
+              <a:t>qmap</a:t>
+            </a:r>
+            <a:r>
+              <a:rPr lang="en-US" dirty="0"/>
+              <a:t> to get a map of Stein, NL at zoom = 12</a:t>
             </a:r>
           </a:p>
           <a:p>
@@ -8273,55 +8657,66 @@
           <a:p>
             <a:pPr lvl="1"/>
             <a:r>
-              <a:rPr lang="en-US" dirty="0" smtClean="0"/>
-              <a:t>Use </a:t>
-            </a:r>
-            <a:r>
-              <a:rPr lang="en-US" dirty="0" err="1" smtClean="0"/>
+              <a:rPr lang="en-US" dirty="0"/>
+              <a:t>Now use </a:t>
+            </a:r>
+            <a:r>
+              <a:rPr lang="en-US" dirty="0" err="1"/>
               <a:t>qmap</a:t>
             </a:r>
             <a:r>
-              <a:rPr lang="en-US" dirty="0" smtClean="0"/>
-              <a:t> to get a map of Stein, NL at zoom = 12</a:t>
-            </a:r>
-          </a:p>
-          <a:p>
-            <a:endParaRPr lang="en-US" dirty="0"/>
-          </a:p>
-          <a:p>
-            <a:pPr lvl="1"/>
-            <a:r>
-              <a:rPr lang="en-US" dirty="0" smtClean="0"/>
-              <a:t>Now use </a:t>
-            </a:r>
-            <a:r>
-              <a:rPr lang="en-US" dirty="0" err="1" smtClean="0"/>
-              <a:t>qmap</a:t>
-            </a:r>
-            <a:r>
-              <a:rPr lang="en-US" dirty="0" smtClean="0"/>
+              <a:rPr lang="en-US" dirty="0"/>
               <a:t> to get a map of </a:t>
             </a:r>
             <a:r>
-              <a:rPr lang="en-US" dirty="0" err="1" smtClean="0"/>
+              <a:rPr lang="en-US" dirty="0" err="1"/>
               <a:t>Geleen</a:t>
             </a:r>
             <a:r>
-              <a:rPr lang="en-US" dirty="0" smtClean="0"/>
+              <a:rPr lang="en-US" dirty="0"/>
               <a:t>, NL at zoom = 12.</a:t>
             </a:r>
           </a:p>
           <a:p>
             <a:pPr lvl="2"/>
             <a:r>
-              <a:rPr lang="en-US" dirty="0" smtClean="0"/>
+              <a:rPr lang="en-US" dirty="0"/>
               <a:t>(Does the curve of the river on the left look familiar?)</a:t>
             </a:r>
-            <a:endParaRPr lang="en-US" dirty="0"/>
           </a:p>
           <a:p>
             <a:pPr lvl="1"/>
             <a:endParaRPr lang="en-US" dirty="0"/>
+          </a:p>
+        </p:txBody>
+      </p:sp>
+      <p:sp>
+        <p:nvSpPr>
+          <p:cNvPr id="4" name="Slide Number Placeholder 3">
+            <a:extLst>
+              <a:ext uri="{FF2B5EF4-FFF2-40B4-BE49-F238E27FC236}">
+                <a16:creationId xmlns:a16="http://schemas.microsoft.com/office/drawing/2014/main" id="{EFDF5E24-0FEB-4648-9DA0-0BC05D800C65}"/>
+              </a:ext>
+            </a:extLst>
+          </p:cNvPr>
+          <p:cNvSpPr>
+            <a:spLocks noGrp="1"/>
+          </p:cNvSpPr>
+          <p:nvPr>
+            <p:ph type="sldNum" sz="quarter" idx="12"/>
+          </p:nvPr>
+        </p:nvSpPr>
+        <p:spPr/>
+        <p:txBody>
+          <a:bodyPr/>
+          <a:lstStyle/>
+          <a:p>
+            <a:fld id="{8551792C-F89B-4948-B0B1-C6E471CEB377}" type="slidenum">
+              <a:rPr lang="en-US" smtClean="0"/>
+              <a:pPr/>
+              <a:t>29</a:t>
+            </a:fld>
+            <a:endParaRPr lang="en-US"/>
           </a:p>
         </p:txBody>
       </p:sp>
@@ -8335,13 +8730,6 @@
   <p:clrMapOvr>
     <a:masterClrMapping/>
   </p:clrMapOvr>
-  <p:timing>
-    <p:tnLst>
-      <p:par>
-        <p:cTn xmlns:p14="http://schemas.microsoft.com/office/powerpoint/2010/main" id="1" dur="indefinite" restart="never" nodeType="tmRoot"/>
-      </p:par>
-    </p:tnLst>
-  </p:timing>
 </p:sld>
 </file>
 
@@ -8378,42 +8766,70 @@
           <a:lstStyle/>
           <a:p>
             <a:r>
-              <a:rPr lang="en-US" dirty="0" smtClean="0"/>
+              <a:rPr lang="en-US" dirty="0"/>
               <a:t>Why Spatial R?</a:t>
             </a:r>
+          </a:p>
+        </p:txBody>
+      </p:sp>
+      <p:sp>
+        <p:nvSpPr>
+          <p:cNvPr id="3" name="Content Placeholder 2"/>
+          <p:cNvSpPr>
+            <a:spLocks noGrp="1"/>
+          </p:cNvSpPr>
+          <p:nvPr>
+            <p:ph idx="1"/>
+          </p:nvPr>
+        </p:nvSpPr>
+        <p:spPr/>
+        <p:txBody>
+          <a:bodyPr/>
+          <a:lstStyle/>
+          <a:p>
+            <a:r>
+              <a:rPr lang="en-US" dirty="0"/>
+              <a:t>A lot of data, particularly 'secondary' administrative data are spatially located</a:t>
+            </a:r>
+          </a:p>
+          <a:p>
             <a:endParaRPr lang="en-US" dirty="0"/>
           </a:p>
-        </p:txBody>
-      </p:sp>
-      <p:sp>
-        <p:nvSpPr>
-          <p:cNvPr id="3" name="Content Placeholder 2"/>
-          <p:cNvSpPr>
-            <a:spLocks noGrp="1"/>
-          </p:cNvSpPr>
-          <p:nvPr>
-            <p:ph idx="1"/>
-          </p:nvPr>
-        </p:nvSpPr>
-        <p:spPr/>
-        <p:txBody>
-          <a:bodyPr/>
-          <a:lstStyle/>
-          <a:p>
-            <a:r>
-              <a:rPr lang="en-US" dirty="0" smtClean="0"/>
-              <a:t>A lot of data, particularly 'secondary' administrative data are spatially located</a:t>
-            </a:r>
-          </a:p>
-          <a:p>
-            <a:endParaRPr lang="en-US" dirty="0" smtClean="0"/>
-          </a:p>
-          <a:p>
-            <a:r>
-              <a:rPr lang="en-US" dirty="0" smtClean="0"/>
+          <a:p>
+            <a:r>
+              <a:rPr lang="en-US" dirty="0"/>
               <a:t>Digression: My FOIL story</a:t>
             </a:r>
-            <a:endParaRPr lang="en-US" dirty="0"/>
+          </a:p>
+        </p:txBody>
+      </p:sp>
+      <p:sp>
+        <p:nvSpPr>
+          <p:cNvPr id="4" name="Slide Number Placeholder 3">
+            <a:extLst>
+              <a:ext uri="{FF2B5EF4-FFF2-40B4-BE49-F238E27FC236}">
+                <a16:creationId xmlns:a16="http://schemas.microsoft.com/office/drawing/2014/main" id="{C58719AB-84FE-8743-9CA1-4C4B2600C645}"/>
+              </a:ext>
+            </a:extLst>
+          </p:cNvPr>
+          <p:cNvSpPr>
+            <a:spLocks noGrp="1"/>
+          </p:cNvSpPr>
+          <p:nvPr>
+            <p:ph type="sldNum" sz="quarter" idx="12"/>
+          </p:nvPr>
+        </p:nvSpPr>
+        <p:spPr/>
+        <p:txBody>
+          <a:bodyPr/>
+          <a:lstStyle/>
+          <a:p>
+            <a:fld id="{8551792C-F89B-4948-B0B1-C6E471CEB377}" type="slidenum">
+              <a:rPr lang="en-US" smtClean="0"/>
+              <a:pPr/>
+              <a:t>3</a:t>
+            </a:fld>
+            <a:endParaRPr lang="en-US"/>
           </a:p>
         </p:txBody>
       </p:sp>
@@ -8427,13 +8843,6 @@
   <p:clrMapOvr>
     <a:masterClrMapping/>
   </p:clrMapOvr>
-  <p:timing>
-    <p:tnLst>
-      <p:par>
-        <p:cTn xmlns:p14="http://schemas.microsoft.com/office/powerpoint/2010/main" id="1" dur="indefinite" restart="never" nodeType="tmRoot"/>
-      </p:par>
-    </p:tnLst>
-  </p:timing>
 </p:sld>
 </file>
 
@@ -8470,10 +8879,9 @@
           <a:lstStyle/>
           <a:p>
             <a:r>
-              <a:rPr lang="en-US" dirty="0" smtClean="0"/>
+              <a:rPr lang="en-US" dirty="0"/>
               <a:t>Spatial Autocorrelation</a:t>
             </a:r>
-            <a:endParaRPr lang="en-US" dirty="0"/>
           </a:p>
         </p:txBody>
       </p:sp>
@@ -8493,16 +8901,15 @@
           <a:lstStyle/>
           <a:p>
             <a:r>
-              <a:rPr lang="en-US" dirty="0" smtClean="0"/>
+              <a:rPr lang="en-US" dirty="0"/>
               <a:t>Co-variation of properties within geographic space</a:t>
             </a:r>
           </a:p>
           <a:p>
             <a:r>
-              <a:rPr lang="en-US" dirty="0" smtClean="0"/>
+              <a:rPr lang="en-US" dirty="0"/>
               <a:t>Note that perfect mixing is not expected if each cell is independent</a:t>
             </a:r>
-            <a:endParaRPr lang="en-US" dirty="0"/>
           </a:p>
         </p:txBody>
       </p:sp>
@@ -8542,14 +8949,14 @@
           <a:effectLst/>
           <a:extLst>
             <a:ext uri="{909E8E84-426E-40dd-AFC4-6F175D3DCCD1}">
-              <a14:hiddenFill xmlns:a14="http://schemas.microsoft.com/office/drawing/2010/main">
+              <a14:hiddenFill xmlns:a14="http://schemas.microsoft.com/office/drawing/2010/main" xmlns="">
                 <a:solidFill>
                   <a:schemeClr val="accent1"/>
                 </a:solidFill>
               </a14:hiddenFill>
             </a:ext>
             <a:ext uri="{91240B29-F687-4f45-9708-019B960494DF}">
-              <a14:hiddenLine xmlns:a14="http://schemas.microsoft.com/office/drawing/2010/main" w="9525">
+              <a14:hiddenLine xmlns:a14="http://schemas.microsoft.com/office/drawing/2010/main" xmlns="" w="9525">
                 <a:solidFill>
                   <a:schemeClr val="tx1"/>
                 </a:solidFill>
@@ -8559,7 +8966,7 @@
               </a14:hiddenLine>
             </a:ext>
             <a:ext uri="{AF507438-7753-43e0-B8FC-AC1667EBCBE1}">
-              <a14:hiddenEffects xmlns:a14="http://schemas.microsoft.com/office/drawing/2010/main">
+              <a14:hiddenEffects xmlns:a14="http://schemas.microsoft.com/office/drawing/2010/main" xmlns="">
                 <a:effectLst>
                   <a:outerShdw dist="35921" dir="2700000" algn="ctr" rotWithShape="0">
                     <a:schemeClr val="bg2"/>
@@ -8570,6 +8977,36 @@
           </a:extLst>
         </p:spPr>
       </p:pic>
+      <p:sp>
+        <p:nvSpPr>
+          <p:cNvPr id="4" name="Slide Number Placeholder 3">
+            <a:extLst>
+              <a:ext uri="{FF2B5EF4-FFF2-40B4-BE49-F238E27FC236}">
+                <a16:creationId xmlns:a16="http://schemas.microsoft.com/office/drawing/2014/main" id="{DE6A7608-4B25-9946-B781-05612D61AD10}"/>
+              </a:ext>
+            </a:extLst>
+          </p:cNvPr>
+          <p:cNvSpPr>
+            <a:spLocks noGrp="1"/>
+          </p:cNvSpPr>
+          <p:nvPr>
+            <p:ph type="sldNum" sz="quarter" idx="12"/>
+          </p:nvPr>
+        </p:nvSpPr>
+        <p:spPr/>
+        <p:txBody>
+          <a:bodyPr/>
+          <a:lstStyle/>
+          <a:p>
+            <a:fld id="{8551792C-F89B-4948-B0B1-C6E471CEB377}" type="slidenum">
+              <a:rPr lang="en-US" smtClean="0"/>
+              <a:pPr/>
+              <a:t>30</a:t>
+            </a:fld>
+            <a:endParaRPr lang="en-US"/>
+          </a:p>
+        </p:txBody>
+      </p:sp>
     </p:spTree>
     <p:extLst>
       <p:ext uri="{BB962C8B-B14F-4D97-AF65-F5344CB8AC3E}">
@@ -8580,13 +9017,6 @@
   <p:clrMapOvr>
     <a:masterClrMapping/>
   </p:clrMapOvr>
-  <p:timing>
-    <p:tnLst>
-      <p:par>
-        <p:cTn xmlns:p14="http://schemas.microsoft.com/office/powerpoint/2010/main" id="1" dur="indefinite" restart="never" nodeType="tmRoot"/>
-      </p:par>
-    </p:tnLst>
-  </p:timing>
 </p:sld>
 </file>
 
@@ -8623,11 +9053,11 @@
           <a:lstStyle/>
           <a:p>
             <a:r>
-              <a:rPr lang="en-US" dirty="0" smtClean="0"/>
+              <a:rPr lang="en-US" dirty="0"/>
               <a:t>Modifiable Areal </a:t>
             </a:r>
             <a:r>
-              <a:rPr lang="en-US" smtClean="0"/>
+              <a:rPr lang="en-US"/>
               <a:t>Unit Problem</a:t>
             </a:r>
             <a:endParaRPr lang="en-US" dirty="0"/>
@@ -8657,19 +9087,18 @@
           <a:lstStyle/>
           <a:p>
             <a:r>
-              <a:rPr lang="en-US" sz="2400" dirty="0" smtClean="0"/>
+              <a:rPr lang="en-US" sz="2400" dirty="0"/>
               <a:t>Different spatial unit definitions can result in different findings</a:t>
             </a:r>
           </a:p>
           <a:p>
-            <a:endParaRPr lang="en-US" sz="2400" dirty="0" smtClean="0"/>
-          </a:p>
-          <a:p>
-            <a:r>
-              <a:rPr lang="en-US" sz="2400" dirty="0" smtClean="0"/>
+            <a:endParaRPr lang="en-US" sz="2400" dirty="0"/>
+          </a:p>
+          <a:p>
+            <a:r>
+              <a:rPr lang="en-US" sz="2400" dirty="0"/>
               <a:t>Usual recommendation: start from theory</a:t>
             </a:r>
-            <a:endParaRPr lang="en-US" sz="2400" dirty="0"/>
           </a:p>
         </p:txBody>
       </p:sp>
@@ -8709,14 +9138,14 @@
           <a:effectLst/>
           <a:extLst>
             <a:ext uri="{909E8E84-426E-40dd-AFC4-6F175D3DCCD1}">
-              <a14:hiddenFill xmlns:a14="http://schemas.microsoft.com/office/drawing/2010/main">
+              <a14:hiddenFill xmlns:a14="http://schemas.microsoft.com/office/drawing/2010/main" xmlns="">
                 <a:solidFill>
                   <a:schemeClr val="accent1"/>
                 </a:solidFill>
               </a14:hiddenFill>
             </a:ext>
             <a:ext uri="{91240B29-F687-4f45-9708-019B960494DF}">
-              <a14:hiddenLine xmlns:a14="http://schemas.microsoft.com/office/drawing/2010/main" w="9525">
+              <a14:hiddenLine xmlns:a14="http://schemas.microsoft.com/office/drawing/2010/main" xmlns="" w="9525">
                 <a:solidFill>
                   <a:schemeClr val="tx1"/>
                 </a:solidFill>
@@ -8726,7 +9155,7 @@
               </a14:hiddenLine>
             </a:ext>
             <a:ext uri="{AF507438-7753-43e0-B8FC-AC1667EBCBE1}">
-              <a14:hiddenEffects xmlns:a14="http://schemas.microsoft.com/office/drawing/2010/main">
+              <a14:hiddenEffects xmlns:a14="http://schemas.microsoft.com/office/drawing/2010/main" xmlns="">
                 <a:effectLst>
                   <a:outerShdw dist="35921" dir="2700000" algn="ctr" rotWithShape="0">
                     <a:schemeClr val="bg2"/>
@@ -8737,6 +9166,36 @@
           </a:extLst>
         </p:spPr>
       </p:pic>
+      <p:sp>
+        <p:nvSpPr>
+          <p:cNvPr id="4" name="Slide Number Placeholder 3">
+            <a:extLst>
+              <a:ext uri="{FF2B5EF4-FFF2-40B4-BE49-F238E27FC236}">
+                <a16:creationId xmlns:a16="http://schemas.microsoft.com/office/drawing/2014/main" id="{36530EE4-04D2-A140-A678-047976D9E742}"/>
+              </a:ext>
+            </a:extLst>
+          </p:cNvPr>
+          <p:cNvSpPr>
+            <a:spLocks noGrp="1"/>
+          </p:cNvSpPr>
+          <p:nvPr>
+            <p:ph type="sldNum" sz="quarter" idx="12"/>
+          </p:nvPr>
+        </p:nvSpPr>
+        <p:spPr/>
+        <p:txBody>
+          <a:bodyPr/>
+          <a:lstStyle/>
+          <a:p>
+            <a:fld id="{8551792C-F89B-4948-B0B1-C6E471CEB377}" type="slidenum">
+              <a:rPr lang="en-US" smtClean="0"/>
+              <a:pPr/>
+              <a:t>31</a:t>
+            </a:fld>
+            <a:endParaRPr lang="en-US"/>
+          </a:p>
+        </p:txBody>
+      </p:sp>
     </p:spTree>
     <p:extLst>
       <p:ext uri="{BB962C8B-B14F-4D97-AF65-F5344CB8AC3E}">
@@ -8747,13 +9206,6 @@
   <p:clrMapOvr>
     <a:masterClrMapping/>
   </p:clrMapOvr>
-  <p:timing>
-    <p:tnLst>
-      <p:par>
-        <p:cTn xmlns:p14="http://schemas.microsoft.com/office/powerpoint/2010/main" id="1" dur="indefinite" restart="never" nodeType="tmRoot"/>
-      </p:par>
-    </p:tnLst>
-  </p:timing>
 </p:sld>
 </file>
 
@@ -8790,10 +9242,9 @@
           <a:lstStyle/>
           <a:p>
             <a:r>
-              <a:rPr lang="en-US" dirty="0" smtClean="0"/>
+              <a:rPr lang="en-US" dirty="0"/>
               <a:t>Cluster Detection</a:t>
             </a:r>
-            <a:endParaRPr lang="en-US" dirty="0"/>
           </a:p>
         </p:txBody>
       </p:sp>
@@ -8815,7 +9266,7 @@
           <a:lstStyle/>
           <a:p>
             <a:r>
-              <a:rPr lang="en-US" dirty="0" smtClean="0"/>
+              <a:rPr lang="en-US" dirty="0"/>
               <a:t>Given point data for some phenomenon, are points closer than would be expected by chance?</a:t>
             </a:r>
           </a:p>
@@ -8823,21 +9274,50 @@
             <a:endParaRPr lang="en-US" dirty="0"/>
           </a:p>
           <a:p>
-            <a:endParaRPr lang="en-US" dirty="0" smtClean="0"/>
-          </a:p>
-          <a:p>
-            <a:r>
-              <a:rPr lang="en-US" dirty="0" smtClean="0"/>
+            <a:endParaRPr lang="en-US" dirty="0"/>
+          </a:p>
+          <a:p>
+            <a:r>
+              <a:rPr lang="en-US" dirty="0"/>
               <a:t>Note that we are interested in clustering in the population, not in the sample</a:t>
             </a:r>
           </a:p>
           <a:p>
             <a:pPr lvl="1"/>
             <a:r>
-              <a:rPr lang="en-US" dirty="0" smtClean="0"/>
+              <a:rPr lang="en-US" dirty="0"/>
               <a:t>many sampling strategies (esp. convenience samples) artificially induce clustering.</a:t>
             </a:r>
-            <a:endParaRPr lang="en-US" dirty="0"/>
+          </a:p>
+        </p:txBody>
+      </p:sp>
+      <p:sp>
+        <p:nvSpPr>
+          <p:cNvPr id="4" name="Slide Number Placeholder 3">
+            <a:extLst>
+              <a:ext uri="{FF2B5EF4-FFF2-40B4-BE49-F238E27FC236}">
+                <a16:creationId xmlns:a16="http://schemas.microsoft.com/office/drawing/2014/main" id="{EC8CA956-2191-E644-B7FD-FD12CFBBFFE9}"/>
+              </a:ext>
+            </a:extLst>
+          </p:cNvPr>
+          <p:cNvSpPr>
+            <a:spLocks noGrp="1"/>
+          </p:cNvSpPr>
+          <p:nvPr>
+            <p:ph type="sldNum" sz="quarter" idx="12"/>
+          </p:nvPr>
+        </p:nvSpPr>
+        <p:spPr/>
+        <p:txBody>
+          <a:bodyPr/>
+          <a:lstStyle/>
+          <a:p>
+            <a:fld id="{8551792C-F89B-4948-B0B1-C6E471CEB377}" type="slidenum">
+              <a:rPr lang="en-US" smtClean="0"/>
+              <a:pPr/>
+              <a:t>32</a:t>
+            </a:fld>
+            <a:endParaRPr lang="en-US"/>
           </a:p>
         </p:txBody>
       </p:sp>
@@ -8851,13 +9331,6 @@
   <p:clrMapOvr>
     <a:masterClrMapping/>
   </p:clrMapOvr>
-  <p:timing>
-    <p:tnLst>
-      <p:par>
-        <p:cTn xmlns:p14="http://schemas.microsoft.com/office/powerpoint/2010/main" id="1" dur="indefinite" restart="never" nodeType="tmRoot"/>
-      </p:par>
-    </p:tnLst>
-  </p:timing>
 </p:sld>
 </file>
 
@@ -8896,10 +9369,9 @@
           <a:lstStyle/>
           <a:p>
             <a:r>
-              <a:rPr lang="en-US" dirty="0" smtClean="0"/>
+              <a:rPr lang="en-US" dirty="0"/>
               <a:t>Clustering: think about your denominator, too</a:t>
             </a:r>
-            <a:endParaRPr lang="en-US" dirty="0"/>
           </a:p>
         </p:txBody>
       </p:sp>
@@ -8938,14 +9410,14 @@
           </a:ln>
           <a:extLst>
             <a:ext uri="{909E8E84-426E-40dd-AFC4-6F175D3DCCD1}">
-              <a14:hiddenFill xmlns:a14="http://schemas.microsoft.com/office/drawing/2010/main">
+              <a14:hiddenFill xmlns:a14="http://schemas.microsoft.com/office/drawing/2010/main" xmlns="">
                 <a:solidFill>
                   <a:schemeClr val="accent1"/>
                 </a:solidFill>
               </a14:hiddenFill>
             </a:ext>
             <a:ext uri="{91240B29-F687-4f45-9708-019B960494DF}">
-              <a14:hiddenLine xmlns:a14="http://schemas.microsoft.com/office/drawing/2010/main" w="9525">
+              <a14:hiddenLine xmlns:a14="http://schemas.microsoft.com/office/drawing/2010/main" xmlns="" w="9525">
                 <a:solidFill>
                   <a:schemeClr val="tx1"/>
                 </a:solidFill>
@@ -8957,6 +9429,36 @@
           </a:extLst>
         </p:spPr>
       </p:pic>
+      <p:sp>
+        <p:nvSpPr>
+          <p:cNvPr id="3" name="Slide Number Placeholder 2">
+            <a:extLst>
+              <a:ext uri="{FF2B5EF4-FFF2-40B4-BE49-F238E27FC236}">
+                <a16:creationId xmlns:a16="http://schemas.microsoft.com/office/drawing/2014/main" id="{71C4221D-5456-4243-8923-60FCC928BC82}"/>
+              </a:ext>
+            </a:extLst>
+          </p:cNvPr>
+          <p:cNvSpPr>
+            <a:spLocks noGrp="1"/>
+          </p:cNvSpPr>
+          <p:nvPr>
+            <p:ph type="sldNum" sz="quarter" idx="12"/>
+          </p:nvPr>
+        </p:nvSpPr>
+        <p:spPr/>
+        <p:txBody>
+          <a:bodyPr/>
+          <a:lstStyle/>
+          <a:p>
+            <a:fld id="{8551792C-F89B-4948-B0B1-C6E471CEB377}" type="slidenum">
+              <a:rPr lang="en-US" smtClean="0"/>
+              <a:pPr/>
+              <a:t>33</a:t>
+            </a:fld>
+            <a:endParaRPr lang="en-US"/>
+          </a:p>
+        </p:txBody>
+      </p:sp>
     </p:spTree>
     <p:extLst>
       <p:ext uri="{BB962C8B-B14F-4D97-AF65-F5344CB8AC3E}">
@@ -8967,13 +9469,6 @@
   <p:clrMapOvr>
     <a:masterClrMapping/>
   </p:clrMapOvr>
-  <p:timing>
-    <p:tnLst>
-      <p:par>
-        <p:cTn xmlns:p14="http://schemas.microsoft.com/office/powerpoint/2010/main" id="1" dur="indefinite" restart="never" nodeType="tmRoot"/>
-      </p:par>
-    </p:tnLst>
-  </p:timing>
 </p:sld>
 </file>
 
@@ -9010,10 +9505,9 @@
           <a:lstStyle/>
           <a:p>
             <a:r>
-              <a:rPr lang="en-US" dirty="0" smtClean="0"/>
+              <a:rPr lang="en-US" dirty="0"/>
               <a:t>Nearest Neighbor Index</a:t>
             </a:r>
-            <a:endParaRPr lang="en-US" dirty="0"/>
           </a:p>
         </p:txBody>
       </p:sp>
@@ -9035,32 +9529,60 @@
           <a:lstStyle/>
           <a:p>
             <a:r>
-              <a:rPr lang="en-US" dirty="0" smtClean="0"/>
+              <a:rPr lang="en-US" dirty="0"/>
               <a:t>Defined as the ratio of the mean distance to the nearest neighbor for all observations to the mean distance that would be expected due to chance alone</a:t>
             </a:r>
           </a:p>
           <a:p>
             <a:pPr lvl="1"/>
             <a:r>
-              <a:rPr lang="en-US" dirty="0" smtClean="0"/>
+              <a:rPr lang="en-US" dirty="0"/>
               <a:t>Values significantly less than 1 indicate clustering</a:t>
             </a:r>
-            <a:endParaRPr lang="en-US" dirty="0"/>
-          </a:p>
-          <a:p>
-            <a:r>
-              <a:rPr lang="en-US" dirty="0" smtClean="0"/>
+          </a:p>
+          <a:p>
+            <a:r>
+              <a:rPr lang="en-US" dirty="0"/>
               <a:t>But: 50 randomly distributed </a:t>
             </a:r>
             <a:r>
-              <a:rPr lang="en-US" i="1" dirty="0" smtClean="0"/>
+              <a:rPr lang="en-US" i="1" dirty="0"/>
               <a:t>pairs</a:t>
             </a:r>
             <a:r>
-              <a:rPr lang="en-US" dirty="0" smtClean="0"/>
+              <a:rPr lang="en-US" dirty="0"/>
               <a:t> of points would have a very low index, but no real clusters as we'd traditionally think of them</a:t>
             </a:r>
-            <a:endParaRPr lang="en-US" dirty="0"/>
+          </a:p>
+        </p:txBody>
+      </p:sp>
+      <p:sp>
+        <p:nvSpPr>
+          <p:cNvPr id="4" name="Slide Number Placeholder 3">
+            <a:extLst>
+              <a:ext uri="{FF2B5EF4-FFF2-40B4-BE49-F238E27FC236}">
+                <a16:creationId xmlns:a16="http://schemas.microsoft.com/office/drawing/2014/main" id="{C2142205-E19A-C543-9665-F50E83C420A1}"/>
+              </a:ext>
+            </a:extLst>
+          </p:cNvPr>
+          <p:cNvSpPr>
+            <a:spLocks noGrp="1"/>
+          </p:cNvSpPr>
+          <p:nvPr>
+            <p:ph type="sldNum" sz="quarter" idx="12"/>
+          </p:nvPr>
+        </p:nvSpPr>
+        <p:spPr/>
+        <p:txBody>
+          <a:bodyPr/>
+          <a:lstStyle/>
+          <a:p>
+            <a:fld id="{8551792C-F89B-4948-B0B1-C6E471CEB377}" type="slidenum">
+              <a:rPr lang="en-US" smtClean="0"/>
+              <a:pPr/>
+              <a:t>34</a:t>
+            </a:fld>
+            <a:endParaRPr lang="en-US"/>
           </a:p>
         </p:txBody>
       </p:sp>
@@ -9074,13 +9596,6 @@
   <p:clrMapOvr>
     <a:masterClrMapping/>
   </p:clrMapOvr>
-  <p:timing>
-    <p:tnLst>
-      <p:par>
-        <p:cTn xmlns:p14="http://schemas.microsoft.com/office/powerpoint/2010/main" id="1" dur="indefinite" restart="never" nodeType="tmRoot"/>
-      </p:par>
-    </p:tnLst>
-  </p:timing>
 </p:sld>
 </file>
 
@@ -9119,54 +9634,83 @@
           <a:lstStyle/>
           <a:p>
             <a:r>
-              <a:rPr lang="en-US" dirty="0" smtClean="0"/>
+              <a:rPr lang="en-US" dirty="0"/>
               <a:t>Other cluster detection/analysis methods	</a:t>
             </a:r>
+          </a:p>
+        </p:txBody>
+      </p:sp>
+      <p:sp>
+        <p:nvSpPr>
+          <p:cNvPr id="3" name="Content Placeholder 2"/>
+          <p:cNvSpPr>
+            <a:spLocks noGrp="1"/>
+          </p:cNvSpPr>
+          <p:nvPr>
+            <p:ph idx="1"/>
+          </p:nvPr>
+        </p:nvSpPr>
+        <p:spPr/>
+        <p:txBody>
+          <a:bodyPr/>
+          <a:lstStyle/>
+          <a:p>
+            <a:r>
+              <a:rPr lang="en-US" dirty="0"/>
+              <a:t>Ripley's K function</a:t>
+            </a:r>
+          </a:p>
+          <a:p>
+            <a:r>
+              <a:rPr lang="en-US"/>
+              <a:t>Kulldorff's</a:t>
+            </a:r>
+            <a:r>
+              <a:rPr lang="en-US" dirty="0"/>
+              <a:t> scan statistic</a:t>
+            </a:r>
+          </a:p>
+          <a:p>
             <a:endParaRPr lang="en-US" dirty="0"/>
           </a:p>
-        </p:txBody>
-      </p:sp>
-      <p:sp>
-        <p:nvSpPr>
-          <p:cNvPr id="3" name="Content Placeholder 2"/>
-          <p:cNvSpPr>
-            <a:spLocks noGrp="1"/>
-          </p:cNvSpPr>
-          <p:nvPr>
-            <p:ph idx="1"/>
-          </p:nvPr>
-        </p:nvSpPr>
-        <p:spPr/>
-        <p:txBody>
-          <a:bodyPr/>
-          <a:lstStyle/>
-          <a:p>
-            <a:r>
-              <a:rPr lang="en-US" dirty="0" smtClean="0"/>
-              <a:t>Ripley's K function</a:t>
-            </a:r>
-          </a:p>
-          <a:p>
-            <a:r>
+          <a:p>
+            <a:r>
+              <a:rPr lang="en-US" dirty="0"/>
+              <a:t>Bayesian hierarchical modeling</a:t>
+            </a:r>
+          </a:p>
+          <a:p>
+            <a:endParaRPr lang="en-US" dirty="0"/>
+          </a:p>
+        </p:txBody>
+      </p:sp>
+      <p:sp>
+        <p:nvSpPr>
+          <p:cNvPr id="4" name="Slide Number Placeholder 3">
+            <a:extLst>
+              <a:ext uri="{FF2B5EF4-FFF2-40B4-BE49-F238E27FC236}">
+                <a16:creationId xmlns:a16="http://schemas.microsoft.com/office/drawing/2014/main" id="{2DC3C1CF-3334-4541-AD57-B972D8420321}"/>
+              </a:ext>
+            </a:extLst>
+          </p:cNvPr>
+          <p:cNvSpPr>
+            <a:spLocks noGrp="1"/>
+          </p:cNvSpPr>
+          <p:nvPr>
+            <p:ph type="sldNum" sz="quarter" idx="12"/>
+          </p:nvPr>
+        </p:nvSpPr>
+        <p:spPr/>
+        <p:txBody>
+          <a:bodyPr/>
+          <a:lstStyle/>
+          <a:p>
+            <a:fld id="{8551792C-F89B-4948-B0B1-C6E471CEB377}" type="slidenum">
               <a:rPr lang="en-US" smtClean="0"/>
-              <a:t>Kulldorff's</a:t>
-            </a:r>
-            <a:r>
-              <a:rPr lang="en-US" dirty="0" smtClean="0"/>
-              <a:t> scan statistic</a:t>
-            </a:r>
-          </a:p>
-          <a:p>
-            <a:endParaRPr lang="en-US" dirty="0" smtClean="0"/>
-          </a:p>
-          <a:p>
-            <a:r>
-              <a:rPr lang="en-US" dirty="0"/>
-              <a:t>Bayesian hierarchical modeling</a:t>
-            </a:r>
-          </a:p>
-          <a:p>
-            <a:endParaRPr lang="en-US" dirty="0"/>
+              <a:pPr/>
+              <a:t>35</a:t>
+            </a:fld>
+            <a:endParaRPr lang="en-US"/>
           </a:p>
         </p:txBody>
       </p:sp>
@@ -9180,13 +9724,6 @@
   <p:clrMapOvr>
     <a:masterClrMapping/>
   </p:clrMapOvr>
-  <p:timing>
-    <p:tnLst>
-      <p:par>
-        <p:cTn xmlns:p14="http://schemas.microsoft.com/office/powerpoint/2010/main" id="1" dur="indefinite" restart="never" nodeType="tmRoot"/>
-      </p:par>
-    </p:tnLst>
-  </p:timing>
 </p:sld>
 </file>
 
@@ -9225,10 +9762,9 @@
           <a:lstStyle/>
           <a:p>
             <a:r>
-              <a:rPr lang="en-US" dirty="0" smtClean="0"/>
+              <a:rPr lang="en-US" dirty="0"/>
               <a:t>Two other important spatial techniques</a:t>
             </a:r>
-            <a:endParaRPr lang="en-US" dirty="0"/>
           </a:p>
         </p:txBody>
       </p:sp>
@@ -9248,23 +9784,53 @@
           <a:lstStyle/>
           <a:p>
             <a:r>
-              <a:rPr lang="en-US" dirty="0" smtClean="0"/>
+              <a:rPr lang="en-US" dirty="0"/>
               <a:t>Estimation (actually prediction) at places you didn't observe</a:t>
             </a:r>
           </a:p>
           <a:p>
             <a:pPr lvl="1"/>
             <a:r>
-              <a:rPr lang="en-US" dirty="0" smtClean="0"/>
+              <a:rPr lang="en-US" dirty="0"/>
               <a:t>Land use regression</a:t>
             </a:r>
           </a:p>
           <a:p>
             <a:pPr lvl="1"/>
             <a:r>
-              <a:rPr lang="en-US" dirty="0" smtClean="0"/>
+              <a:rPr lang="en-US" dirty="0"/>
               <a:t>Interpolation: Kriging/Kernel density estimation</a:t>
             </a:r>
+          </a:p>
+        </p:txBody>
+      </p:sp>
+      <p:sp>
+        <p:nvSpPr>
+          <p:cNvPr id="4" name="Slide Number Placeholder 3">
+            <a:extLst>
+              <a:ext uri="{FF2B5EF4-FFF2-40B4-BE49-F238E27FC236}">
+                <a16:creationId xmlns:a16="http://schemas.microsoft.com/office/drawing/2014/main" id="{B6B8CADA-1C89-6A48-ACAA-3F4AA55D6A4D}"/>
+              </a:ext>
+            </a:extLst>
+          </p:cNvPr>
+          <p:cNvSpPr>
+            <a:spLocks noGrp="1"/>
+          </p:cNvSpPr>
+          <p:nvPr>
+            <p:ph type="sldNum" sz="quarter" idx="12"/>
+          </p:nvPr>
+        </p:nvSpPr>
+        <p:spPr/>
+        <p:txBody>
+          <a:bodyPr/>
+          <a:lstStyle/>
+          <a:p>
+            <a:fld id="{8551792C-F89B-4948-B0B1-C6E471CEB377}" type="slidenum">
+              <a:rPr lang="en-US" smtClean="0"/>
+              <a:pPr/>
+              <a:t>36</a:t>
+            </a:fld>
+            <a:endParaRPr lang="en-US"/>
           </a:p>
         </p:txBody>
       </p:sp>
@@ -9278,13 +9844,6 @@
   <p:clrMapOvr>
     <a:masterClrMapping/>
   </p:clrMapOvr>
-  <p:timing>
-    <p:tnLst>
-      <p:par>
-        <p:cTn xmlns:p14="http://schemas.microsoft.com/office/powerpoint/2010/main" id="1" dur="indefinite" restart="never" nodeType="tmRoot"/>
-      </p:par>
-    </p:tnLst>
-  </p:timing>
 </p:sld>
 </file>
 
@@ -9321,10 +9880,9 @@
           <a:lstStyle/>
           <a:p>
             <a:r>
-              <a:rPr lang="en-US" dirty="0" smtClean="0"/>
+              <a:rPr lang="en-US" dirty="0"/>
               <a:t>Land use regression</a:t>
             </a:r>
-            <a:endParaRPr lang="en-US" dirty="0"/>
           </a:p>
         </p:txBody>
       </p:sp>
@@ -9346,7 +9904,7 @@
           <a:lstStyle/>
           <a:p>
             <a:r>
-              <a:rPr lang="en-US" dirty="0" smtClean="0"/>
+              <a:rPr lang="en-US" dirty="0"/>
               <a:t>Basically a 4-step process</a:t>
             </a:r>
           </a:p>
@@ -9356,7 +9914,7 @@
               <a:buAutoNum type="arabicPeriod"/>
             </a:pPr>
             <a:r>
-              <a:rPr lang="en-US" dirty="0" smtClean="0"/>
+              <a:rPr lang="en-US" dirty="0"/>
               <a:t>Pick sample locations (usually a grid)</a:t>
             </a:r>
           </a:p>
@@ -9366,7 +9924,7 @@
               <a:buAutoNum type="arabicPeriod"/>
             </a:pPr>
             <a:r>
-              <a:rPr lang="en-US" dirty="0" smtClean="0"/>
+              <a:rPr lang="en-US" dirty="0"/>
               <a:t>Measure outcome and land uses (e.g. population density, proximity to highways) at each sample point</a:t>
             </a:r>
           </a:p>
@@ -9376,7 +9934,7 @@
               <a:buAutoNum type="arabicPeriod"/>
             </a:pPr>
             <a:r>
-              <a:rPr lang="en-US" dirty="0" smtClean="0"/>
+              <a:rPr lang="en-US" dirty="0"/>
               <a:t>Regress outcome on land uses, use model to predict in unmeasured locations</a:t>
             </a:r>
           </a:p>
@@ -9386,9 +9944,39 @@
               <a:buAutoNum type="arabicPeriod"/>
             </a:pPr>
             <a:r>
-              <a:rPr lang="en-US" dirty="0" smtClean="0"/>
+              <a:rPr lang="en-US" dirty="0"/>
               <a:t>Check residuals for spatial autocorrelation</a:t>
             </a:r>
+          </a:p>
+        </p:txBody>
+      </p:sp>
+      <p:sp>
+        <p:nvSpPr>
+          <p:cNvPr id="4" name="Slide Number Placeholder 3">
+            <a:extLst>
+              <a:ext uri="{FF2B5EF4-FFF2-40B4-BE49-F238E27FC236}">
+                <a16:creationId xmlns:a16="http://schemas.microsoft.com/office/drawing/2014/main" id="{28C7D66D-F42E-9042-98FC-93692EFBA103}"/>
+              </a:ext>
+            </a:extLst>
+          </p:cNvPr>
+          <p:cNvSpPr>
+            <a:spLocks noGrp="1"/>
+          </p:cNvSpPr>
+          <p:nvPr>
+            <p:ph type="sldNum" sz="quarter" idx="12"/>
+          </p:nvPr>
+        </p:nvSpPr>
+        <p:spPr/>
+        <p:txBody>
+          <a:bodyPr/>
+          <a:lstStyle/>
+          <a:p>
+            <a:fld id="{8551792C-F89B-4948-B0B1-C6E471CEB377}" type="slidenum">
+              <a:rPr lang="en-US" smtClean="0"/>
+              <a:pPr/>
+              <a:t>37</a:t>
+            </a:fld>
+            <a:endParaRPr lang="en-US"/>
           </a:p>
         </p:txBody>
       </p:sp>
@@ -9402,13 +9990,6 @@
   <p:clrMapOvr>
     <a:masterClrMapping/>
   </p:clrMapOvr>
-  <p:timing>
-    <p:tnLst>
-      <p:par>
-        <p:cTn xmlns:p14="http://schemas.microsoft.com/office/powerpoint/2010/main" id="1" dur="indefinite" restart="never" nodeType="tmRoot"/>
-      </p:par>
-    </p:tnLst>
-  </p:timing>
 </p:sld>
 </file>
 
@@ -9445,10 +10026,9 @@
           <a:lstStyle/>
           <a:p>
             <a:r>
-              <a:rPr lang="en-US" dirty="0" smtClean="0"/>
+              <a:rPr lang="en-US" dirty="0"/>
               <a:t>Land Use Regression in R</a:t>
             </a:r>
-            <a:endParaRPr lang="en-US" dirty="0"/>
           </a:p>
         </p:txBody>
       </p:sp>
@@ -9468,16 +10048,8 @@
           <a:lstStyle/>
           <a:p>
             <a:r>
-              <a:rPr lang="en-US" dirty="0" smtClean="0"/>
-              <a:t>In its most basic forms, LUR ignores spatial covariance, so it does not </a:t>
-            </a:r>
-            <a:r>
-              <a:rPr lang="en-US" dirty="0"/>
-              <a:t>require custom regression model </a:t>
-            </a:r>
-            <a:r>
-              <a:rPr lang="en-US" dirty="0" smtClean="0"/>
-              <a:t>fitting</a:t>
+              <a:rPr lang="en-US" dirty="0"/>
+              <a:t>In its most basic forms, LUR ignores spatial covariance, so it does not require custom regression model fitting</a:t>
             </a:r>
           </a:p>
           <a:p>
@@ -9521,14 +10093,14 @@
           <a:effectLst/>
           <a:extLst>
             <a:ext uri="{909E8E84-426E-40dd-AFC4-6F175D3DCCD1}">
-              <a14:hiddenFill xmlns:a14="http://schemas.microsoft.com/office/drawing/2010/main">
+              <a14:hiddenFill xmlns:a14="http://schemas.microsoft.com/office/drawing/2010/main" xmlns="">
                 <a:solidFill>
                   <a:schemeClr val="accent1"/>
                 </a:solidFill>
               </a14:hiddenFill>
             </a:ext>
             <a:ext uri="{91240B29-F687-4f45-9708-019B960494DF}">
-              <a14:hiddenLine xmlns:a14="http://schemas.microsoft.com/office/drawing/2010/main" w="9525">
+              <a14:hiddenLine xmlns:a14="http://schemas.microsoft.com/office/drawing/2010/main" xmlns="" w="9525">
                 <a:solidFill>
                   <a:schemeClr val="tx1"/>
                 </a:solidFill>
@@ -9538,7 +10110,7 @@
               </a14:hiddenLine>
             </a:ext>
             <a:ext uri="{AF507438-7753-43e0-B8FC-AC1667EBCBE1}">
-              <a14:hiddenEffects xmlns:a14="http://schemas.microsoft.com/office/drawing/2010/main">
+              <a14:hiddenEffects xmlns:a14="http://schemas.microsoft.com/office/drawing/2010/main" xmlns="">
                 <a:effectLst>
                   <a:outerShdw dist="35921" dir="2700000" algn="ctr" rotWithShape="0">
                     <a:schemeClr val="bg2"/>
@@ -9574,14 +10146,11 @@
           <a:lstStyle/>
           <a:p>
             <a:r>
-              <a:rPr lang="en-US" sz="2000" dirty="0" smtClean="0">
+              <a:rPr lang="en-US" sz="2000" dirty="0">
                 <a:latin typeface="Gill Sans Ultra Bold" pitchFamily="34" charset="0"/>
               </a:rPr>
               <a:t>lm()</a:t>
             </a:r>
-            <a:endParaRPr lang="en-US" sz="2000" dirty="0">
-              <a:latin typeface="Gill Sans Ultra Bold" pitchFamily="34" charset="0"/>
-            </a:endParaRPr>
           </a:p>
         </p:txBody>
       </p:sp>
@@ -9608,10 +10177,39 @@
           <a:lstStyle/>
           <a:p>
             <a:r>
-              <a:rPr lang="en-US" dirty="0" smtClean="0"/>
+              <a:rPr lang="en-US" dirty="0"/>
               <a:t>Sorry.  I know this is hokey.</a:t>
             </a:r>
-            <a:endParaRPr lang="en-US" dirty="0"/>
+          </a:p>
+        </p:txBody>
+      </p:sp>
+      <p:sp>
+        <p:nvSpPr>
+          <p:cNvPr id="6" name="Slide Number Placeholder 5">
+            <a:extLst>
+              <a:ext uri="{FF2B5EF4-FFF2-40B4-BE49-F238E27FC236}">
+                <a16:creationId xmlns:a16="http://schemas.microsoft.com/office/drawing/2014/main" id="{A4B751AD-4ADC-C248-B77A-DDD5DF507BD2}"/>
+              </a:ext>
+            </a:extLst>
+          </p:cNvPr>
+          <p:cNvSpPr>
+            <a:spLocks noGrp="1"/>
+          </p:cNvSpPr>
+          <p:nvPr>
+            <p:ph type="sldNum" sz="quarter" idx="12"/>
+          </p:nvPr>
+        </p:nvSpPr>
+        <p:spPr/>
+        <p:txBody>
+          <a:bodyPr/>
+          <a:lstStyle/>
+          <a:p>
+            <a:fld id="{8551792C-F89B-4948-B0B1-C6E471CEB377}" type="slidenum">
+              <a:rPr lang="en-US" smtClean="0"/>
+              <a:pPr/>
+              <a:t>38</a:t>
+            </a:fld>
+            <a:endParaRPr lang="en-US"/>
           </a:p>
         </p:txBody>
       </p:sp>
@@ -9625,13 +10223,6 @@
   <p:clrMapOvr>
     <a:masterClrMapping/>
   </p:clrMapOvr>
-  <p:timing>
-    <p:tnLst>
-      <p:par>
-        <p:cTn xmlns:p14="http://schemas.microsoft.com/office/powerpoint/2010/main" id="1" dur="indefinite" restart="never" nodeType="tmRoot"/>
-      </p:par>
-    </p:tnLst>
-  </p:timing>
 </p:sld>
 </file>
 
@@ -9668,7 +10259,7 @@
           <a:lstStyle/>
           <a:p>
             <a:r>
-              <a:rPr lang="en-US" dirty="0" err="1" smtClean="0"/>
+              <a:rPr lang="en-US" dirty="0" err="1"/>
               <a:t>Kriging</a:t>
             </a:r>
             <a:endParaRPr lang="en-US" dirty="0"/>
@@ -9693,7 +10284,7 @@
           <a:lstStyle/>
           <a:p>
             <a:r>
-              <a:rPr lang="en-US" dirty="0" smtClean="0"/>
+              <a:rPr lang="en-US" dirty="0"/>
               <a:t>4-step process</a:t>
             </a:r>
           </a:p>
@@ -9703,7 +10294,7 @@
               <a:buAutoNum type="arabicPeriod"/>
             </a:pPr>
             <a:r>
-              <a:rPr lang="en-US" dirty="0" smtClean="0"/>
+              <a:rPr lang="en-US" dirty="0"/>
               <a:t>Pick sample points</a:t>
             </a:r>
           </a:p>
@@ -9713,7 +10304,7 @@
               <a:buAutoNum type="arabicPeriod"/>
             </a:pPr>
             <a:r>
-              <a:rPr lang="en-US" dirty="0" smtClean="0"/>
+              <a:rPr lang="en-US" dirty="0"/>
               <a:t>Sample outcome</a:t>
             </a:r>
           </a:p>
@@ -9723,15 +10314,15 @@
               <a:buAutoNum type="arabicPeriod"/>
             </a:pPr>
             <a:r>
-              <a:rPr lang="en-US" dirty="0" smtClean="0"/>
+              <a:rPr lang="en-US" dirty="0"/>
               <a:t>Use spatial covariance in outcome to predict at </a:t>
             </a:r>
             <a:r>
-              <a:rPr lang="en-US" dirty="0" err="1" smtClean="0"/>
+              <a:rPr lang="en-US" dirty="0" err="1"/>
               <a:t>unsampled</a:t>
             </a:r>
             <a:r>
-              <a:rPr lang="en-US" dirty="0" smtClean="0"/>
+              <a:rPr lang="en-US" dirty="0"/>
               <a:t> points</a:t>
             </a:r>
           </a:p>
@@ -9741,7 +10332,7 @@
               <a:buAutoNum type="arabicPeriod"/>
             </a:pPr>
             <a:r>
-              <a:rPr lang="en-US" dirty="0" smtClean="0"/>
+              <a:rPr lang="en-US" dirty="0"/>
               <a:t>Draw multiple times from posterior distribution of spatial model to get 'conditional realizations' – multiple imputation-like way of including uncertainty in estimates</a:t>
             </a:r>
           </a:p>
@@ -9749,26 +10340,56 @@
             <a:pPr marL="457200" lvl="1" indent="0">
               <a:buNone/>
             </a:pPr>
-            <a:endParaRPr lang="en-US" dirty="0" smtClean="0"/>
-          </a:p>
-          <a:p>
-            <a:r>
-              <a:rPr lang="en-US" dirty="0" smtClean="0"/>
+            <a:endParaRPr lang="en-US" dirty="0"/>
+          </a:p>
+          <a:p>
+            <a:r>
+              <a:rPr lang="en-US" dirty="0"/>
               <a:t>Universal </a:t>
             </a:r>
             <a:r>
-              <a:rPr lang="en-US" dirty="0" err="1" smtClean="0"/>
+              <a:rPr lang="en-US" dirty="0" err="1"/>
               <a:t>Kriging</a:t>
             </a:r>
             <a:r>
-              <a:rPr lang="en-US" dirty="0" smtClean="0"/>
+              <a:rPr lang="en-US" dirty="0"/>
               <a:t> essentially integrates LUR and </a:t>
             </a:r>
             <a:r>
-              <a:rPr lang="en-US" dirty="0" err="1" smtClean="0"/>
+              <a:rPr lang="en-US" dirty="0" err="1"/>
               <a:t>Kriging</a:t>
             </a:r>
             <a:endParaRPr lang="en-US" dirty="0"/>
+          </a:p>
+        </p:txBody>
+      </p:sp>
+      <p:sp>
+        <p:nvSpPr>
+          <p:cNvPr id="4" name="Slide Number Placeholder 3">
+            <a:extLst>
+              <a:ext uri="{FF2B5EF4-FFF2-40B4-BE49-F238E27FC236}">
+                <a16:creationId xmlns:a16="http://schemas.microsoft.com/office/drawing/2014/main" id="{D7CD5081-6FC3-5B48-86F9-6AFAA9CDFC71}"/>
+              </a:ext>
+            </a:extLst>
+          </p:cNvPr>
+          <p:cNvSpPr>
+            <a:spLocks noGrp="1"/>
+          </p:cNvSpPr>
+          <p:nvPr>
+            <p:ph type="sldNum" sz="quarter" idx="12"/>
+          </p:nvPr>
+        </p:nvSpPr>
+        <p:spPr/>
+        <p:txBody>
+          <a:bodyPr/>
+          <a:lstStyle/>
+          <a:p>
+            <a:fld id="{8551792C-F89B-4948-B0B1-C6E471CEB377}" type="slidenum">
+              <a:rPr lang="en-US" smtClean="0"/>
+              <a:pPr/>
+              <a:t>39</a:t>
+            </a:fld>
+            <a:endParaRPr lang="en-US"/>
           </a:p>
         </p:txBody>
       </p:sp>
@@ -9782,13 +10403,6 @@
   <p:clrMapOvr>
     <a:masterClrMapping/>
   </p:clrMapOvr>
-  <p:timing>
-    <p:tnLst>
-      <p:par>
-        <p:cTn xmlns:p14="http://schemas.microsoft.com/office/powerpoint/2010/main" id="1" dur="indefinite" restart="never" nodeType="tmRoot"/>
-      </p:par>
-    </p:tnLst>
-  </p:timing>
 </p:sld>
 </file>
 
@@ -9825,10 +10439,9 @@
           <a:lstStyle/>
           <a:p>
             <a:r>
-              <a:rPr lang="en-US" dirty="0" smtClean="0"/>
+              <a:rPr lang="en-US" dirty="0"/>
               <a:t>Why Spatial R?</a:t>
             </a:r>
-            <a:endParaRPr lang="en-US" dirty="0"/>
           </a:p>
         </p:txBody>
       </p:sp>
@@ -9850,7 +10463,7 @@
           <a:lstStyle/>
           <a:p>
             <a:r>
-              <a:rPr lang="en-US" dirty="0" smtClean="0"/>
+              <a:rPr lang="en-US" dirty="0"/>
               <a:t>… so it turns out I found a CD in my mailbox with about 2000 Excel files, each of which has a traffic or pedestrian count</a:t>
             </a:r>
           </a:p>
@@ -9859,24 +10472,53 @@
           </a:p>
           <a:p>
             <a:r>
-              <a:rPr lang="en-US" dirty="0" smtClean="0"/>
+              <a:rPr lang="en-US" dirty="0"/>
               <a:t>This has potential to be interesting data for people doing pedestrian injury work</a:t>
             </a:r>
           </a:p>
           <a:p>
             <a:pPr lvl="1"/>
             <a:r>
-              <a:rPr lang="en-US" dirty="0" smtClean="0"/>
+              <a:rPr lang="en-US" dirty="0"/>
               <a:t>Esp. if counts are aligned with pre-existing web cameras?</a:t>
             </a:r>
           </a:p>
           <a:p>
             <a:pPr lvl="1"/>
             <a:r>
-              <a:rPr lang="en-US" dirty="0" smtClean="0"/>
+              <a:rPr lang="en-US" dirty="0"/>
               <a:t>But how do I know?  I don't have money to pay for ArcGIS or geographer time</a:t>
             </a:r>
-            <a:endParaRPr lang="en-US" dirty="0"/>
+          </a:p>
+        </p:txBody>
+      </p:sp>
+      <p:sp>
+        <p:nvSpPr>
+          <p:cNvPr id="4" name="Slide Number Placeholder 3">
+            <a:extLst>
+              <a:ext uri="{FF2B5EF4-FFF2-40B4-BE49-F238E27FC236}">
+                <a16:creationId xmlns:a16="http://schemas.microsoft.com/office/drawing/2014/main" id="{A322FA1F-147C-7942-90DD-7BAFAA903D9C}"/>
+              </a:ext>
+            </a:extLst>
+          </p:cNvPr>
+          <p:cNvSpPr>
+            <a:spLocks noGrp="1"/>
+          </p:cNvSpPr>
+          <p:nvPr>
+            <p:ph type="sldNum" sz="quarter" idx="12"/>
+          </p:nvPr>
+        </p:nvSpPr>
+        <p:spPr/>
+        <p:txBody>
+          <a:bodyPr/>
+          <a:lstStyle/>
+          <a:p>
+            <a:fld id="{8551792C-F89B-4948-B0B1-C6E471CEB377}" type="slidenum">
+              <a:rPr lang="en-US" smtClean="0"/>
+              <a:pPr/>
+              <a:t>4</a:t>
+            </a:fld>
+            <a:endParaRPr lang="en-US"/>
           </a:p>
         </p:txBody>
       </p:sp>
@@ -9890,13 +10532,6 @@
   <p:clrMapOvr>
     <a:masterClrMapping/>
   </p:clrMapOvr>
-  <p:timing>
-    <p:tnLst>
-      <p:par>
-        <p:cTn xmlns:p14="http://schemas.microsoft.com/office/powerpoint/2010/main" id="1" dur="indefinite" restart="never" nodeType="tmRoot"/>
-      </p:par>
-    </p:tnLst>
-  </p:timing>
 </p:sld>
 </file>
 
@@ -9933,14 +10568,13 @@
           <a:lstStyle/>
           <a:p>
             <a:r>
-              <a:rPr lang="en-US" dirty="0" err="1" smtClean="0"/>
+              <a:rPr lang="en-US" dirty="0" err="1"/>
               <a:t>Kriging</a:t>
             </a:r>
             <a:r>
-              <a:rPr lang="en-US" dirty="0" smtClean="0"/>
+              <a:rPr lang="en-US" dirty="0"/>
               <a:t> in R</a:t>
             </a:r>
-            <a:endParaRPr lang="en-US" dirty="0"/>
           </a:p>
         </p:txBody>
       </p:sp>
@@ -9967,11 +10601,11 @@
           <a:lstStyle/>
           <a:p>
             <a:r>
-              <a:rPr lang="en-US" dirty="0" smtClean="0"/>
+              <a:rPr lang="en-US" dirty="0"/>
               <a:t>Several packages support </a:t>
             </a:r>
             <a:r>
-              <a:rPr lang="en-US" dirty="0" err="1" smtClean="0"/>
+              <a:rPr lang="en-US" dirty="0" err="1"/>
               <a:t>kriging</a:t>
             </a:r>
             <a:endParaRPr lang="en-US" dirty="0"/>
@@ -9979,36 +10613,36 @@
           <a:p>
             <a:pPr lvl="1"/>
             <a:r>
-              <a:rPr lang="en-US" dirty="0" err="1" smtClean="0"/>
+              <a:rPr lang="en-US" dirty="0" err="1"/>
               <a:t>GeoR</a:t>
             </a:r>
-            <a:endParaRPr lang="en-US" dirty="0" smtClean="0"/>
+            <a:endParaRPr lang="en-US" dirty="0"/>
           </a:p>
           <a:p>
             <a:pPr lvl="1"/>
             <a:r>
-              <a:rPr lang="en-US" dirty="0" err="1" smtClean="0"/>
+              <a:rPr lang="en-US" dirty="0" err="1"/>
               <a:t>kriging</a:t>
             </a:r>
-            <a:endParaRPr lang="en-US" dirty="0" smtClean="0"/>
+            <a:endParaRPr lang="en-US" dirty="0"/>
           </a:p>
           <a:p>
             <a:pPr lvl="1"/>
             <a:r>
-              <a:rPr lang="en-US" dirty="0" err="1" smtClean="0"/>
+              <a:rPr lang="en-US" dirty="0" err="1"/>
               <a:t>gstat</a:t>
             </a:r>
-            <a:endParaRPr lang="en-US" dirty="0" smtClean="0"/>
-          </a:p>
-          <a:p>
-            <a:r>
-              <a:rPr lang="en-US" dirty="0" smtClean="0"/>
+            <a:endParaRPr lang="en-US" dirty="0"/>
+          </a:p>
+          <a:p>
+            <a:r>
+              <a:rPr lang="en-US" dirty="0"/>
               <a:t>There are a lot of details in how you fit the model – talk to me if you’re interested in trying it out</a:t>
             </a:r>
           </a:p>
           <a:p>
             <a:pPr lvl="1"/>
-            <a:endParaRPr lang="en-US" dirty="0" smtClean="0"/>
+            <a:endParaRPr lang="en-US" dirty="0"/>
           </a:p>
           <a:p>
             <a:pPr marL="457200" lvl="1" indent="0">
@@ -10064,18 +10698,48 @@
           <a:lstStyle/>
           <a:p>
             <a:r>
-              <a:rPr lang="en-US" dirty="0" err="1" smtClean="0"/>
+              <a:rPr lang="en-US" dirty="0" err="1"/>
               <a:t>Kriged</a:t>
             </a:r>
             <a:r>
-              <a:rPr lang="en-US" dirty="0" smtClean="0"/>
+              <a:rPr lang="en-US" dirty="0"/>
               <a:t> using </a:t>
             </a:r>
             <a:r>
-              <a:rPr lang="en-US" dirty="0" err="1" smtClean="0"/>
+              <a:rPr lang="en-US" dirty="0" err="1"/>
               <a:t>GeoR</a:t>
             </a:r>
             <a:endParaRPr lang="en-US" dirty="0"/>
+          </a:p>
+        </p:txBody>
+      </p:sp>
+      <p:sp>
+        <p:nvSpPr>
+          <p:cNvPr id="6" name="Slide Number Placeholder 5">
+            <a:extLst>
+              <a:ext uri="{FF2B5EF4-FFF2-40B4-BE49-F238E27FC236}">
+                <a16:creationId xmlns:a16="http://schemas.microsoft.com/office/drawing/2014/main" id="{17C52754-A0FF-1E40-8047-24E60834C56F}"/>
+              </a:ext>
+            </a:extLst>
+          </p:cNvPr>
+          <p:cNvSpPr>
+            <a:spLocks noGrp="1"/>
+          </p:cNvSpPr>
+          <p:nvPr>
+            <p:ph type="sldNum" sz="quarter" idx="12"/>
+          </p:nvPr>
+        </p:nvSpPr>
+        <p:spPr/>
+        <p:txBody>
+          <a:bodyPr/>
+          <a:lstStyle/>
+          <a:p>
+            <a:fld id="{8551792C-F89B-4948-B0B1-C6E471CEB377}" type="slidenum">
+              <a:rPr lang="en-US" smtClean="0"/>
+              <a:pPr/>
+              <a:t>40</a:t>
+            </a:fld>
+            <a:endParaRPr lang="en-US"/>
           </a:p>
         </p:txBody>
       </p:sp>
@@ -10089,13 +10753,6 @@
   <p:clrMapOvr>
     <a:masterClrMapping/>
   </p:clrMapOvr>
-  <p:timing>
-    <p:tnLst>
-      <p:par>
-        <p:cTn xmlns:p14="http://schemas.microsoft.com/office/powerpoint/2010/main" id="1" dur="indefinite" restart="never" nodeType="tmRoot"/>
-      </p:par>
-    </p:tnLst>
-  </p:timing>
 </p:sld>
 </file>
 
@@ -10132,10 +10789,9 @@
           <a:lstStyle/>
           <a:p>
             <a:r>
-              <a:rPr lang="en-US" dirty="0" smtClean="0"/>
+              <a:rPr lang="en-US" dirty="0"/>
               <a:t>Why Spatial R?</a:t>
             </a:r>
-            <a:endParaRPr lang="en-US" dirty="0"/>
           </a:p>
         </p:txBody>
       </p:sp>
@@ -10176,14 +10832,14 @@
           </a:ln>
           <a:extLst>
             <a:ext uri="{909E8E84-426E-40dd-AFC4-6F175D3DCCD1}">
-              <a14:hiddenFill xmlns:a14="http://schemas.microsoft.com/office/drawing/2010/main">
+              <a14:hiddenFill xmlns:a14="http://schemas.microsoft.com/office/drawing/2010/main" xmlns="">
                 <a:solidFill>
                   <a:schemeClr val="accent1"/>
                 </a:solidFill>
               </a14:hiddenFill>
             </a:ext>
             <a:ext uri="{91240B29-F687-4f45-9708-019B960494DF}">
-              <a14:hiddenLine xmlns:a14="http://schemas.microsoft.com/office/drawing/2010/main" w="9525">
+              <a14:hiddenLine xmlns:a14="http://schemas.microsoft.com/office/drawing/2010/main" xmlns="" w="9525">
                 <a:solidFill>
                   <a:schemeClr val="tx1"/>
                 </a:solidFill>
@@ -10195,6 +10851,36 @@
           </a:extLst>
         </p:spPr>
       </p:pic>
+      <p:sp>
+        <p:nvSpPr>
+          <p:cNvPr id="3" name="Slide Number Placeholder 2">
+            <a:extLst>
+              <a:ext uri="{FF2B5EF4-FFF2-40B4-BE49-F238E27FC236}">
+                <a16:creationId xmlns:a16="http://schemas.microsoft.com/office/drawing/2014/main" id="{2E0E9871-6CBA-DF4E-BD95-BF1BEF18FBFF}"/>
+              </a:ext>
+            </a:extLst>
+          </p:cNvPr>
+          <p:cNvSpPr>
+            <a:spLocks noGrp="1"/>
+          </p:cNvSpPr>
+          <p:nvPr>
+            <p:ph type="sldNum" sz="quarter" idx="12"/>
+          </p:nvPr>
+        </p:nvSpPr>
+        <p:spPr/>
+        <p:txBody>
+          <a:bodyPr/>
+          <a:lstStyle/>
+          <a:p>
+            <a:fld id="{8551792C-F89B-4948-B0B1-C6E471CEB377}" type="slidenum">
+              <a:rPr lang="en-US" smtClean="0"/>
+              <a:pPr/>
+              <a:t>5</a:t>
+            </a:fld>
+            <a:endParaRPr lang="en-US"/>
+          </a:p>
+        </p:txBody>
+      </p:sp>
     </p:spTree>
     <p:extLst>
       <p:ext uri="{BB962C8B-B14F-4D97-AF65-F5344CB8AC3E}">
@@ -10205,13 +10891,6 @@
   <p:clrMapOvr>
     <a:masterClrMapping/>
   </p:clrMapOvr>
-  <p:timing>
-    <p:tnLst>
-      <p:par>
-        <p:cTn xmlns:p14="http://schemas.microsoft.com/office/powerpoint/2010/main" id="1" dur="indefinite" restart="never" nodeType="tmRoot"/>
-      </p:par>
-    </p:tnLst>
-  </p:timing>
 </p:sld>
 </file>
 
@@ -10248,10 +10927,9 @@
           <a:lstStyle/>
           <a:p>
             <a:r>
-              <a:rPr lang="en-US" dirty="0" smtClean="0"/>
+              <a:rPr lang="en-US" dirty="0"/>
               <a:t>Note: maps are not spatial analysis</a:t>
             </a:r>
-            <a:endParaRPr lang="en-US" dirty="0"/>
           </a:p>
         </p:txBody>
       </p:sp>
@@ -10314,14 +10992,14 @@
           </a:ln>
           <a:extLst>
             <a:ext uri="{909E8E84-426E-40dd-AFC4-6F175D3DCCD1}">
-              <a14:hiddenFill xmlns:a14="http://schemas.microsoft.com/office/drawing/2010/main">
+              <a14:hiddenFill xmlns:a14="http://schemas.microsoft.com/office/drawing/2010/main" xmlns="">
                 <a:solidFill>
                   <a:schemeClr val="accent1"/>
                 </a:solidFill>
               </a14:hiddenFill>
             </a:ext>
             <a:ext uri="{91240B29-F687-4f45-9708-019B960494DF}">
-              <a14:hiddenLine xmlns:a14="http://schemas.microsoft.com/office/drawing/2010/main" w="9525">
+              <a14:hiddenLine xmlns:a14="http://schemas.microsoft.com/office/drawing/2010/main" xmlns="" w="9525">
                 <a:solidFill>
                   <a:schemeClr val="tx1"/>
                 </a:solidFill>
@@ -10356,10 +11034,9 @@
           <a:lstStyle/>
           <a:p>
             <a:r>
-              <a:rPr lang="en-US" dirty="0" smtClean="0"/>
+              <a:rPr lang="en-US" dirty="0"/>
               <a:t>Map made in ArcGIS</a:t>
             </a:r>
-            <a:endParaRPr lang="en-US" dirty="0"/>
           </a:p>
         </p:txBody>
       </p:sp>
@@ -10386,10 +11063,39 @@
           <a:lstStyle/>
           <a:p>
             <a:r>
-              <a:rPr lang="en-US" dirty="0" smtClean="0"/>
+              <a:rPr lang="en-US" dirty="0"/>
               <a:t>Map made in R</a:t>
             </a:r>
-            <a:endParaRPr lang="en-US" dirty="0"/>
+          </a:p>
+        </p:txBody>
+      </p:sp>
+      <p:sp>
+        <p:nvSpPr>
+          <p:cNvPr id="7" name="Slide Number Placeholder 6">
+            <a:extLst>
+              <a:ext uri="{FF2B5EF4-FFF2-40B4-BE49-F238E27FC236}">
+                <a16:creationId xmlns:a16="http://schemas.microsoft.com/office/drawing/2014/main" id="{D3611C5F-626D-4742-8C20-D4EEDAAC75C0}"/>
+              </a:ext>
+            </a:extLst>
+          </p:cNvPr>
+          <p:cNvSpPr>
+            <a:spLocks noGrp="1"/>
+          </p:cNvSpPr>
+          <p:nvPr>
+            <p:ph type="sldNum" sz="quarter" idx="12"/>
+          </p:nvPr>
+        </p:nvSpPr>
+        <p:spPr/>
+        <p:txBody>
+          <a:bodyPr/>
+          <a:lstStyle/>
+          <a:p>
+            <a:fld id="{8551792C-F89B-4948-B0B1-C6E471CEB377}" type="slidenum">
+              <a:rPr lang="en-US" smtClean="0"/>
+              <a:pPr/>
+              <a:t>6</a:t>
+            </a:fld>
+            <a:endParaRPr lang="en-US"/>
           </a:p>
         </p:txBody>
       </p:sp>
@@ -10398,13 +11104,6 @@
   <p:clrMapOvr>
     <a:masterClrMapping/>
   </p:clrMapOvr>
-  <p:timing>
-    <p:tnLst>
-      <p:par>
-        <p:cTn xmlns:p14="http://schemas.microsoft.com/office/powerpoint/2010/main" id="1" dur="indefinite" restart="never" nodeType="tmRoot"/>
-      </p:par>
-    </p:tnLst>
-  </p:timing>
 </p:sld>
 </file>
 
@@ -10442,15 +11141,7 @@
           <a:p>
             <a:r>
               <a:rPr lang="en-US" dirty="0"/>
-              <a:t>Note: </a:t>
-            </a:r>
-            <a:r>
-              <a:rPr lang="en-US" dirty="0" smtClean="0"/>
-              <a:t>maps </a:t>
-            </a:r>
-            <a:r>
-              <a:rPr lang="en-US" dirty="0"/>
-              <a:t>are not spatial analysis</a:t>
+              <a:t>Note: maps are not spatial analysis</a:t>
             </a:r>
           </a:p>
         </p:txBody>
@@ -10514,14 +11205,14 @@
           </a:ln>
           <a:extLst>
             <a:ext uri="{909E8E84-426E-40dd-AFC4-6F175D3DCCD1}">
-              <a14:hiddenFill xmlns:a14="http://schemas.microsoft.com/office/drawing/2010/main">
+              <a14:hiddenFill xmlns:a14="http://schemas.microsoft.com/office/drawing/2010/main" xmlns="">
                 <a:solidFill>
                   <a:schemeClr val="accent1"/>
                 </a:solidFill>
               </a14:hiddenFill>
             </a:ext>
             <a:ext uri="{91240B29-F687-4f45-9708-019B960494DF}">
-              <a14:hiddenLine xmlns:a14="http://schemas.microsoft.com/office/drawing/2010/main" w="9525">
+              <a14:hiddenLine xmlns:a14="http://schemas.microsoft.com/office/drawing/2010/main" xmlns="" w="9525">
                 <a:solidFill>
                   <a:schemeClr val="tx1"/>
                 </a:solidFill>
@@ -10556,18 +11247,13 @@
           <a:lstStyle/>
           <a:p>
             <a:r>
-              <a:rPr lang="en-US" dirty="0" smtClean="0">
+              <a:rPr lang="en-US" dirty="0">
                 <a:solidFill>
                   <a:prstClr val="black"/>
                 </a:solidFill>
               </a:rPr>
               <a:t>Spatial Analysis for this map: Done in R</a:t>
             </a:r>
-            <a:endParaRPr lang="en-US" dirty="0">
-              <a:solidFill>
-                <a:prstClr val="black"/>
-              </a:solidFill>
-            </a:endParaRPr>
           </a:p>
         </p:txBody>
       </p:sp>
@@ -10599,24 +11285,38 @@
                   <a:prstClr val="black"/>
                 </a:solidFill>
               </a:rPr>
-              <a:t>Spatial </a:t>
-            </a:r>
-            <a:r>
-              <a:rPr lang="en-US" dirty="0" smtClean="0">
-                <a:solidFill>
-                  <a:prstClr val="black"/>
-                </a:solidFill>
-              </a:rPr>
-              <a:t>Analysis for this map: </a:t>
-            </a:r>
-            <a:r>
-              <a:rPr lang="en-US" dirty="0">
-                <a:solidFill>
-                  <a:prstClr val="black"/>
-                </a:solidFill>
-              </a:rPr>
-              <a:t>Done in R</a:t>
-            </a:r>
+              <a:t>Spatial Analysis for this map: Done in R</a:t>
+            </a:r>
+          </a:p>
+        </p:txBody>
+      </p:sp>
+      <p:sp>
+        <p:nvSpPr>
+          <p:cNvPr id="7" name="Slide Number Placeholder 6">
+            <a:extLst>
+              <a:ext uri="{FF2B5EF4-FFF2-40B4-BE49-F238E27FC236}">
+                <a16:creationId xmlns:a16="http://schemas.microsoft.com/office/drawing/2014/main" id="{78D48552-E464-3348-99C0-7638FA2BC092}"/>
+              </a:ext>
+            </a:extLst>
+          </p:cNvPr>
+          <p:cNvSpPr>
+            <a:spLocks noGrp="1"/>
+          </p:cNvSpPr>
+          <p:nvPr>
+            <p:ph type="sldNum" sz="quarter" idx="12"/>
+          </p:nvPr>
+        </p:nvSpPr>
+        <p:spPr/>
+        <p:txBody>
+          <a:bodyPr/>
+          <a:lstStyle/>
+          <a:p>
+            <a:fld id="{8551792C-F89B-4948-B0B1-C6E471CEB377}" type="slidenum">
+              <a:rPr lang="en-US" smtClean="0"/>
+              <a:pPr/>
+              <a:t>7</a:t>
+            </a:fld>
+            <a:endParaRPr lang="en-US"/>
           </a:p>
         </p:txBody>
       </p:sp>
@@ -10630,13 +11330,6 @@
   <p:clrMapOvr>
     <a:masterClrMapping/>
   </p:clrMapOvr>
-  <p:timing>
-    <p:tnLst>
-      <p:par>
-        <p:cTn xmlns:p14="http://schemas.microsoft.com/office/powerpoint/2010/main" id="1" dur="indefinite" restart="never" nodeType="tmRoot"/>
-      </p:par>
-    </p:tnLst>
-  </p:timing>
 </p:sld>
 </file>
 
@@ -10673,10 +11366,9 @@
           <a:lstStyle/>
           <a:p>
             <a:r>
-              <a:rPr lang="en-US" dirty="0" smtClean="0"/>
+              <a:rPr lang="en-US" dirty="0"/>
               <a:t>Maps: why?</a:t>
             </a:r>
-            <a:endParaRPr lang="en-US" dirty="0"/>
           </a:p>
         </p:txBody>
       </p:sp>
@@ -10703,20 +11395,45 @@
           <a:lstStyle/>
           <a:p>
             <a:r>
-              <a:rPr lang="en-US" dirty="0" smtClean="0"/>
+              <a:rPr lang="en-US" dirty="0"/>
               <a:t>Spatial analysis is often well suited to visual communication</a:t>
             </a:r>
           </a:p>
           <a:p>
             <a:r>
               <a:rPr lang="en-US" dirty="0"/>
-              <a:t>I</a:t>
-            </a:r>
-            <a:r>
-              <a:rPr lang="en-US" dirty="0" smtClean="0"/>
-              <a:t>t’s important to remember that maps are just a kind of figure – a way of communicating some underlying relationships determined through spatial analysis</a:t>
-            </a:r>
-            <a:endParaRPr lang="en-US" dirty="0"/>
+              <a:t>It’s important to remember that maps are just a kind of figure – a way of communicating some underlying relationships determined through spatial analysis</a:t>
+            </a:r>
+          </a:p>
+        </p:txBody>
+      </p:sp>
+      <p:sp>
+        <p:nvSpPr>
+          <p:cNvPr id="4" name="Slide Number Placeholder 3">
+            <a:extLst>
+              <a:ext uri="{FF2B5EF4-FFF2-40B4-BE49-F238E27FC236}">
+                <a16:creationId xmlns:a16="http://schemas.microsoft.com/office/drawing/2014/main" id="{6DBC2EE7-8A60-1547-9350-47D92EB73D75}"/>
+              </a:ext>
+            </a:extLst>
+          </p:cNvPr>
+          <p:cNvSpPr>
+            <a:spLocks noGrp="1"/>
+          </p:cNvSpPr>
+          <p:nvPr>
+            <p:ph type="sldNum" sz="quarter" idx="12"/>
+          </p:nvPr>
+        </p:nvSpPr>
+        <p:spPr/>
+        <p:txBody>
+          <a:bodyPr/>
+          <a:lstStyle/>
+          <a:p>
+            <a:fld id="{8551792C-F89B-4948-B0B1-C6E471CEB377}" type="slidenum">
+              <a:rPr lang="en-US" smtClean="0"/>
+              <a:pPr/>
+              <a:t>8</a:t>
+            </a:fld>
+            <a:endParaRPr lang="en-US"/>
           </a:p>
         </p:txBody>
       </p:sp>
@@ -10725,13 +11442,6 @@
   <p:clrMapOvr>
     <a:masterClrMapping/>
   </p:clrMapOvr>
-  <p:timing>
-    <p:tnLst>
-      <p:par>
-        <p:cTn xmlns:p14="http://schemas.microsoft.com/office/powerpoint/2010/main" id="1" dur="indefinite" restart="never" nodeType="tmRoot"/>
-      </p:par>
-    </p:tnLst>
-  </p:timing>
 </p:sld>
 </file>
 
@@ -10770,73 +11480,72 @@
           <a:lstStyle/>
           <a:p>
             <a:r>
-              <a:rPr lang="en-US" dirty="0" smtClean="0"/>
+              <a:rPr lang="en-US" dirty="0"/>
               <a:t>So really: why do we use spatial analysis?</a:t>
             </a:r>
+          </a:p>
+        </p:txBody>
+      </p:sp>
+      <p:sp>
+        <p:nvSpPr>
+          <p:cNvPr id="3" name="Content Placeholder 2"/>
+          <p:cNvSpPr>
+            <a:spLocks noGrp="1"/>
+          </p:cNvSpPr>
+          <p:nvPr>
+            <p:ph idx="1"/>
+          </p:nvPr>
+        </p:nvSpPr>
+        <p:spPr/>
+        <p:txBody>
+          <a:bodyPr/>
+          <a:lstStyle/>
+          <a:p>
+            <a:r>
+              <a:rPr lang="en-US" dirty="0"/>
+              <a:t>Surveillance</a:t>
+            </a:r>
+          </a:p>
+          <a:p>
+            <a:pPr lvl="1"/>
+            <a:r>
+              <a:rPr lang="en-US" dirty="0"/>
+              <a:t>Are the spatial patterns to disease incidence?</a:t>
+            </a:r>
+          </a:p>
+          <a:p>
+            <a:r>
+              <a:rPr lang="en-US" dirty="0"/>
+              <a:t>Infectious disease etiology/vector identification</a:t>
+            </a:r>
+          </a:p>
+          <a:p>
+            <a:pPr lvl="1"/>
+            <a:r>
+              <a:rPr lang="en-US" dirty="0"/>
+              <a:t>Can the spatial pattern tell us something about how the disease is being transmitted?</a:t>
+            </a:r>
+          </a:p>
+          <a:p>
+            <a:r>
+              <a:rPr lang="en-US" dirty="0"/>
+              <a:t>Cluster investigations</a:t>
+            </a:r>
+          </a:p>
+          <a:p>
+            <a:r>
+              <a:rPr lang="en-US" dirty="0"/>
+              <a:t>Neighborhood influences</a:t>
+            </a:r>
+          </a:p>
+          <a:p>
+            <a:r>
+              <a:rPr lang="en-US" dirty="0"/>
+              <a:t>etc.</a:t>
+            </a:r>
+          </a:p>
+          <a:p>
             <a:endParaRPr lang="en-US" dirty="0"/>
-          </a:p>
-        </p:txBody>
-      </p:sp>
-      <p:sp>
-        <p:nvSpPr>
-          <p:cNvPr id="3" name="Content Placeholder 2"/>
-          <p:cNvSpPr>
-            <a:spLocks noGrp="1"/>
-          </p:cNvSpPr>
-          <p:nvPr>
-            <p:ph idx="1"/>
-          </p:nvPr>
-        </p:nvSpPr>
-        <p:spPr/>
-        <p:txBody>
-          <a:bodyPr/>
-          <a:lstStyle/>
-          <a:p>
-            <a:r>
-              <a:rPr lang="en-US" dirty="0" smtClean="0"/>
-              <a:t>Surveillance</a:t>
-            </a:r>
-          </a:p>
-          <a:p>
-            <a:pPr lvl="1"/>
-            <a:r>
-              <a:rPr lang="en-US" dirty="0" smtClean="0"/>
-              <a:t>Are the spatial patterns to disease incidence?</a:t>
-            </a:r>
-          </a:p>
-          <a:p>
-            <a:r>
-              <a:rPr lang="en-US" dirty="0" smtClean="0"/>
-              <a:t>Infectious disease etiology/vector identification</a:t>
-            </a:r>
-          </a:p>
-          <a:p>
-            <a:pPr lvl="1"/>
-            <a:r>
-              <a:rPr lang="en-US" dirty="0" smtClean="0"/>
-              <a:t>Can the spatial pattern tell us something about how the disease is being transmitted?</a:t>
-            </a:r>
-          </a:p>
-          <a:p>
-            <a:r>
-              <a:rPr lang="en-US" dirty="0" smtClean="0"/>
-              <a:t>Cluster investigations</a:t>
-            </a:r>
-          </a:p>
-          <a:p>
-            <a:r>
-              <a:rPr lang="en-US" dirty="0" smtClean="0"/>
-              <a:t>Neighborhood influences</a:t>
-            </a:r>
-          </a:p>
-          <a:p>
-            <a:r>
-              <a:rPr lang="en-US" dirty="0" smtClean="0"/>
-              <a:t>etc.</a:t>
-            </a:r>
-          </a:p>
-          <a:p>
-            <a:endParaRPr lang="en-US" dirty="0" smtClean="0"/>
           </a:p>
           <a:p>
             <a:endParaRPr lang="en-US" dirty="0"/>
@@ -10878,14 +11587,14 @@
           </a:ln>
           <a:extLst>
             <a:ext uri="{909E8E84-426E-40dd-AFC4-6F175D3DCCD1}">
-              <a14:hiddenFill xmlns:a14="http://schemas.microsoft.com/office/drawing/2010/main">
+              <a14:hiddenFill xmlns:a14="http://schemas.microsoft.com/office/drawing/2010/main" xmlns="">
                 <a:solidFill>
                   <a:schemeClr val="accent1"/>
                 </a:solidFill>
               </a14:hiddenFill>
             </a:ext>
             <a:ext uri="{91240B29-F687-4f45-9708-019B960494DF}">
-              <a14:hiddenLine xmlns:a14="http://schemas.microsoft.com/office/drawing/2010/main" w="9525">
+              <a14:hiddenLine xmlns:a14="http://schemas.microsoft.com/office/drawing/2010/main" xmlns="" w="9525">
                 <a:solidFill>
                   <a:schemeClr val="tx1"/>
                 </a:solidFill>
@@ -10897,18 +11606,41 @@
           </a:extLst>
         </p:spPr>
       </p:pic>
+      <p:sp>
+        <p:nvSpPr>
+          <p:cNvPr id="4" name="Slide Number Placeholder 3">
+            <a:extLst>
+              <a:ext uri="{FF2B5EF4-FFF2-40B4-BE49-F238E27FC236}">
+                <a16:creationId xmlns:a16="http://schemas.microsoft.com/office/drawing/2014/main" id="{6951D8F7-F307-D54F-AD3C-3E5F2826AC7A}"/>
+              </a:ext>
+            </a:extLst>
+          </p:cNvPr>
+          <p:cNvSpPr>
+            <a:spLocks noGrp="1"/>
+          </p:cNvSpPr>
+          <p:nvPr>
+            <p:ph type="sldNum" sz="quarter" idx="12"/>
+          </p:nvPr>
+        </p:nvSpPr>
+        <p:spPr/>
+        <p:txBody>
+          <a:bodyPr/>
+          <a:lstStyle/>
+          <a:p>
+            <a:fld id="{8551792C-F89B-4948-B0B1-C6E471CEB377}" type="slidenum">
+              <a:rPr lang="en-US" smtClean="0"/>
+              <a:pPr/>
+              <a:t>9</a:t>
+            </a:fld>
+            <a:endParaRPr lang="en-US"/>
+          </a:p>
+        </p:txBody>
+      </p:sp>
     </p:spTree>
   </p:cSld>
   <p:clrMapOvr>
     <a:masterClrMapping/>
   </p:clrMapOvr>
-  <p:timing>
-    <p:tnLst>
-      <p:par>
-        <p:cTn xmlns:p14="http://schemas.microsoft.com/office/powerpoint/2010/main" id="1" dur="indefinite" restart="never" nodeType="tmRoot"/>
-      </p:par>
-    </p:tnLst>
-  </p:timing>
 </p:sld>
 </file>
 
